--- a/10-2021 Pass Summit/To Hyperscale or not to Hyperscale, that's.pptx
+++ b/10-2021 Pass Summit/To Hyperscale or not to Hyperscale, that's.pptx
@@ -4,14 +4,22 @@
   <p:sldMasterIdLst>
     <p:sldMasterId id="2147483660" r:id="rId1"/>
   </p:sldMasterIdLst>
+  <p:notesMasterIdLst>
+    <p:notesMasterId r:id="rId14"/>
+  </p:notesMasterIdLst>
   <p:sldIdLst>
     <p:sldId id="256" r:id="rId2"/>
-    <p:sldId id="257" r:id="rId3"/>
-    <p:sldId id="258" r:id="rId4"/>
-    <p:sldId id="259" r:id="rId5"/>
-    <p:sldId id="260" r:id="rId6"/>
-    <p:sldId id="261" r:id="rId7"/>
-    <p:sldId id="262" r:id="rId8"/>
+    <p:sldId id="263" r:id="rId3"/>
+    <p:sldId id="257" r:id="rId4"/>
+    <p:sldId id="258" r:id="rId5"/>
+    <p:sldId id="259" r:id="rId6"/>
+    <p:sldId id="260" r:id="rId7"/>
+    <p:sldId id="264" r:id="rId8"/>
+    <p:sldId id="261" r:id="rId9"/>
+    <p:sldId id="265" r:id="rId10"/>
+    <p:sldId id="266" r:id="rId11"/>
+    <p:sldId id="267" r:id="rId12"/>
+    <p:sldId id="262" r:id="rId13"/>
   </p:sldIdLst>
   <p:sldSz cx="12192000" cy="6858000"/>
   <p:notesSz cx="6858000" cy="9144000"/>
@@ -140,7 +148,4347 @@
       </a:defRPr>
     </a:lvl9pPr>
   </p:defaultTextStyle>
+  <p:extLst>
+    <p:ext uri="{EFAFB233-063F-42B5-8137-9DF3F51BA10A}">
+      <p15:sldGuideLst xmlns:p15="http://schemas.microsoft.com/office/powerpoint/2012/main"/>
+    </p:ext>
+  </p:extLst>
 </p:presentation>
+</file>
+
+<file path=ppt/diagrams/colors1.xml><?xml version="1.0" encoding="utf-8"?>
+<dgm:colorsDef xmlns:dgm="http://schemas.openxmlformats.org/drawingml/2006/diagram" xmlns:a="http://schemas.openxmlformats.org/drawingml/2006/main" uniqueId="urn:microsoft.com/office/officeart/2005/8/colors/accent1_2">
+  <dgm:title val=""/>
+  <dgm:desc val=""/>
+  <dgm:catLst>
+    <dgm:cat type="accent1" pri="11200"/>
+  </dgm:catLst>
+  <dgm:styleLbl name="node0">
+    <dgm:fillClrLst meth="repeat">
+      <a:schemeClr val="accent1"/>
+    </dgm:fillClrLst>
+    <dgm:linClrLst meth="repeat">
+      <a:schemeClr val="lt1"/>
+    </dgm:linClrLst>
+    <dgm:effectClrLst/>
+    <dgm:txLinClrLst/>
+    <dgm:txFillClrLst/>
+    <dgm:txEffectClrLst/>
+  </dgm:styleLbl>
+  <dgm:styleLbl name="alignNode1">
+    <dgm:fillClrLst meth="repeat">
+      <a:schemeClr val="accent1"/>
+    </dgm:fillClrLst>
+    <dgm:linClrLst meth="repeat">
+      <a:schemeClr val="accent1"/>
+    </dgm:linClrLst>
+    <dgm:effectClrLst/>
+    <dgm:txLinClrLst/>
+    <dgm:txFillClrLst/>
+    <dgm:txEffectClrLst/>
+  </dgm:styleLbl>
+  <dgm:styleLbl name="node1">
+    <dgm:fillClrLst meth="repeat">
+      <a:schemeClr val="accent1"/>
+    </dgm:fillClrLst>
+    <dgm:linClrLst meth="repeat">
+      <a:schemeClr val="lt1"/>
+    </dgm:linClrLst>
+    <dgm:effectClrLst/>
+    <dgm:txLinClrLst/>
+    <dgm:txFillClrLst/>
+    <dgm:txEffectClrLst/>
+  </dgm:styleLbl>
+  <dgm:styleLbl name="lnNode1">
+    <dgm:fillClrLst meth="repeat">
+      <a:schemeClr val="accent1"/>
+    </dgm:fillClrLst>
+    <dgm:linClrLst meth="repeat">
+      <a:schemeClr val="lt1"/>
+    </dgm:linClrLst>
+    <dgm:effectClrLst/>
+    <dgm:txLinClrLst/>
+    <dgm:txFillClrLst/>
+    <dgm:txEffectClrLst/>
+  </dgm:styleLbl>
+  <dgm:styleLbl name="vennNode1">
+    <dgm:fillClrLst meth="repeat">
+      <a:schemeClr val="accent1">
+        <a:alpha val="50000"/>
+      </a:schemeClr>
+    </dgm:fillClrLst>
+    <dgm:linClrLst meth="repeat">
+      <a:schemeClr val="lt1"/>
+    </dgm:linClrLst>
+    <dgm:effectClrLst/>
+    <dgm:txLinClrLst/>
+    <dgm:txFillClrLst/>
+    <dgm:txEffectClrLst/>
+  </dgm:styleLbl>
+  <dgm:styleLbl name="node2">
+    <dgm:fillClrLst meth="repeat">
+      <a:schemeClr val="accent1"/>
+    </dgm:fillClrLst>
+    <dgm:linClrLst meth="repeat">
+      <a:schemeClr val="lt1"/>
+    </dgm:linClrLst>
+    <dgm:effectClrLst/>
+    <dgm:txLinClrLst/>
+    <dgm:txFillClrLst/>
+    <dgm:txEffectClrLst/>
+  </dgm:styleLbl>
+  <dgm:styleLbl name="node3">
+    <dgm:fillClrLst meth="repeat">
+      <a:schemeClr val="accent1"/>
+    </dgm:fillClrLst>
+    <dgm:linClrLst meth="repeat">
+      <a:schemeClr val="lt1"/>
+    </dgm:linClrLst>
+    <dgm:effectClrLst/>
+    <dgm:txLinClrLst/>
+    <dgm:txFillClrLst/>
+    <dgm:txEffectClrLst/>
+  </dgm:styleLbl>
+  <dgm:styleLbl name="node4">
+    <dgm:fillClrLst meth="repeat">
+      <a:schemeClr val="accent1"/>
+    </dgm:fillClrLst>
+    <dgm:linClrLst meth="repeat">
+      <a:schemeClr val="lt1"/>
+    </dgm:linClrLst>
+    <dgm:effectClrLst/>
+    <dgm:txLinClrLst/>
+    <dgm:txFillClrLst/>
+    <dgm:txEffectClrLst/>
+  </dgm:styleLbl>
+  <dgm:styleLbl name="fgImgPlace1">
+    <dgm:fillClrLst meth="repeat">
+      <a:schemeClr val="accent1">
+        <a:tint val="50000"/>
+      </a:schemeClr>
+    </dgm:fillClrLst>
+    <dgm:linClrLst meth="repeat">
+      <a:schemeClr val="lt1"/>
+    </dgm:linClrLst>
+    <dgm:effectClrLst/>
+    <dgm:txLinClrLst/>
+    <dgm:txFillClrLst meth="repeat">
+      <a:schemeClr val="lt1"/>
+    </dgm:txFillClrLst>
+    <dgm:txEffectClrLst/>
+  </dgm:styleLbl>
+  <dgm:styleLbl name="alignImgPlace1">
+    <dgm:fillClrLst meth="repeat">
+      <a:schemeClr val="accent1">
+        <a:tint val="50000"/>
+      </a:schemeClr>
+    </dgm:fillClrLst>
+    <dgm:linClrLst meth="repeat">
+      <a:schemeClr val="lt1"/>
+    </dgm:linClrLst>
+    <dgm:effectClrLst/>
+    <dgm:txLinClrLst/>
+    <dgm:txFillClrLst meth="repeat">
+      <a:schemeClr val="lt1"/>
+    </dgm:txFillClrLst>
+    <dgm:txEffectClrLst/>
+  </dgm:styleLbl>
+  <dgm:styleLbl name="bgImgPlace1">
+    <dgm:fillClrLst meth="repeat">
+      <a:schemeClr val="accent1">
+        <a:tint val="50000"/>
+      </a:schemeClr>
+    </dgm:fillClrLst>
+    <dgm:linClrLst meth="repeat">
+      <a:schemeClr val="lt1"/>
+    </dgm:linClrLst>
+    <dgm:effectClrLst/>
+    <dgm:txLinClrLst/>
+    <dgm:txFillClrLst meth="repeat">
+      <a:schemeClr val="lt1"/>
+    </dgm:txFillClrLst>
+    <dgm:txEffectClrLst/>
+  </dgm:styleLbl>
+  <dgm:styleLbl name="sibTrans2D1">
+    <dgm:fillClrLst meth="repeat">
+      <a:schemeClr val="accent1">
+        <a:tint val="60000"/>
+      </a:schemeClr>
+    </dgm:fillClrLst>
+    <dgm:linClrLst meth="repeat">
+      <a:schemeClr val="accent1">
+        <a:tint val="60000"/>
+      </a:schemeClr>
+    </dgm:linClrLst>
+    <dgm:effectClrLst/>
+    <dgm:txLinClrLst/>
+    <dgm:txFillClrLst/>
+    <dgm:txEffectClrLst/>
+  </dgm:styleLbl>
+  <dgm:styleLbl name="fgSibTrans2D1">
+    <dgm:fillClrLst meth="repeat">
+      <a:schemeClr val="accent1">
+        <a:tint val="60000"/>
+      </a:schemeClr>
+    </dgm:fillClrLst>
+    <dgm:linClrLst meth="repeat">
+      <a:schemeClr val="accent1">
+        <a:tint val="60000"/>
+      </a:schemeClr>
+    </dgm:linClrLst>
+    <dgm:effectClrLst/>
+    <dgm:txLinClrLst/>
+    <dgm:txFillClrLst/>
+    <dgm:txEffectClrLst/>
+  </dgm:styleLbl>
+  <dgm:styleLbl name="bgSibTrans2D1">
+    <dgm:fillClrLst meth="repeat">
+      <a:schemeClr val="accent1">
+        <a:tint val="60000"/>
+      </a:schemeClr>
+    </dgm:fillClrLst>
+    <dgm:linClrLst meth="repeat">
+      <a:schemeClr val="accent1">
+        <a:tint val="60000"/>
+      </a:schemeClr>
+    </dgm:linClrLst>
+    <dgm:effectClrLst/>
+    <dgm:txLinClrLst/>
+    <dgm:txFillClrLst/>
+    <dgm:txEffectClrLst/>
+  </dgm:styleLbl>
+  <dgm:styleLbl name="sibTrans1D1">
+    <dgm:fillClrLst meth="repeat">
+      <a:schemeClr val="accent1"/>
+    </dgm:fillClrLst>
+    <dgm:linClrLst meth="repeat">
+      <a:schemeClr val="accent1"/>
+    </dgm:linClrLst>
+    <dgm:effectClrLst/>
+    <dgm:txLinClrLst/>
+    <dgm:txFillClrLst meth="repeat">
+      <a:schemeClr val="tx1"/>
+    </dgm:txFillClrLst>
+    <dgm:txEffectClrLst/>
+  </dgm:styleLbl>
+  <dgm:styleLbl name="callout">
+    <dgm:fillClrLst meth="repeat">
+      <a:schemeClr val="accent1"/>
+    </dgm:fillClrLst>
+    <dgm:linClrLst meth="repeat">
+      <a:schemeClr val="accent1">
+        <a:tint val="50000"/>
+      </a:schemeClr>
+    </dgm:linClrLst>
+    <dgm:effectClrLst/>
+    <dgm:txLinClrLst/>
+    <dgm:txFillClrLst meth="repeat">
+      <a:schemeClr val="tx1"/>
+    </dgm:txFillClrLst>
+    <dgm:txEffectClrLst/>
+  </dgm:styleLbl>
+  <dgm:styleLbl name="asst0">
+    <dgm:fillClrLst meth="repeat">
+      <a:schemeClr val="accent1"/>
+    </dgm:fillClrLst>
+    <dgm:linClrLst meth="repeat">
+      <a:schemeClr val="lt1"/>
+    </dgm:linClrLst>
+    <dgm:effectClrLst/>
+    <dgm:txLinClrLst/>
+    <dgm:txFillClrLst/>
+    <dgm:txEffectClrLst/>
+  </dgm:styleLbl>
+  <dgm:styleLbl name="asst1">
+    <dgm:fillClrLst meth="repeat">
+      <a:schemeClr val="accent1"/>
+    </dgm:fillClrLst>
+    <dgm:linClrLst meth="repeat">
+      <a:schemeClr val="lt1"/>
+    </dgm:linClrLst>
+    <dgm:effectClrLst/>
+    <dgm:txLinClrLst/>
+    <dgm:txFillClrLst/>
+    <dgm:txEffectClrLst/>
+  </dgm:styleLbl>
+  <dgm:styleLbl name="asst2">
+    <dgm:fillClrLst meth="repeat">
+      <a:schemeClr val="accent1"/>
+    </dgm:fillClrLst>
+    <dgm:linClrLst meth="repeat">
+      <a:schemeClr val="lt1"/>
+    </dgm:linClrLst>
+    <dgm:effectClrLst/>
+    <dgm:txLinClrLst/>
+    <dgm:txFillClrLst/>
+    <dgm:txEffectClrLst/>
+  </dgm:styleLbl>
+  <dgm:styleLbl name="asst3">
+    <dgm:fillClrLst meth="repeat">
+      <a:schemeClr val="accent1"/>
+    </dgm:fillClrLst>
+    <dgm:linClrLst meth="repeat">
+      <a:schemeClr val="lt1"/>
+    </dgm:linClrLst>
+    <dgm:effectClrLst/>
+    <dgm:txLinClrLst/>
+    <dgm:txFillClrLst/>
+    <dgm:txEffectClrLst/>
+  </dgm:styleLbl>
+  <dgm:styleLbl name="asst4">
+    <dgm:fillClrLst meth="repeat">
+      <a:schemeClr val="accent1"/>
+    </dgm:fillClrLst>
+    <dgm:linClrLst meth="repeat">
+      <a:schemeClr val="lt1"/>
+    </dgm:linClrLst>
+    <dgm:effectClrLst/>
+    <dgm:txLinClrLst/>
+    <dgm:txFillClrLst/>
+    <dgm:txEffectClrLst/>
+  </dgm:styleLbl>
+  <dgm:styleLbl name="parChTrans2D1">
+    <dgm:fillClrLst meth="repeat">
+      <a:schemeClr val="accent1">
+        <a:tint val="60000"/>
+      </a:schemeClr>
+    </dgm:fillClrLst>
+    <dgm:linClrLst meth="repeat">
+      <a:schemeClr val="accent1">
+        <a:tint val="60000"/>
+      </a:schemeClr>
+    </dgm:linClrLst>
+    <dgm:effectClrLst/>
+    <dgm:txLinClrLst/>
+    <dgm:txFillClrLst meth="repeat">
+      <a:schemeClr val="lt1"/>
+    </dgm:txFillClrLst>
+    <dgm:txEffectClrLst/>
+  </dgm:styleLbl>
+  <dgm:styleLbl name="parChTrans2D2">
+    <dgm:fillClrLst meth="repeat">
+      <a:schemeClr val="accent1"/>
+    </dgm:fillClrLst>
+    <dgm:linClrLst meth="repeat">
+      <a:schemeClr val="accent1"/>
+    </dgm:linClrLst>
+    <dgm:effectClrLst/>
+    <dgm:txLinClrLst/>
+    <dgm:txFillClrLst meth="repeat">
+      <a:schemeClr val="lt1"/>
+    </dgm:txFillClrLst>
+    <dgm:txEffectClrLst/>
+  </dgm:styleLbl>
+  <dgm:styleLbl name="parChTrans2D3">
+    <dgm:fillClrLst meth="repeat">
+      <a:schemeClr val="accent1"/>
+    </dgm:fillClrLst>
+    <dgm:linClrLst meth="repeat">
+      <a:schemeClr val="accent1"/>
+    </dgm:linClrLst>
+    <dgm:effectClrLst/>
+    <dgm:txLinClrLst/>
+    <dgm:txFillClrLst meth="repeat">
+      <a:schemeClr val="lt1"/>
+    </dgm:txFillClrLst>
+    <dgm:txEffectClrLst/>
+  </dgm:styleLbl>
+  <dgm:styleLbl name="parChTrans2D4">
+    <dgm:fillClrLst meth="repeat">
+      <a:schemeClr val="accent1"/>
+    </dgm:fillClrLst>
+    <dgm:linClrLst meth="repeat">
+      <a:schemeClr val="accent1"/>
+    </dgm:linClrLst>
+    <dgm:effectClrLst/>
+    <dgm:txLinClrLst/>
+    <dgm:txFillClrLst meth="repeat">
+      <a:schemeClr val="lt1"/>
+    </dgm:txFillClrLst>
+    <dgm:txEffectClrLst/>
+  </dgm:styleLbl>
+  <dgm:styleLbl name="parChTrans1D1">
+    <dgm:fillClrLst meth="repeat">
+      <a:schemeClr val="accent1"/>
+    </dgm:fillClrLst>
+    <dgm:linClrLst meth="repeat">
+      <a:schemeClr val="accent1">
+        <a:shade val="60000"/>
+      </a:schemeClr>
+    </dgm:linClrLst>
+    <dgm:effectClrLst/>
+    <dgm:txLinClrLst/>
+    <dgm:txFillClrLst meth="repeat">
+      <a:schemeClr val="tx1"/>
+    </dgm:txFillClrLst>
+    <dgm:txEffectClrLst/>
+  </dgm:styleLbl>
+  <dgm:styleLbl name="parChTrans1D2">
+    <dgm:fillClrLst meth="repeat">
+      <a:schemeClr val="accent1"/>
+    </dgm:fillClrLst>
+    <dgm:linClrLst meth="repeat">
+      <a:schemeClr val="accent1">
+        <a:shade val="60000"/>
+      </a:schemeClr>
+    </dgm:linClrLst>
+    <dgm:effectClrLst/>
+    <dgm:txLinClrLst/>
+    <dgm:txFillClrLst meth="repeat">
+      <a:schemeClr val="tx1"/>
+    </dgm:txFillClrLst>
+    <dgm:txEffectClrLst/>
+  </dgm:styleLbl>
+  <dgm:styleLbl name="parChTrans1D3">
+    <dgm:fillClrLst meth="repeat">
+      <a:schemeClr val="accent1"/>
+    </dgm:fillClrLst>
+    <dgm:linClrLst meth="repeat">
+      <a:schemeClr val="accent1">
+        <a:shade val="80000"/>
+      </a:schemeClr>
+    </dgm:linClrLst>
+    <dgm:effectClrLst/>
+    <dgm:txLinClrLst/>
+    <dgm:txFillClrLst meth="repeat">
+      <a:schemeClr val="tx1"/>
+    </dgm:txFillClrLst>
+    <dgm:txEffectClrLst/>
+  </dgm:styleLbl>
+  <dgm:styleLbl name="parChTrans1D4">
+    <dgm:fillClrLst meth="repeat">
+      <a:schemeClr val="accent1"/>
+    </dgm:fillClrLst>
+    <dgm:linClrLst meth="repeat">
+      <a:schemeClr val="accent1">
+        <a:shade val="80000"/>
+      </a:schemeClr>
+    </dgm:linClrLst>
+    <dgm:effectClrLst/>
+    <dgm:txLinClrLst/>
+    <dgm:txFillClrLst meth="repeat">
+      <a:schemeClr val="tx1"/>
+    </dgm:txFillClrLst>
+    <dgm:txEffectClrLst/>
+  </dgm:styleLbl>
+  <dgm:styleLbl name="fgAcc1">
+    <dgm:fillClrLst meth="repeat">
+      <a:schemeClr val="lt1">
+        <a:alpha val="90000"/>
+      </a:schemeClr>
+    </dgm:fillClrLst>
+    <dgm:linClrLst meth="repeat">
+      <a:schemeClr val="accent1"/>
+    </dgm:linClrLst>
+    <dgm:effectClrLst/>
+    <dgm:txLinClrLst/>
+    <dgm:txFillClrLst meth="repeat">
+      <a:schemeClr val="dk1"/>
+    </dgm:txFillClrLst>
+    <dgm:txEffectClrLst/>
+  </dgm:styleLbl>
+  <dgm:styleLbl name="conFgAcc1">
+    <dgm:fillClrLst meth="repeat">
+      <a:schemeClr val="lt1">
+        <a:alpha val="90000"/>
+      </a:schemeClr>
+    </dgm:fillClrLst>
+    <dgm:linClrLst meth="repeat">
+      <a:schemeClr val="accent1"/>
+    </dgm:linClrLst>
+    <dgm:effectClrLst/>
+    <dgm:txLinClrLst/>
+    <dgm:txFillClrLst meth="repeat">
+      <a:schemeClr val="dk1"/>
+    </dgm:txFillClrLst>
+    <dgm:txEffectClrLst/>
+  </dgm:styleLbl>
+  <dgm:styleLbl name="alignAcc1">
+    <dgm:fillClrLst meth="repeat">
+      <a:schemeClr val="lt1">
+        <a:alpha val="90000"/>
+      </a:schemeClr>
+    </dgm:fillClrLst>
+    <dgm:linClrLst meth="repeat">
+      <a:schemeClr val="accent1"/>
+    </dgm:linClrLst>
+    <dgm:effectClrLst/>
+    <dgm:txLinClrLst/>
+    <dgm:txFillClrLst meth="repeat">
+      <a:schemeClr val="dk1"/>
+    </dgm:txFillClrLst>
+    <dgm:txEffectClrLst/>
+  </dgm:styleLbl>
+  <dgm:styleLbl name="trAlignAcc1">
+    <dgm:fillClrLst meth="repeat">
+      <a:schemeClr val="lt1">
+        <a:alpha val="40000"/>
+      </a:schemeClr>
+    </dgm:fillClrLst>
+    <dgm:linClrLst meth="repeat">
+      <a:schemeClr val="accent1"/>
+    </dgm:linClrLst>
+    <dgm:effectClrLst/>
+    <dgm:txLinClrLst/>
+    <dgm:txFillClrLst meth="repeat">
+      <a:schemeClr val="dk1"/>
+    </dgm:txFillClrLst>
+    <dgm:txEffectClrLst/>
+  </dgm:styleLbl>
+  <dgm:styleLbl name="bgAcc1">
+    <dgm:fillClrLst meth="repeat">
+      <a:schemeClr val="lt1">
+        <a:alpha val="90000"/>
+      </a:schemeClr>
+    </dgm:fillClrLst>
+    <dgm:linClrLst meth="repeat">
+      <a:schemeClr val="accent1"/>
+    </dgm:linClrLst>
+    <dgm:effectClrLst/>
+    <dgm:txLinClrLst/>
+    <dgm:txFillClrLst meth="repeat">
+      <a:schemeClr val="dk1"/>
+    </dgm:txFillClrLst>
+    <dgm:txEffectClrLst/>
+  </dgm:styleLbl>
+  <dgm:styleLbl name="solidFgAcc1">
+    <dgm:fillClrLst meth="repeat">
+      <a:schemeClr val="lt1"/>
+    </dgm:fillClrLst>
+    <dgm:linClrLst meth="repeat">
+      <a:schemeClr val="accent1"/>
+    </dgm:linClrLst>
+    <dgm:effectClrLst/>
+    <dgm:txLinClrLst/>
+    <dgm:txFillClrLst meth="repeat">
+      <a:schemeClr val="dk1"/>
+    </dgm:txFillClrLst>
+    <dgm:txEffectClrLst/>
+  </dgm:styleLbl>
+  <dgm:styleLbl name="solidAlignAcc1">
+    <dgm:fillClrLst meth="repeat">
+      <a:schemeClr val="lt1"/>
+    </dgm:fillClrLst>
+    <dgm:linClrLst meth="repeat">
+      <a:schemeClr val="accent1"/>
+    </dgm:linClrLst>
+    <dgm:effectClrLst/>
+    <dgm:txLinClrLst/>
+    <dgm:txFillClrLst meth="repeat">
+      <a:schemeClr val="dk1"/>
+    </dgm:txFillClrLst>
+    <dgm:txEffectClrLst/>
+  </dgm:styleLbl>
+  <dgm:styleLbl name="solidBgAcc1">
+    <dgm:fillClrLst meth="repeat">
+      <a:schemeClr val="lt1"/>
+    </dgm:fillClrLst>
+    <dgm:linClrLst meth="repeat">
+      <a:schemeClr val="accent1"/>
+    </dgm:linClrLst>
+    <dgm:effectClrLst/>
+    <dgm:txLinClrLst/>
+    <dgm:txFillClrLst meth="repeat">
+      <a:schemeClr val="dk1"/>
+    </dgm:txFillClrLst>
+    <dgm:txEffectClrLst/>
+  </dgm:styleLbl>
+  <dgm:styleLbl name="fgAccFollowNode1">
+    <dgm:fillClrLst meth="repeat">
+      <a:schemeClr val="accent1">
+        <a:alpha val="90000"/>
+        <a:tint val="40000"/>
+      </a:schemeClr>
+    </dgm:fillClrLst>
+    <dgm:linClrLst meth="repeat">
+      <a:schemeClr val="accent1">
+        <a:alpha val="90000"/>
+        <a:tint val="40000"/>
+      </a:schemeClr>
+    </dgm:linClrLst>
+    <dgm:effectClrLst/>
+    <dgm:txLinClrLst/>
+    <dgm:txFillClrLst meth="repeat">
+      <a:schemeClr val="dk1"/>
+    </dgm:txFillClrLst>
+    <dgm:txEffectClrLst/>
+  </dgm:styleLbl>
+  <dgm:styleLbl name="alignAccFollowNode1">
+    <dgm:fillClrLst meth="repeat">
+      <a:schemeClr val="accent1">
+        <a:alpha val="90000"/>
+        <a:tint val="40000"/>
+      </a:schemeClr>
+    </dgm:fillClrLst>
+    <dgm:linClrLst meth="repeat">
+      <a:schemeClr val="accent1">
+        <a:alpha val="90000"/>
+        <a:tint val="40000"/>
+      </a:schemeClr>
+    </dgm:linClrLst>
+    <dgm:effectClrLst/>
+    <dgm:txLinClrLst/>
+    <dgm:txFillClrLst meth="repeat">
+      <a:schemeClr val="dk1"/>
+    </dgm:txFillClrLst>
+    <dgm:txEffectClrLst/>
+  </dgm:styleLbl>
+  <dgm:styleLbl name="bgAccFollowNode1">
+    <dgm:fillClrLst meth="repeat">
+      <a:schemeClr val="accent1">
+        <a:alpha val="90000"/>
+        <a:tint val="40000"/>
+      </a:schemeClr>
+    </dgm:fillClrLst>
+    <dgm:linClrLst meth="repeat">
+      <a:schemeClr val="accent1">
+        <a:alpha val="90000"/>
+        <a:tint val="40000"/>
+      </a:schemeClr>
+    </dgm:linClrLst>
+    <dgm:effectClrLst/>
+    <dgm:txLinClrLst/>
+    <dgm:txFillClrLst meth="repeat">
+      <a:schemeClr val="dk1"/>
+    </dgm:txFillClrLst>
+    <dgm:txEffectClrLst/>
+  </dgm:styleLbl>
+  <dgm:styleLbl name="fgAcc0">
+    <dgm:fillClrLst meth="repeat">
+      <a:schemeClr val="lt1">
+        <a:alpha val="90000"/>
+      </a:schemeClr>
+    </dgm:fillClrLst>
+    <dgm:linClrLst meth="repeat">
+      <a:schemeClr val="accent1"/>
+    </dgm:linClrLst>
+    <dgm:effectClrLst/>
+    <dgm:txLinClrLst/>
+    <dgm:txFillClrLst meth="repeat">
+      <a:schemeClr val="dk1"/>
+    </dgm:txFillClrLst>
+    <dgm:txEffectClrLst/>
+  </dgm:styleLbl>
+  <dgm:styleLbl name="fgAcc2">
+    <dgm:fillClrLst meth="repeat">
+      <a:schemeClr val="lt1">
+        <a:alpha val="90000"/>
+      </a:schemeClr>
+    </dgm:fillClrLst>
+    <dgm:linClrLst meth="repeat">
+      <a:schemeClr val="accent1"/>
+    </dgm:linClrLst>
+    <dgm:effectClrLst/>
+    <dgm:txLinClrLst/>
+    <dgm:txFillClrLst meth="repeat">
+      <a:schemeClr val="dk1"/>
+    </dgm:txFillClrLst>
+    <dgm:txEffectClrLst/>
+  </dgm:styleLbl>
+  <dgm:styleLbl name="fgAcc3">
+    <dgm:fillClrLst meth="repeat">
+      <a:schemeClr val="lt1">
+        <a:alpha val="90000"/>
+      </a:schemeClr>
+    </dgm:fillClrLst>
+    <dgm:linClrLst meth="repeat">
+      <a:schemeClr val="accent1"/>
+    </dgm:linClrLst>
+    <dgm:effectClrLst/>
+    <dgm:txLinClrLst/>
+    <dgm:txFillClrLst meth="repeat">
+      <a:schemeClr val="dk1"/>
+    </dgm:txFillClrLst>
+    <dgm:txEffectClrLst/>
+  </dgm:styleLbl>
+  <dgm:styleLbl name="fgAcc4">
+    <dgm:fillClrLst meth="repeat">
+      <a:schemeClr val="lt1">
+        <a:alpha val="90000"/>
+      </a:schemeClr>
+    </dgm:fillClrLst>
+    <dgm:linClrLst meth="repeat">
+      <a:schemeClr val="accent1"/>
+    </dgm:linClrLst>
+    <dgm:effectClrLst/>
+    <dgm:txLinClrLst/>
+    <dgm:txFillClrLst meth="repeat">
+      <a:schemeClr val="dk1"/>
+    </dgm:txFillClrLst>
+    <dgm:txEffectClrLst/>
+  </dgm:styleLbl>
+  <dgm:styleLbl name="bgShp">
+    <dgm:fillClrLst meth="repeat">
+      <a:schemeClr val="accent1">
+        <a:tint val="40000"/>
+      </a:schemeClr>
+    </dgm:fillClrLst>
+    <dgm:linClrLst meth="repeat">
+      <a:schemeClr val="accent1"/>
+    </dgm:linClrLst>
+    <dgm:effectClrLst/>
+    <dgm:txLinClrLst/>
+    <dgm:txFillClrLst meth="repeat">
+      <a:schemeClr val="dk1"/>
+    </dgm:txFillClrLst>
+    <dgm:txEffectClrLst/>
+  </dgm:styleLbl>
+  <dgm:styleLbl name="dkBgShp">
+    <dgm:fillClrLst meth="repeat">
+      <a:schemeClr val="accent1">
+        <a:shade val="80000"/>
+      </a:schemeClr>
+    </dgm:fillClrLst>
+    <dgm:linClrLst meth="repeat">
+      <a:schemeClr val="accent1"/>
+    </dgm:linClrLst>
+    <dgm:effectClrLst/>
+    <dgm:txLinClrLst/>
+    <dgm:txFillClrLst meth="repeat">
+      <a:schemeClr val="lt1"/>
+    </dgm:txFillClrLst>
+    <dgm:txEffectClrLst/>
+  </dgm:styleLbl>
+  <dgm:styleLbl name="trBgShp">
+    <dgm:fillClrLst meth="repeat">
+      <a:schemeClr val="accent1">
+        <a:tint val="50000"/>
+        <a:alpha val="40000"/>
+      </a:schemeClr>
+    </dgm:fillClrLst>
+    <dgm:linClrLst meth="repeat">
+      <a:schemeClr val="accent1"/>
+    </dgm:linClrLst>
+    <dgm:effectClrLst/>
+    <dgm:txLinClrLst/>
+    <dgm:txFillClrLst meth="repeat">
+      <a:schemeClr val="lt1"/>
+    </dgm:txFillClrLst>
+    <dgm:txEffectClrLst/>
+  </dgm:styleLbl>
+  <dgm:styleLbl name="fgShp">
+    <dgm:fillClrLst meth="repeat">
+      <a:schemeClr val="accent1">
+        <a:tint val="60000"/>
+      </a:schemeClr>
+    </dgm:fillClrLst>
+    <dgm:linClrLst meth="repeat">
+      <a:schemeClr val="lt1"/>
+    </dgm:linClrLst>
+    <dgm:effectClrLst/>
+    <dgm:txLinClrLst/>
+    <dgm:txFillClrLst meth="repeat">
+      <a:schemeClr val="dk1"/>
+    </dgm:txFillClrLst>
+    <dgm:txEffectClrLst/>
+  </dgm:styleLbl>
+  <dgm:styleLbl name="revTx">
+    <dgm:fillClrLst meth="repeat">
+      <a:schemeClr val="lt1">
+        <a:alpha val="0"/>
+      </a:schemeClr>
+    </dgm:fillClrLst>
+    <dgm:linClrLst meth="repeat">
+      <a:schemeClr val="dk1">
+        <a:alpha val="0"/>
+      </a:schemeClr>
+    </dgm:linClrLst>
+    <dgm:effectClrLst/>
+    <dgm:txLinClrLst/>
+    <dgm:txFillClrLst meth="repeat">
+      <a:schemeClr val="tx1"/>
+    </dgm:txFillClrLst>
+    <dgm:txEffectClrLst/>
+  </dgm:styleLbl>
+</dgm:colorsDef>
+</file>
+
+<file path=ppt/diagrams/data1.xml><?xml version="1.0" encoding="utf-8"?>
+<dgm:dataModel xmlns:dgm="http://schemas.openxmlformats.org/drawingml/2006/diagram" xmlns:a="http://schemas.openxmlformats.org/drawingml/2006/main">
+  <dgm:ptLst>
+    <dgm:pt modelId="{0CCA8F6A-57BD-4207-8000-47B1AE88FCFC}" type="doc">
+      <dgm:prSet loTypeId="urn:microsoft.com/office/officeart/2018/5/layout/IconCircleLabelList" loCatId="icon" qsTypeId="urn:microsoft.com/office/officeart/2005/8/quickstyle/simple1" qsCatId="simple" csTypeId="urn:microsoft.com/office/officeart/2005/8/colors/accent1_2" csCatId="accent1" phldr="1"/>
+      <dgm:spPr/>
+      <dgm:t>
+        <a:bodyPr/>
+        <a:lstStyle/>
+        <a:p>
+          <a:endParaRPr lang="en-US"/>
+        </a:p>
+      </dgm:t>
+    </dgm:pt>
+    <dgm:pt modelId="{1B42D45D-0BEC-4BC6-A4E2-FC411E90672E}">
+      <dgm:prSet/>
+      <dgm:spPr/>
+      <dgm:t>
+        <a:bodyPr/>
+        <a:lstStyle/>
+        <a:p>
+          <a:pPr>
+            <a:defRPr cap="all"/>
+          </a:pPr>
+          <a:r>
+            <a:rPr lang="en-US" b="0" i="0"/>
+            <a:t>Design</a:t>
+          </a:r>
+          <a:endParaRPr lang="en-US"/>
+        </a:p>
+      </dgm:t>
+    </dgm:pt>
+    <dgm:pt modelId="{DFF1EBDC-3695-41A3-990D-727BDC692842}" type="parTrans" cxnId="{2CBCE394-3A10-4074-85F7-EF64666D4E5D}">
+      <dgm:prSet/>
+      <dgm:spPr/>
+      <dgm:t>
+        <a:bodyPr/>
+        <a:lstStyle/>
+        <a:p>
+          <a:endParaRPr lang="en-US"/>
+        </a:p>
+      </dgm:t>
+    </dgm:pt>
+    <dgm:pt modelId="{584E1864-98CC-4B69-9976-6B59D0F01419}" type="sibTrans" cxnId="{2CBCE394-3A10-4074-85F7-EF64666D4E5D}">
+      <dgm:prSet/>
+      <dgm:spPr/>
+      <dgm:t>
+        <a:bodyPr/>
+        <a:lstStyle/>
+        <a:p>
+          <a:endParaRPr lang="en-US"/>
+        </a:p>
+      </dgm:t>
+    </dgm:pt>
+    <dgm:pt modelId="{11138F52-A40E-47AC-95C8-F805137F4AB3}">
+      <dgm:prSet/>
+      <dgm:spPr/>
+      <dgm:t>
+        <a:bodyPr/>
+        <a:lstStyle/>
+        <a:p>
+          <a:pPr>
+            <a:defRPr cap="all"/>
+          </a:pPr>
+          <a:r>
+            <a:rPr lang="en-US" b="0" i="0"/>
+            <a:t>Pros and cons</a:t>
+          </a:r>
+          <a:endParaRPr lang="en-US"/>
+        </a:p>
+      </dgm:t>
+    </dgm:pt>
+    <dgm:pt modelId="{B4BB07AE-3FAC-41B1-9499-DC658E0966D6}" type="parTrans" cxnId="{A657C6BB-0FA4-4AEA-9864-DC0502C4C003}">
+      <dgm:prSet/>
+      <dgm:spPr/>
+      <dgm:t>
+        <a:bodyPr/>
+        <a:lstStyle/>
+        <a:p>
+          <a:endParaRPr lang="en-US"/>
+        </a:p>
+      </dgm:t>
+    </dgm:pt>
+    <dgm:pt modelId="{CEA079F5-CFCF-4B48-9E42-2AC8523D2820}" type="sibTrans" cxnId="{A657C6BB-0FA4-4AEA-9864-DC0502C4C003}">
+      <dgm:prSet/>
+      <dgm:spPr/>
+      <dgm:t>
+        <a:bodyPr/>
+        <a:lstStyle/>
+        <a:p>
+          <a:endParaRPr lang="en-US"/>
+        </a:p>
+      </dgm:t>
+    </dgm:pt>
+    <dgm:pt modelId="{9A1DD431-6025-4BA0-A06A-57A14C1CBD0C}">
+      <dgm:prSet/>
+      <dgm:spPr/>
+      <dgm:t>
+        <a:bodyPr/>
+        <a:lstStyle/>
+        <a:p>
+          <a:pPr>
+            <a:defRPr cap="all"/>
+          </a:pPr>
+          <a:r>
+            <a:rPr lang="en-US" b="0" i="0"/>
+            <a:t>Bugs?</a:t>
+          </a:r>
+          <a:endParaRPr lang="en-US"/>
+        </a:p>
+      </dgm:t>
+    </dgm:pt>
+    <dgm:pt modelId="{143B6B73-AA0E-4E8B-B63D-FF20D8FB11E8}" type="parTrans" cxnId="{66966E9F-E311-4963-B495-E606502C8B69}">
+      <dgm:prSet/>
+      <dgm:spPr/>
+      <dgm:t>
+        <a:bodyPr/>
+        <a:lstStyle/>
+        <a:p>
+          <a:endParaRPr lang="en-US"/>
+        </a:p>
+      </dgm:t>
+    </dgm:pt>
+    <dgm:pt modelId="{FA51CC1F-3786-42A1-A69F-7FBDC947DDB9}" type="sibTrans" cxnId="{66966E9F-E311-4963-B495-E606502C8B69}">
+      <dgm:prSet/>
+      <dgm:spPr/>
+      <dgm:t>
+        <a:bodyPr/>
+        <a:lstStyle/>
+        <a:p>
+          <a:endParaRPr lang="en-US"/>
+        </a:p>
+      </dgm:t>
+    </dgm:pt>
+    <dgm:pt modelId="{7C5D3563-0224-4F5D-945C-F9220BFBAA12}">
+      <dgm:prSet/>
+      <dgm:spPr/>
+      <dgm:t>
+        <a:bodyPr/>
+        <a:lstStyle/>
+        <a:p>
+          <a:pPr>
+            <a:defRPr cap="all"/>
+          </a:pPr>
+          <a:r>
+            <a:rPr lang="en-US" b="0" i="0"/>
+            <a:t>Would you use it?</a:t>
+          </a:r>
+          <a:endParaRPr lang="en-US"/>
+        </a:p>
+      </dgm:t>
+    </dgm:pt>
+    <dgm:pt modelId="{1648CC7C-DC39-4F22-9CB6-50682DC94A46}" type="parTrans" cxnId="{E087E8DA-00E2-4626-8ABC-314560FDBC40}">
+      <dgm:prSet/>
+      <dgm:spPr/>
+      <dgm:t>
+        <a:bodyPr/>
+        <a:lstStyle/>
+        <a:p>
+          <a:endParaRPr lang="en-US"/>
+        </a:p>
+      </dgm:t>
+    </dgm:pt>
+    <dgm:pt modelId="{572C698E-0EC2-4EE3-B5E5-FC8CCB3E2245}" type="sibTrans" cxnId="{E087E8DA-00E2-4626-8ABC-314560FDBC40}">
+      <dgm:prSet/>
+      <dgm:spPr/>
+      <dgm:t>
+        <a:bodyPr/>
+        <a:lstStyle/>
+        <a:p>
+          <a:endParaRPr lang="en-US"/>
+        </a:p>
+      </dgm:t>
+    </dgm:pt>
+    <dgm:pt modelId="{E44E20EA-D2A5-4891-AE11-1EB670E04A8A}" type="pres">
+      <dgm:prSet presAssocID="{0CCA8F6A-57BD-4207-8000-47B1AE88FCFC}" presName="root" presStyleCnt="0">
+        <dgm:presLayoutVars>
+          <dgm:dir/>
+          <dgm:resizeHandles val="exact"/>
+        </dgm:presLayoutVars>
+      </dgm:prSet>
+      <dgm:spPr/>
+    </dgm:pt>
+    <dgm:pt modelId="{A09B736D-ABA9-4605-B864-3DF8C9614C6B}" type="pres">
+      <dgm:prSet presAssocID="{1B42D45D-0BEC-4BC6-A4E2-FC411E90672E}" presName="compNode" presStyleCnt="0"/>
+      <dgm:spPr/>
+    </dgm:pt>
+    <dgm:pt modelId="{0BF0BEA3-2EEB-47C0-8F67-6EFC4A680E48}" type="pres">
+      <dgm:prSet presAssocID="{1B42D45D-0BEC-4BC6-A4E2-FC411E90672E}" presName="iconBgRect" presStyleLbl="bgShp" presStyleIdx="0" presStyleCnt="4"/>
+      <dgm:spPr/>
+    </dgm:pt>
+    <dgm:pt modelId="{38151BDB-5EC8-4320-8EB1-DAA9DD165BD8}" type="pres">
+      <dgm:prSet presAssocID="{1B42D45D-0BEC-4BC6-A4E2-FC411E90672E}" presName="iconRect" presStyleLbl="node1" presStyleIdx="0" presStyleCnt="4"/>
+      <dgm:spPr>
+        <a:blipFill>
+          <a:blip xmlns:r="http://schemas.openxmlformats.org/officeDocument/2006/relationships" r:embed="rId1">
+            <a:extLst>
+              <a:ext uri="{28A0092B-C50C-407E-A947-70E740481C1C}">
+                <a14:useLocalDpi xmlns:a14="http://schemas.microsoft.com/office/drawing/2010/main" val="0"/>
+              </a:ext>
+              <a:ext uri="{96DAC541-7B7A-43D3-8B79-37D633B846F1}">
+                <asvg:svgBlip xmlns:asvg="http://schemas.microsoft.com/office/drawing/2016/SVG/main" r:embed="rId2"/>
+              </a:ext>
+            </a:extLst>
+          </a:blip>
+          <a:stretch>
+            <a:fillRect/>
+          </a:stretch>
+        </a:blipFill>
+        <a:ln>
+          <a:noFill/>
+        </a:ln>
+      </dgm:spPr>
+      <dgm:extLst>
+        <a:ext uri="{E40237B7-FDA0-4F09-8148-C483321AD2D9}">
+          <dgm14:cNvPr xmlns:dgm14="http://schemas.microsoft.com/office/drawing/2010/diagram" id="0" name="" descr="Liniaal"/>
+        </a:ext>
+      </dgm:extLst>
+    </dgm:pt>
+    <dgm:pt modelId="{63E082F3-07D2-4072-8AA7-A8D07281486E}" type="pres">
+      <dgm:prSet presAssocID="{1B42D45D-0BEC-4BC6-A4E2-FC411E90672E}" presName="spaceRect" presStyleCnt="0"/>
+      <dgm:spPr/>
+    </dgm:pt>
+    <dgm:pt modelId="{C55175E6-3A83-42E1-B18A-5B998D48A178}" type="pres">
+      <dgm:prSet presAssocID="{1B42D45D-0BEC-4BC6-A4E2-FC411E90672E}" presName="textRect" presStyleLbl="revTx" presStyleIdx="0" presStyleCnt="4">
+        <dgm:presLayoutVars>
+          <dgm:chMax val="1"/>
+          <dgm:chPref val="1"/>
+        </dgm:presLayoutVars>
+      </dgm:prSet>
+      <dgm:spPr/>
+    </dgm:pt>
+    <dgm:pt modelId="{337405BD-469A-4587-A9E5-AEEED537EACD}" type="pres">
+      <dgm:prSet presAssocID="{584E1864-98CC-4B69-9976-6B59D0F01419}" presName="sibTrans" presStyleCnt="0"/>
+      <dgm:spPr/>
+    </dgm:pt>
+    <dgm:pt modelId="{F65C34D5-D9AF-4CFB-8BB5-27AFB470FD17}" type="pres">
+      <dgm:prSet presAssocID="{11138F52-A40E-47AC-95C8-F805137F4AB3}" presName="compNode" presStyleCnt="0"/>
+      <dgm:spPr/>
+    </dgm:pt>
+    <dgm:pt modelId="{9AA16D3D-3BDE-4996-A30F-EE77620FD240}" type="pres">
+      <dgm:prSet presAssocID="{11138F52-A40E-47AC-95C8-F805137F4AB3}" presName="iconBgRect" presStyleLbl="bgShp" presStyleIdx="1" presStyleCnt="4"/>
+      <dgm:spPr/>
+    </dgm:pt>
+    <dgm:pt modelId="{1C8CFF52-271B-4091-9FF5-57F14970A046}" type="pres">
+      <dgm:prSet presAssocID="{11138F52-A40E-47AC-95C8-F805137F4AB3}" presName="iconRect" presStyleLbl="node1" presStyleIdx="1" presStyleCnt="4"/>
+      <dgm:spPr>
+        <a:blipFill>
+          <a:blip xmlns:r="http://schemas.openxmlformats.org/officeDocument/2006/relationships" r:embed="rId3">
+            <a:extLst>
+              <a:ext uri="{28A0092B-C50C-407E-A947-70E740481C1C}">
+                <a14:useLocalDpi xmlns:a14="http://schemas.microsoft.com/office/drawing/2010/main" val="0"/>
+              </a:ext>
+              <a:ext uri="{96DAC541-7B7A-43D3-8B79-37D633B846F1}">
+                <asvg:svgBlip xmlns:asvg="http://schemas.microsoft.com/office/drawing/2016/SVG/main" r:embed="rId4"/>
+              </a:ext>
+            </a:extLst>
+          </a:blip>
+          <a:stretch>
+            <a:fillRect/>
+          </a:stretch>
+        </a:blipFill>
+        <a:ln>
+          <a:noFill/>
+        </a:ln>
+      </dgm:spPr>
+      <dgm:extLst>
+        <a:ext uri="{E40237B7-FDA0-4F09-8148-C483321AD2D9}">
+          <dgm14:cNvPr xmlns:dgm14="http://schemas.microsoft.com/office/drawing/2010/diagram" id="0" name="" descr="Thumbs Up Sign"/>
+        </a:ext>
+      </dgm:extLst>
+    </dgm:pt>
+    <dgm:pt modelId="{9FE6B7DA-A324-4CA4-A095-C6ADF6A927F4}" type="pres">
+      <dgm:prSet presAssocID="{11138F52-A40E-47AC-95C8-F805137F4AB3}" presName="spaceRect" presStyleCnt="0"/>
+      <dgm:spPr/>
+    </dgm:pt>
+    <dgm:pt modelId="{359B6418-54D5-413C-B47D-B8462DAD6C0D}" type="pres">
+      <dgm:prSet presAssocID="{11138F52-A40E-47AC-95C8-F805137F4AB3}" presName="textRect" presStyleLbl="revTx" presStyleIdx="1" presStyleCnt="4">
+        <dgm:presLayoutVars>
+          <dgm:chMax val="1"/>
+          <dgm:chPref val="1"/>
+        </dgm:presLayoutVars>
+      </dgm:prSet>
+      <dgm:spPr/>
+    </dgm:pt>
+    <dgm:pt modelId="{9832261F-F3CB-4E72-A81F-8DB611094D6C}" type="pres">
+      <dgm:prSet presAssocID="{CEA079F5-CFCF-4B48-9E42-2AC8523D2820}" presName="sibTrans" presStyleCnt="0"/>
+      <dgm:spPr/>
+    </dgm:pt>
+    <dgm:pt modelId="{15C82915-D175-49DA-9A28-46B68D133357}" type="pres">
+      <dgm:prSet presAssocID="{9A1DD431-6025-4BA0-A06A-57A14C1CBD0C}" presName="compNode" presStyleCnt="0"/>
+      <dgm:spPr/>
+    </dgm:pt>
+    <dgm:pt modelId="{82D5EAC7-5470-4EAE-A0DA-B1030D135B83}" type="pres">
+      <dgm:prSet presAssocID="{9A1DD431-6025-4BA0-A06A-57A14C1CBD0C}" presName="iconBgRect" presStyleLbl="bgShp" presStyleIdx="2" presStyleCnt="4"/>
+      <dgm:spPr/>
+    </dgm:pt>
+    <dgm:pt modelId="{38D3FDDE-E4BB-4180-92C6-A2B815410EEA}" type="pres">
+      <dgm:prSet presAssocID="{9A1DD431-6025-4BA0-A06A-57A14C1CBD0C}" presName="iconRect" presStyleLbl="node1" presStyleIdx="2" presStyleCnt="4"/>
+      <dgm:spPr>
+        <a:blipFill>
+          <a:blip xmlns:r="http://schemas.openxmlformats.org/officeDocument/2006/relationships" r:embed="rId5">
+            <a:extLst>
+              <a:ext uri="{28A0092B-C50C-407E-A947-70E740481C1C}">
+                <a14:useLocalDpi xmlns:a14="http://schemas.microsoft.com/office/drawing/2010/main" val="0"/>
+              </a:ext>
+              <a:ext uri="{96DAC541-7B7A-43D3-8B79-37D633B846F1}">
+                <asvg:svgBlip xmlns:asvg="http://schemas.microsoft.com/office/drawing/2016/SVG/main" r:embed="rId6"/>
+              </a:ext>
+            </a:extLst>
+          </a:blip>
+          <a:stretch>
+            <a:fillRect/>
+          </a:stretch>
+        </a:blipFill>
+        <a:ln>
+          <a:noFill/>
+        </a:ln>
+      </dgm:spPr>
+      <dgm:extLst>
+        <a:ext uri="{E40237B7-FDA0-4F09-8148-C483321AD2D9}">
+          <dgm14:cNvPr xmlns:dgm14="http://schemas.microsoft.com/office/drawing/2010/diagram" id="0" name="" descr="Bug under Magnifying Glass"/>
+        </a:ext>
+      </dgm:extLst>
+    </dgm:pt>
+    <dgm:pt modelId="{AB588BCC-CDFA-4054-9A63-DE9BEC47B9FD}" type="pres">
+      <dgm:prSet presAssocID="{9A1DD431-6025-4BA0-A06A-57A14C1CBD0C}" presName="spaceRect" presStyleCnt="0"/>
+      <dgm:spPr/>
+    </dgm:pt>
+    <dgm:pt modelId="{D8D4A99E-AA96-4F6C-9DB5-A58FC52C976A}" type="pres">
+      <dgm:prSet presAssocID="{9A1DD431-6025-4BA0-A06A-57A14C1CBD0C}" presName="textRect" presStyleLbl="revTx" presStyleIdx="2" presStyleCnt="4">
+        <dgm:presLayoutVars>
+          <dgm:chMax val="1"/>
+          <dgm:chPref val="1"/>
+        </dgm:presLayoutVars>
+      </dgm:prSet>
+      <dgm:spPr/>
+    </dgm:pt>
+    <dgm:pt modelId="{E50B01C4-7127-4016-9B47-D1500488B0F4}" type="pres">
+      <dgm:prSet presAssocID="{FA51CC1F-3786-42A1-A69F-7FBDC947DDB9}" presName="sibTrans" presStyleCnt="0"/>
+      <dgm:spPr/>
+    </dgm:pt>
+    <dgm:pt modelId="{D159403C-25A5-4263-A61D-50BF43874E25}" type="pres">
+      <dgm:prSet presAssocID="{7C5D3563-0224-4F5D-945C-F9220BFBAA12}" presName="compNode" presStyleCnt="0"/>
+      <dgm:spPr/>
+    </dgm:pt>
+    <dgm:pt modelId="{EDE3C56B-205C-4D60-8EF5-5C7B85EE0C54}" type="pres">
+      <dgm:prSet presAssocID="{7C5D3563-0224-4F5D-945C-F9220BFBAA12}" presName="iconBgRect" presStyleLbl="bgShp" presStyleIdx="3" presStyleCnt="4"/>
+      <dgm:spPr/>
+    </dgm:pt>
+    <dgm:pt modelId="{50C779BD-9E74-47B4-BD1F-DDFE19E88633}" type="pres">
+      <dgm:prSet presAssocID="{7C5D3563-0224-4F5D-945C-F9220BFBAA12}" presName="iconRect" presStyleLbl="node1" presStyleIdx="3" presStyleCnt="4"/>
+      <dgm:spPr>
+        <a:blipFill>
+          <a:blip xmlns:r="http://schemas.openxmlformats.org/officeDocument/2006/relationships" r:embed="rId7">
+            <a:extLst>
+              <a:ext uri="{28A0092B-C50C-407E-A947-70E740481C1C}">
+                <a14:useLocalDpi xmlns:a14="http://schemas.microsoft.com/office/drawing/2010/main" val="0"/>
+              </a:ext>
+              <a:ext uri="{96DAC541-7B7A-43D3-8B79-37D633B846F1}">
+                <asvg:svgBlip xmlns:asvg="http://schemas.microsoft.com/office/drawing/2016/SVG/main" r:embed="rId8"/>
+              </a:ext>
+            </a:extLst>
+          </a:blip>
+          <a:stretch>
+            <a:fillRect/>
+          </a:stretch>
+        </a:blipFill>
+        <a:ln>
+          <a:noFill/>
+        </a:ln>
+      </dgm:spPr>
+      <dgm:extLst>
+        <a:ext uri="{E40237B7-FDA0-4F09-8148-C483321AD2D9}">
+          <dgm14:cNvPr xmlns:dgm14="http://schemas.microsoft.com/office/drawing/2010/diagram" id="0" name="" descr="Share With Person"/>
+        </a:ext>
+      </dgm:extLst>
+    </dgm:pt>
+    <dgm:pt modelId="{12394400-B695-4D57-87EC-99519E1D7E8C}" type="pres">
+      <dgm:prSet presAssocID="{7C5D3563-0224-4F5D-945C-F9220BFBAA12}" presName="spaceRect" presStyleCnt="0"/>
+      <dgm:spPr/>
+    </dgm:pt>
+    <dgm:pt modelId="{7530AB69-C2DC-4C57-8C82-6D5085D38D73}" type="pres">
+      <dgm:prSet presAssocID="{7C5D3563-0224-4F5D-945C-F9220BFBAA12}" presName="textRect" presStyleLbl="revTx" presStyleIdx="3" presStyleCnt="4">
+        <dgm:presLayoutVars>
+          <dgm:chMax val="1"/>
+          <dgm:chPref val="1"/>
+        </dgm:presLayoutVars>
+      </dgm:prSet>
+      <dgm:spPr/>
+    </dgm:pt>
+  </dgm:ptLst>
+  <dgm:cxnLst>
+    <dgm:cxn modelId="{94C08610-B33C-47AB-8AD9-A1338A3C4E67}" type="presOf" srcId="{11138F52-A40E-47AC-95C8-F805137F4AB3}" destId="{359B6418-54D5-413C-B47D-B8462DAD6C0D}" srcOrd="0" destOrd="0" presId="urn:microsoft.com/office/officeart/2018/5/layout/IconCircleLabelList"/>
+    <dgm:cxn modelId="{06EC6F5F-7CE0-4D77-A60B-05AA7D224F7F}" type="presOf" srcId="{1B42D45D-0BEC-4BC6-A4E2-FC411E90672E}" destId="{C55175E6-3A83-42E1-B18A-5B998D48A178}" srcOrd="0" destOrd="0" presId="urn:microsoft.com/office/officeart/2018/5/layout/IconCircleLabelList"/>
+    <dgm:cxn modelId="{2CBCE394-3A10-4074-85F7-EF64666D4E5D}" srcId="{0CCA8F6A-57BD-4207-8000-47B1AE88FCFC}" destId="{1B42D45D-0BEC-4BC6-A4E2-FC411E90672E}" srcOrd="0" destOrd="0" parTransId="{DFF1EBDC-3695-41A3-990D-727BDC692842}" sibTransId="{584E1864-98CC-4B69-9976-6B59D0F01419}"/>
+    <dgm:cxn modelId="{66966E9F-E311-4963-B495-E606502C8B69}" srcId="{0CCA8F6A-57BD-4207-8000-47B1AE88FCFC}" destId="{9A1DD431-6025-4BA0-A06A-57A14C1CBD0C}" srcOrd="2" destOrd="0" parTransId="{143B6B73-AA0E-4E8B-B63D-FF20D8FB11E8}" sibTransId="{FA51CC1F-3786-42A1-A69F-7FBDC947DDB9}"/>
+    <dgm:cxn modelId="{FD0B37BB-CBB5-4EED-AEFF-40DFF7409F81}" type="presOf" srcId="{9A1DD431-6025-4BA0-A06A-57A14C1CBD0C}" destId="{D8D4A99E-AA96-4F6C-9DB5-A58FC52C976A}" srcOrd="0" destOrd="0" presId="urn:microsoft.com/office/officeart/2018/5/layout/IconCircleLabelList"/>
+    <dgm:cxn modelId="{A657C6BB-0FA4-4AEA-9864-DC0502C4C003}" srcId="{0CCA8F6A-57BD-4207-8000-47B1AE88FCFC}" destId="{11138F52-A40E-47AC-95C8-F805137F4AB3}" srcOrd="1" destOrd="0" parTransId="{B4BB07AE-3FAC-41B1-9499-DC658E0966D6}" sibTransId="{CEA079F5-CFCF-4B48-9E42-2AC8523D2820}"/>
+    <dgm:cxn modelId="{C9A1B3D5-0032-4592-8559-FADBACB02C0E}" type="presOf" srcId="{0CCA8F6A-57BD-4207-8000-47B1AE88FCFC}" destId="{E44E20EA-D2A5-4891-AE11-1EB670E04A8A}" srcOrd="0" destOrd="0" presId="urn:microsoft.com/office/officeart/2018/5/layout/IconCircleLabelList"/>
+    <dgm:cxn modelId="{E087E8DA-00E2-4626-8ABC-314560FDBC40}" srcId="{0CCA8F6A-57BD-4207-8000-47B1AE88FCFC}" destId="{7C5D3563-0224-4F5D-945C-F9220BFBAA12}" srcOrd="3" destOrd="0" parTransId="{1648CC7C-DC39-4F22-9CB6-50682DC94A46}" sibTransId="{572C698E-0EC2-4EE3-B5E5-FC8CCB3E2245}"/>
+    <dgm:cxn modelId="{536960E3-D1F0-421A-A00D-A90540851257}" type="presOf" srcId="{7C5D3563-0224-4F5D-945C-F9220BFBAA12}" destId="{7530AB69-C2DC-4C57-8C82-6D5085D38D73}" srcOrd="0" destOrd="0" presId="urn:microsoft.com/office/officeart/2018/5/layout/IconCircleLabelList"/>
+    <dgm:cxn modelId="{D8F0C942-7575-44BF-9C5A-07F6617BD635}" type="presParOf" srcId="{E44E20EA-D2A5-4891-AE11-1EB670E04A8A}" destId="{A09B736D-ABA9-4605-B864-3DF8C9614C6B}" srcOrd="0" destOrd="0" presId="urn:microsoft.com/office/officeart/2018/5/layout/IconCircleLabelList"/>
+    <dgm:cxn modelId="{B3EA0E19-90EA-4C37-B180-A0A5C8094D81}" type="presParOf" srcId="{A09B736D-ABA9-4605-B864-3DF8C9614C6B}" destId="{0BF0BEA3-2EEB-47C0-8F67-6EFC4A680E48}" srcOrd="0" destOrd="0" presId="urn:microsoft.com/office/officeart/2018/5/layout/IconCircleLabelList"/>
+    <dgm:cxn modelId="{381B933A-314D-4CFE-BF16-714D95715D56}" type="presParOf" srcId="{A09B736D-ABA9-4605-B864-3DF8C9614C6B}" destId="{38151BDB-5EC8-4320-8EB1-DAA9DD165BD8}" srcOrd="1" destOrd="0" presId="urn:microsoft.com/office/officeart/2018/5/layout/IconCircleLabelList"/>
+    <dgm:cxn modelId="{D57C094D-DDE1-495E-AF8B-432F4C1ABFD4}" type="presParOf" srcId="{A09B736D-ABA9-4605-B864-3DF8C9614C6B}" destId="{63E082F3-07D2-4072-8AA7-A8D07281486E}" srcOrd="2" destOrd="0" presId="urn:microsoft.com/office/officeart/2018/5/layout/IconCircleLabelList"/>
+    <dgm:cxn modelId="{4FE1DCFD-A58D-4404-B724-55E14742C3F5}" type="presParOf" srcId="{A09B736D-ABA9-4605-B864-3DF8C9614C6B}" destId="{C55175E6-3A83-42E1-B18A-5B998D48A178}" srcOrd="3" destOrd="0" presId="urn:microsoft.com/office/officeart/2018/5/layout/IconCircleLabelList"/>
+    <dgm:cxn modelId="{2610A2BD-469C-4B6B-AAD6-DEDE3BDF93B4}" type="presParOf" srcId="{E44E20EA-D2A5-4891-AE11-1EB670E04A8A}" destId="{337405BD-469A-4587-A9E5-AEEED537EACD}" srcOrd="1" destOrd="0" presId="urn:microsoft.com/office/officeart/2018/5/layout/IconCircleLabelList"/>
+    <dgm:cxn modelId="{93A99B97-7969-479D-8185-AFF35DC2AE1B}" type="presParOf" srcId="{E44E20EA-D2A5-4891-AE11-1EB670E04A8A}" destId="{F65C34D5-D9AF-4CFB-8BB5-27AFB470FD17}" srcOrd="2" destOrd="0" presId="urn:microsoft.com/office/officeart/2018/5/layout/IconCircleLabelList"/>
+    <dgm:cxn modelId="{6F66907D-6DFE-4054-A5B9-95C7F0F12C4F}" type="presParOf" srcId="{F65C34D5-D9AF-4CFB-8BB5-27AFB470FD17}" destId="{9AA16D3D-3BDE-4996-A30F-EE77620FD240}" srcOrd="0" destOrd="0" presId="urn:microsoft.com/office/officeart/2018/5/layout/IconCircleLabelList"/>
+    <dgm:cxn modelId="{B6BD2FB6-88CC-4202-8CD3-291C2FA2A9B3}" type="presParOf" srcId="{F65C34D5-D9AF-4CFB-8BB5-27AFB470FD17}" destId="{1C8CFF52-271B-4091-9FF5-57F14970A046}" srcOrd="1" destOrd="0" presId="urn:microsoft.com/office/officeart/2018/5/layout/IconCircleLabelList"/>
+    <dgm:cxn modelId="{1680882A-64B5-4A40-A686-0FCE6E0A81F2}" type="presParOf" srcId="{F65C34D5-D9AF-4CFB-8BB5-27AFB470FD17}" destId="{9FE6B7DA-A324-4CA4-A095-C6ADF6A927F4}" srcOrd="2" destOrd="0" presId="urn:microsoft.com/office/officeart/2018/5/layout/IconCircleLabelList"/>
+    <dgm:cxn modelId="{8DC6E804-C292-481C-A36D-B37715FE2240}" type="presParOf" srcId="{F65C34D5-D9AF-4CFB-8BB5-27AFB470FD17}" destId="{359B6418-54D5-413C-B47D-B8462DAD6C0D}" srcOrd="3" destOrd="0" presId="urn:microsoft.com/office/officeart/2018/5/layout/IconCircleLabelList"/>
+    <dgm:cxn modelId="{2F243013-0021-41AD-B186-6EAF834ECC4C}" type="presParOf" srcId="{E44E20EA-D2A5-4891-AE11-1EB670E04A8A}" destId="{9832261F-F3CB-4E72-A81F-8DB611094D6C}" srcOrd="3" destOrd="0" presId="urn:microsoft.com/office/officeart/2018/5/layout/IconCircleLabelList"/>
+    <dgm:cxn modelId="{46C482DD-8DD1-4FC5-BDE4-40FE70C36DD2}" type="presParOf" srcId="{E44E20EA-D2A5-4891-AE11-1EB670E04A8A}" destId="{15C82915-D175-49DA-9A28-46B68D133357}" srcOrd="4" destOrd="0" presId="urn:microsoft.com/office/officeart/2018/5/layout/IconCircleLabelList"/>
+    <dgm:cxn modelId="{4F4D00F8-C48B-4189-B632-EA11E4604FD3}" type="presParOf" srcId="{15C82915-D175-49DA-9A28-46B68D133357}" destId="{82D5EAC7-5470-4EAE-A0DA-B1030D135B83}" srcOrd="0" destOrd="0" presId="urn:microsoft.com/office/officeart/2018/5/layout/IconCircleLabelList"/>
+    <dgm:cxn modelId="{CBB05085-0B11-4F7C-878D-50E4BC6F7AC3}" type="presParOf" srcId="{15C82915-D175-49DA-9A28-46B68D133357}" destId="{38D3FDDE-E4BB-4180-92C6-A2B815410EEA}" srcOrd="1" destOrd="0" presId="urn:microsoft.com/office/officeart/2018/5/layout/IconCircleLabelList"/>
+    <dgm:cxn modelId="{A072E03E-9F61-4E33-A3FE-B69663323E01}" type="presParOf" srcId="{15C82915-D175-49DA-9A28-46B68D133357}" destId="{AB588BCC-CDFA-4054-9A63-DE9BEC47B9FD}" srcOrd="2" destOrd="0" presId="urn:microsoft.com/office/officeart/2018/5/layout/IconCircleLabelList"/>
+    <dgm:cxn modelId="{690D1BE5-8583-4CB9-BC0B-B3ED84C1D4E5}" type="presParOf" srcId="{15C82915-D175-49DA-9A28-46B68D133357}" destId="{D8D4A99E-AA96-4F6C-9DB5-A58FC52C976A}" srcOrd="3" destOrd="0" presId="urn:microsoft.com/office/officeart/2018/5/layout/IconCircleLabelList"/>
+    <dgm:cxn modelId="{BBB72AEF-23D3-4873-BCD0-C7D139BA06A2}" type="presParOf" srcId="{E44E20EA-D2A5-4891-AE11-1EB670E04A8A}" destId="{E50B01C4-7127-4016-9B47-D1500488B0F4}" srcOrd="5" destOrd="0" presId="urn:microsoft.com/office/officeart/2018/5/layout/IconCircleLabelList"/>
+    <dgm:cxn modelId="{D80E8A88-8BA0-4B8E-8EBA-F62E0EDF3AFB}" type="presParOf" srcId="{E44E20EA-D2A5-4891-AE11-1EB670E04A8A}" destId="{D159403C-25A5-4263-A61D-50BF43874E25}" srcOrd="6" destOrd="0" presId="urn:microsoft.com/office/officeart/2018/5/layout/IconCircleLabelList"/>
+    <dgm:cxn modelId="{92945645-AD76-4A8E-9E46-7EA63AEA33E4}" type="presParOf" srcId="{D159403C-25A5-4263-A61D-50BF43874E25}" destId="{EDE3C56B-205C-4D60-8EF5-5C7B85EE0C54}" srcOrd="0" destOrd="0" presId="urn:microsoft.com/office/officeart/2018/5/layout/IconCircleLabelList"/>
+    <dgm:cxn modelId="{BAC24701-2A13-4570-BE24-204333A6DB05}" type="presParOf" srcId="{D159403C-25A5-4263-A61D-50BF43874E25}" destId="{50C779BD-9E74-47B4-BD1F-DDFE19E88633}" srcOrd="1" destOrd="0" presId="urn:microsoft.com/office/officeart/2018/5/layout/IconCircleLabelList"/>
+    <dgm:cxn modelId="{10101AC9-6238-4FCA-BCB3-6A5207622547}" type="presParOf" srcId="{D159403C-25A5-4263-A61D-50BF43874E25}" destId="{12394400-B695-4D57-87EC-99519E1D7E8C}" srcOrd="2" destOrd="0" presId="urn:microsoft.com/office/officeart/2018/5/layout/IconCircleLabelList"/>
+    <dgm:cxn modelId="{126D1A76-42BA-4400-A5B1-31D919116FFE}" type="presParOf" srcId="{D159403C-25A5-4263-A61D-50BF43874E25}" destId="{7530AB69-C2DC-4C57-8C82-6D5085D38D73}" srcOrd="3" destOrd="0" presId="urn:microsoft.com/office/officeart/2018/5/layout/IconCircleLabelList"/>
+  </dgm:cxnLst>
+  <dgm:bg/>
+  <dgm:whole/>
+  <dgm:extLst>
+    <a:ext uri="http://schemas.microsoft.com/office/drawing/2008/diagram">
+      <dsp:dataModelExt xmlns:dsp="http://schemas.microsoft.com/office/drawing/2008/diagram" relId="rId7" minVer="http://schemas.openxmlformats.org/drawingml/2006/diagram"/>
+    </a:ext>
+  </dgm:extLst>
+</dgm:dataModel>
+</file>
+
+<file path=ppt/diagrams/drawing1.xml><?xml version="1.0" encoding="utf-8"?>
+<dsp:drawing xmlns:dgm="http://schemas.openxmlformats.org/drawingml/2006/diagram" xmlns:dsp="http://schemas.microsoft.com/office/drawing/2008/diagram" xmlns:a="http://schemas.openxmlformats.org/drawingml/2006/main">
+  <dsp:spTree>
+    <dsp:nvGrpSpPr>
+      <dsp:cNvPr id="0" name=""/>
+      <dsp:cNvGrpSpPr/>
+    </dsp:nvGrpSpPr>
+    <dsp:grpSpPr/>
+    <dsp:sp modelId="{0BF0BEA3-2EEB-47C0-8F67-6EFC4A680E48}">
+      <dsp:nvSpPr>
+        <dsp:cNvPr id="0" name=""/>
+        <dsp:cNvSpPr/>
+      </dsp:nvSpPr>
+      <dsp:spPr>
+        <a:xfrm>
+          <a:off x="973190" y="986724"/>
+          <a:ext cx="1264141" cy="1264141"/>
+        </a:xfrm>
+        <a:prstGeom prst="ellipse">
+          <a:avLst/>
+        </a:prstGeom>
+        <a:solidFill>
+          <a:schemeClr val="accent1">
+            <a:tint val="40000"/>
+            <a:hueOff val="0"/>
+            <a:satOff val="0"/>
+            <a:lumOff val="0"/>
+            <a:alphaOff val="0"/>
+          </a:schemeClr>
+        </a:solidFill>
+        <a:ln>
+          <a:noFill/>
+        </a:ln>
+        <a:effectLst/>
+      </dsp:spPr>
+      <dsp:style>
+        <a:lnRef idx="0">
+          <a:scrgbClr r="0" g="0" b="0"/>
+        </a:lnRef>
+        <a:fillRef idx="1">
+          <a:scrgbClr r="0" g="0" b="0"/>
+        </a:fillRef>
+        <a:effectRef idx="0">
+          <a:scrgbClr r="0" g="0" b="0"/>
+        </a:effectRef>
+        <a:fontRef idx="minor"/>
+      </dsp:style>
+    </dsp:sp>
+    <dsp:sp modelId="{38151BDB-5EC8-4320-8EB1-DAA9DD165BD8}">
+      <dsp:nvSpPr>
+        <dsp:cNvPr id="0" name=""/>
+        <dsp:cNvSpPr/>
+      </dsp:nvSpPr>
+      <dsp:spPr>
+        <a:xfrm>
+          <a:off x="1242597" y="1256131"/>
+          <a:ext cx="725326" cy="725326"/>
+        </a:xfrm>
+        <a:prstGeom prst="rect">
+          <a:avLst/>
+        </a:prstGeom>
+        <a:blipFill>
+          <a:blip xmlns:r="http://schemas.openxmlformats.org/officeDocument/2006/relationships" r:embed="rId1">
+            <a:extLst>
+              <a:ext uri="{28A0092B-C50C-407E-A947-70E740481C1C}">
+                <a14:useLocalDpi xmlns:a14="http://schemas.microsoft.com/office/drawing/2010/main" val="0"/>
+              </a:ext>
+              <a:ext uri="{96DAC541-7B7A-43D3-8B79-37D633B846F1}">
+                <asvg:svgBlip xmlns:asvg="http://schemas.microsoft.com/office/drawing/2016/SVG/main" r:embed="rId2"/>
+              </a:ext>
+            </a:extLst>
+          </a:blip>
+          <a:stretch>
+            <a:fillRect/>
+          </a:stretch>
+        </a:blipFill>
+        <a:ln w="12700" cap="flat" cmpd="sng" algn="ctr">
+          <a:noFill/>
+          <a:prstDash val="solid"/>
+          <a:miter lim="800000"/>
+        </a:ln>
+        <a:effectLst/>
+      </dsp:spPr>
+      <dsp:style>
+        <a:lnRef idx="2">
+          <a:scrgbClr r="0" g="0" b="0"/>
+        </a:lnRef>
+        <a:fillRef idx="1">
+          <a:scrgbClr r="0" g="0" b="0"/>
+        </a:fillRef>
+        <a:effectRef idx="0">
+          <a:scrgbClr r="0" g="0" b="0"/>
+        </a:effectRef>
+        <a:fontRef idx="minor">
+          <a:schemeClr val="lt1"/>
+        </a:fontRef>
+      </dsp:style>
+    </dsp:sp>
+    <dsp:sp modelId="{C55175E6-3A83-42E1-B18A-5B998D48A178}">
+      <dsp:nvSpPr>
+        <dsp:cNvPr id="0" name=""/>
+        <dsp:cNvSpPr/>
+      </dsp:nvSpPr>
+      <dsp:spPr>
+        <a:xfrm>
+          <a:off x="569079" y="2644614"/>
+          <a:ext cx="2072362" cy="720000"/>
+        </a:xfrm>
+        <a:prstGeom prst="rect">
+          <a:avLst/>
+        </a:prstGeom>
+        <a:noFill/>
+        <a:ln>
+          <a:noFill/>
+        </a:ln>
+        <a:effectLst/>
+      </dsp:spPr>
+      <dsp:style>
+        <a:lnRef idx="0">
+          <a:scrgbClr r="0" g="0" b="0"/>
+        </a:lnRef>
+        <a:fillRef idx="0">
+          <a:scrgbClr r="0" g="0" b="0"/>
+        </a:fillRef>
+        <a:effectRef idx="0">
+          <a:scrgbClr r="0" g="0" b="0"/>
+        </a:effectRef>
+        <a:fontRef idx="minor"/>
+      </dsp:style>
+      <dsp:txBody>
+        <a:bodyPr spcFirstLastPara="0" vert="horz" wrap="square" lIns="0" tIns="0" rIns="0" bIns="0" numCol="1" spcCol="1270" anchor="t" anchorCtr="0">
+          <a:noAutofit/>
+        </a:bodyPr>
+        <a:lstStyle/>
+        <a:p>
+          <a:pPr marL="0" lvl="0" indent="0" algn="ctr" defTabSz="1111250">
+            <a:lnSpc>
+              <a:spcPct val="90000"/>
+            </a:lnSpc>
+            <a:spcBef>
+              <a:spcPct val="0"/>
+            </a:spcBef>
+            <a:spcAft>
+              <a:spcPct val="35000"/>
+            </a:spcAft>
+            <a:buNone/>
+            <a:defRPr cap="all"/>
+          </a:pPr>
+          <a:r>
+            <a:rPr lang="en-US" sz="2500" b="0" i="0" kern="1200"/>
+            <a:t>Design</a:t>
+          </a:r>
+          <a:endParaRPr lang="en-US" sz="2500" kern="1200"/>
+        </a:p>
+      </dsp:txBody>
+      <dsp:txXfrm>
+        <a:off x="569079" y="2644614"/>
+        <a:ext cx="2072362" cy="720000"/>
+      </dsp:txXfrm>
+    </dsp:sp>
+    <dsp:sp modelId="{9AA16D3D-3BDE-4996-A30F-EE77620FD240}">
+      <dsp:nvSpPr>
+        <dsp:cNvPr id="0" name=""/>
+        <dsp:cNvSpPr/>
+      </dsp:nvSpPr>
+      <dsp:spPr>
+        <a:xfrm>
+          <a:off x="3408216" y="986724"/>
+          <a:ext cx="1264141" cy="1264141"/>
+        </a:xfrm>
+        <a:prstGeom prst="ellipse">
+          <a:avLst/>
+        </a:prstGeom>
+        <a:solidFill>
+          <a:schemeClr val="accent1">
+            <a:tint val="40000"/>
+            <a:hueOff val="0"/>
+            <a:satOff val="0"/>
+            <a:lumOff val="0"/>
+            <a:alphaOff val="0"/>
+          </a:schemeClr>
+        </a:solidFill>
+        <a:ln>
+          <a:noFill/>
+        </a:ln>
+        <a:effectLst/>
+      </dsp:spPr>
+      <dsp:style>
+        <a:lnRef idx="0">
+          <a:scrgbClr r="0" g="0" b="0"/>
+        </a:lnRef>
+        <a:fillRef idx="1">
+          <a:scrgbClr r="0" g="0" b="0"/>
+        </a:fillRef>
+        <a:effectRef idx="0">
+          <a:scrgbClr r="0" g="0" b="0"/>
+        </a:effectRef>
+        <a:fontRef idx="minor"/>
+      </dsp:style>
+    </dsp:sp>
+    <dsp:sp modelId="{1C8CFF52-271B-4091-9FF5-57F14970A046}">
+      <dsp:nvSpPr>
+        <dsp:cNvPr id="0" name=""/>
+        <dsp:cNvSpPr/>
+      </dsp:nvSpPr>
+      <dsp:spPr>
+        <a:xfrm>
+          <a:off x="3677623" y="1256131"/>
+          <a:ext cx="725326" cy="725326"/>
+        </a:xfrm>
+        <a:prstGeom prst="rect">
+          <a:avLst/>
+        </a:prstGeom>
+        <a:blipFill>
+          <a:blip xmlns:r="http://schemas.openxmlformats.org/officeDocument/2006/relationships" r:embed="rId3">
+            <a:extLst>
+              <a:ext uri="{28A0092B-C50C-407E-A947-70E740481C1C}">
+                <a14:useLocalDpi xmlns:a14="http://schemas.microsoft.com/office/drawing/2010/main" val="0"/>
+              </a:ext>
+              <a:ext uri="{96DAC541-7B7A-43D3-8B79-37D633B846F1}">
+                <asvg:svgBlip xmlns:asvg="http://schemas.microsoft.com/office/drawing/2016/SVG/main" r:embed="rId4"/>
+              </a:ext>
+            </a:extLst>
+          </a:blip>
+          <a:stretch>
+            <a:fillRect/>
+          </a:stretch>
+        </a:blipFill>
+        <a:ln w="12700" cap="flat" cmpd="sng" algn="ctr">
+          <a:noFill/>
+          <a:prstDash val="solid"/>
+          <a:miter lim="800000"/>
+        </a:ln>
+        <a:effectLst/>
+      </dsp:spPr>
+      <dsp:style>
+        <a:lnRef idx="2">
+          <a:scrgbClr r="0" g="0" b="0"/>
+        </a:lnRef>
+        <a:fillRef idx="1">
+          <a:scrgbClr r="0" g="0" b="0"/>
+        </a:fillRef>
+        <a:effectRef idx="0">
+          <a:scrgbClr r="0" g="0" b="0"/>
+        </a:effectRef>
+        <a:fontRef idx="minor">
+          <a:schemeClr val="lt1"/>
+        </a:fontRef>
+      </dsp:style>
+    </dsp:sp>
+    <dsp:sp modelId="{359B6418-54D5-413C-B47D-B8462DAD6C0D}">
+      <dsp:nvSpPr>
+        <dsp:cNvPr id="0" name=""/>
+        <dsp:cNvSpPr/>
+      </dsp:nvSpPr>
+      <dsp:spPr>
+        <a:xfrm>
+          <a:off x="3004105" y="2644614"/>
+          <a:ext cx="2072362" cy="720000"/>
+        </a:xfrm>
+        <a:prstGeom prst="rect">
+          <a:avLst/>
+        </a:prstGeom>
+        <a:noFill/>
+        <a:ln>
+          <a:noFill/>
+        </a:ln>
+        <a:effectLst/>
+      </dsp:spPr>
+      <dsp:style>
+        <a:lnRef idx="0">
+          <a:scrgbClr r="0" g="0" b="0"/>
+        </a:lnRef>
+        <a:fillRef idx="0">
+          <a:scrgbClr r="0" g="0" b="0"/>
+        </a:fillRef>
+        <a:effectRef idx="0">
+          <a:scrgbClr r="0" g="0" b="0"/>
+        </a:effectRef>
+        <a:fontRef idx="minor"/>
+      </dsp:style>
+      <dsp:txBody>
+        <a:bodyPr spcFirstLastPara="0" vert="horz" wrap="square" lIns="0" tIns="0" rIns="0" bIns="0" numCol="1" spcCol="1270" anchor="t" anchorCtr="0">
+          <a:noAutofit/>
+        </a:bodyPr>
+        <a:lstStyle/>
+        <a:p>
+          <a:pPr marL="0" lvl="0" indent="0" algn="ctr" defTabSz="1111250">
+            <a:lnSpc>
+              <a:spcPct val="90000"/>
+            </a:lnSpc>
+            <a:spcBef>
+              <a:spcPct val="0"/>
+            </a:spcBef>
+            <a:spcAft>
+              <a:spcPct val="35000"/>
+            </a:spcAft>
+            <a:buNone/>
+            <a:defRPr cap="all"/>
+          </a:pPr>
+          <a:r>
+            <a:rPr lang="en-US" sz="2500" b="0" i="0" kern="1200"/>
+            <a:t>Pros and cons</a:t>
+          </a:r>
+          <a:endParaRPr lang="en-US" sz="2500" kern="1200"/>
+        </a:p>
+      </dsp:txBody>
+      <dsp:txXfrm>
+        <a:off x="3004105" y="2644614"/>
+        <a:ext cx="2072362" cy="720000"/>
+      </dsp:txXfrm>
+    </dsp:sp>
+    <dsp:sp modelId="{82D5EAC7-5470-4EAE-A0DA-B1030D135B83}">
+      <dsp:nvSpPr>
+        <dsp:cNvPr id="0" name=""/>
+        <dsp:cNvSpPr/>
+      </dsp:nvSpPr>
+      <dsp:spPr>
+        <a:xfrm>
+          <a:off x="5843242" y="986724"/>
+          <a:ext cx="1264141" cy="1264141"/>
+        </a:xfrm>
+        <a:prstGeom prst="ellipse">
+          <a:avLst/>
+        </a:prstGeom>
+        <a:solidFill>
+          <a:schemeClr val="accent1">
+            <a:tint val="40000"/>
+            <a:hueOff val="0"/>
+            <a:satOff val="0"/>
+            <a:lumOff val="0"/>
+            <a:alphaOff val="0"/>
+          </a:schemeClr>
+        </a:solidFill>
+        <a:ln>
+          <a:noFill/>
+        </a:ln>
+        <a:effectLst/>
+      </dsp:spPr>
+      <dsp:style>
+        <a:lnRef idx="0">
+          <a:scrgbClr r="0" g="0" b="0"/>
+        </a:lnRef>
+        <a:fillRef idx="1">
+          <a:scrgbClr r="0" g="0" b="0"/>
+        </a:fillRef>
+        <a:effectRef idx="0">
+          <a:scrgbClr r="0" g="0" b="0"/>
+        </a:effectRef>
+        <a:fontRef idx="minor"/>
+      </dsp:style>
+    </dsp:sp>
+    <dsp:sp modelId="{38D3FDDE-E4BB-4180-92C6-A2B815410EEA}">
+      <dsp:nvSpPr>
+        <dsp:cNvPr id="0" name=""/>
+        <dsp:cNvSpPr/>
+      </dsp:nvSpPr>
+      <dsp:spPr>
+        <a:xfrm>
+          <a:off x="6112649" y="1256131"/>
+          <a:ext cx="725326" cy="725326"/>
+        </a:xfrm>
+        <a:prstGeom prst="rect">
+          <a:avLst/>
+        </a:prstGeom>
+        <a:blipFill>
+          <a:blip xmlns:r="http://schemas.openxmlformats.org/officeDocument/2006/relationships" r:embed="rId5">
+            <a:extLst>
+              <a:ext uri="{28A0092B-C50C-407E-A947-70E740481C1C}">
+                <a14:useLocalDpi xmlns:a14="http://schemas.microsoft.com/office/drawing/2010/main" val="0"/>
+              </a:ext>
+              <a:ext uri="{96DAC541-7B7A-43D3-8B79-37D633B846F1}">
+                <asvg:svgBlip xmlns:asvg="http://schemas.microsoft.com/office/drawing/2016/SVG/main" r:embed="rId6"/>
+              </a:ext>
+            </a:extLst>
+          </a:blip>
+          <a:stretch>
+            <a:fillRect/>
+          </a:stretch>
+        </a:blipFill>
+        <a:ln w="12700" cap="flat" cmpd="sng" algn="ctr">
+          <a:noFill/>
+          <a:prstDash val="solid"/>
+          <a:miter lim="800000"/>
+        </a:ln>
+        <a:effectLst/>
+      </dsp:spPr>
+      <dsp:style>
+        <a:lnRef idx="2">
+          <a:scrgbClr r="0" g="0" b="0"/>
+        </a:lnRef>
+        <a:fillRef idx="1">
+          <a:scrgbClr r="0" g="0" b="0"/>
+        </a:fillRef>
+        <a:effectRef idx="0">
+          <a:scrgbClr r="0" g="0" b="0"/>
+        </a:effectRef>
+        <a:fontRef idx="minor">
+          <a:schemeClr val="lt1"/>
+        </a:fontRef>
+      </dsp:style>
+    </dsp:sp>
+    <dsp:sp modelId="{D8D4A99E-AA96-4F6C-9DB5-A58FC52C976A}">
+      <dsp:nvSpPr>
+        <dsp:cNvPr id="0" name=""/>
+        <dsp:cNvSpPr/>
+      </dsp:nvSpPr>
+      <dsp:spPr>
+        <a:xfrm>
+          <a:off x="5439131" y="2644614"/>
+          <a:ext cx="2072362" cy="720000"/>
+        </a:xfrm>
+        <a:prstGeom prst="rect">
+          <a:avLst/>
+        </a:prstGeom>
+        <a:noFill/>
+        <a:ln>
+          <a:noFill/>
+        </a:ln>
+        <a:effectLst/>
+      </dsp:spPr>
+      <dsp:style>
+        <a:lnRef idx="0">
+          <a:scrgbClr r="0" g="0" b="0"/>
+        </a:lnRef>
+        <a:fillRef idx="0">
+          <a:scrgbClr r="0" g="0" b="0"/>
+        </a:fillRef>
+        <a:effectRef idx="0">
+          <a:scrgbClr r="0" g="0" b="0"/>
+        </a:effectRef>
+        <a:fontRef idx="minor"/>
+      </dsp:style>
+      <dsp:txBody>
+        <a:bodyPr spcFirstLastPara="0" vert="horz" wrap="square" lIns="0" tIns="0" rIns="0" bIns="0" numCol="1" spcCol="1270" anchor="t" anchorCtr="0">
+          <a:noAutofit/>
+        </a:bodyPr>
+        <a:lstStyle/>
+        <a:p>
+          <a:pPr marL="0" lvl="0" indent="0" algn="ctr" defTabSz="1111250">
+            <a:lnSpc>
+              <a:spcPct val="90000"/>
+            </a:lnSpc>
+            <a:spcBef>
+              <a:spcPct val="0"/>
+            </a:spcBef>
+            <a:spcAft>
+              <a:spcPct val="35000"/>
+            </a:spcAft>
+            <a:buNone/>
+            <a:defRPr cap="all"/>
+          </a:pPr>
+          <a:r>
+            <a:rPr lang="en-US" sz="2500" b="0" i="0" kern="1200"/>
+            <a:t>Bugs?</a:t>
+          </a:r>
+          <a:endParaRPr lang="en-US" sz="2500" kern="1200"/>
+        </a:p>
+      </dsp:txBody>
+      <dsp:txXfrm>
+        <a:off x="5439131" y="2644614"/>
+        <a:ext cx="2072362" cy="720000"/>
+      </dsp:txXfrm>
+    </dsp:sp>
+    <dsp:sp modelId="{EDE3C56B-205C-4D60-8EF5-5C7B85EE0C54}">
+      <dsp:nvSpPr>
+        <dsp:cNvPr id="0" name=""/>
+        <dsp:cNvSpPr/>
+      </dsp:nvSpPr>
+      <dsp:spPr>
+        <a:xfrm>
+          <a:off x="8278268" y="986724"/>
+          <a:ext cx="1264141" cy="1264141"/>
+        </a:xfrm>
+        <a:prstGeom prst="ellipse">
+          <a:avLst/>
+        </a:prstGeom>
+        <a:solidFill>
+          <a:schemeClr val="accent1">
+            <a:tint val="40000"/>
+            <a:hueOff val="0"/>
+            <a:satOff val="0"/>
+            <a:lumOff val="0"/>
+            <a:alphaOff val="0"/>
+          </a:schemeClr>
+        </a:solidFill>
+        <a:ln>
+          <a:noFill/>
+        </a:ln>
+        <a:effectLst/>
+      </dsp:spPr>
+      <dsp:style>
+        <a:lnRef idx="0">
+          <a:scrgbClr r="0" g="0" b="0"/>
+        </a:lnRef>
+        <a:fillRef idx="1">
+          <a:scrgbClr r="0" g="0" b="0"/>
+        </a:fillRef>
+        <a:effectRef idx="0">
+          <a:scrgbClr r="0" g="0" b="0"/>
+        </a:effectRef>
+        <a:fontRef idx="minor"/>
+      </dsp:style>
+    </dsp:sp>
+    <dsp:sp modelId="{50C779BD-9E74-47B4-BD1F-DDFE19E88633}">
+      <dsp:nvSpPr>
+        <dsp:cNvPr id="0" name=""/>
+        <dsp:cNvSpPr/>
+      </dsp:nvSpPr>
+      <dsp:spPr>
+        <a:xfrm>
+          <a:off x="8547675" y="1256131"/>
+          <a:ext cx="725326" cy="725326"/>
+        </a:xfrm>
+        <a:prstGeom prst="rect">
+          <a:avLst/>
+        </a:prstGeom>
+        <a:blipFill>
+          <a:blip xmlns:r="http://schemas.openxmlformats.org/officeDocument/2006/relationships" r:embed="rId7">
+            <a:extLst>
+              <a:ext uri="{28A0092B-C50C-407E-A947-70E740481C1C}">
+                <a14:useLocalDpi xmlns:a14="http://schemas.microsoft.com/office/drawing/2010/main" val="0"/>
+              </a:ext>
+              <a:ext uri="{96DAC541-7B7A-43D3-8B79-37D633B846F1}">
+                <asvg:svgBlip xmlns:asvg="http://schemas.microsoft.com/office/drawing/2016/SVG/main" r:embed="rId8"/>
+              </a:ext>
+            </a:extLst>
+          </a:blip>
+          <a:stretch>
+            <a:fillRect/>
+          </a:stretch>
+        </a:blipFill>
+        <a:ln w="12700" cap="flat" cmpd="sng" algn="ctr">
+          <a:noFill/>
+          <a:prstDash val="solid"/>
+          <a:miter lim="800000"/>
+        </a:ln>
+        <a:effectLst/>
+      </dsp:spPr>
+      <dsp:style>
+        <a:lnRef idx="2">
+          <a:scrgbClr r="0" g="0" b="0"/>
+        </a:lnRef>
+        <a:fillRef idx="1">
+          <a:scrgbClr r="0" g="0" b="0"/>
+        </a:fillRef>
+        <a:effectRef idx="0">
+          <a:scrgbClr r="0" g="0" b="0"/>
+        </a:effectRef>
+        <a:fontRef idx="minor">
+          <a:schemeClr val="lt1"/>
+        </a:fontRef>
+      </dsp:style>
+    </dsp:sp>
+    <dsp:sp modelId="{7530AB69-C2DC-4C57-8C82-6D5085D38D73}">
+      <dsp:nvSpPr>
+        <dsp:cNvPr id="0" name=""/>
+        <dsp:cNvSpPr/>
+      </dsp:nvSpPr>
+      <dsp:spPr>
+        <a:xfrm>
+          <a:off x="7874157" y="2644614"/>
+          <a:ext cx="2072362" cy="720000"/>
+        </a:xfrm>
+        <a:prstGeom prst="rect">
+          <a:avLst/>
+        </a:prstGeom>
+        <a:noFill/>
+        <a:ln>
+          <a:noFill/>
+        </a:ln>
+        <a:effectLst/>
+      </dsp:spPr>
+      <dsp:style>
+        <a:lnRef idx="0">
+          <a:scrgbClr r="0" g="0" b="0"/>
+        </a:lnRef>
+        <a:fillRef idx="0">
+          <a:scrgbClr r="0" g="0" b="0"/>
+        </a:fillRef>
+        <a:effectRef idx="0">
+          <a:scrgbClr r="0" g="0" b="0"/>
+        </a:effectRef>
+        <a:fontRef idx="minor"/>
+      </dsp:style>
+      <dsp:txBody>
+        <a:bodyPr spcFirstLastPara="0" vert="horz" wrap="square" lIns="0" tIns="0" rIns="0" bIns="0" numCol="1" spcCol="1270" anchor="t" anchorCtr="0">
+          <a:noAutofit/>
+        </a:bodyPr>
+        <a:lstStyle/>
+        <a:p>
+          <a:pPr marL="0" lvl="0" indent="0" algn="ctr" defTabSz="1111250">
+            <a:lnSpc>
+              <a:spcPct val="90000"/>
+            </a:lnSpc>
+            <a:spcBef>
+              <a:spcPct val="0"/>
+            </a:spcBef>
+            <a:spcAft>
+              <a:spcPct val="35000"/>
+            </a:spcAft>
+            <a:buNone/>
+            <a:defRPr cap="all"/>
+          </a:pPr>
+          <a:r>
+            <a:rPr lang="en-US" sz="2500" b="0" i="0" kern="1200"/>
+            <a:t>Would you use it?</a:t>
+          </a:r>
+          <a:endParaRPr lang="en-US" sz="2500" kern="1200"/>
+        </a:p>
+      </dsp:txBody>
+      <dsp:txXfrm>
+        <a:off x="7874157" y="2644614"/>
+        <a:ext cx="2072362" cy="720000"/>
+      </dsp:txXfrm>
+    </dsp:sp>
+  </dsp:spTree>
+</dsp:drawing>
+</file>
+
+<file path=ppt/diagrams/layout1.xml><?xml version="1.0" encoding="utf-8"?>
+<dgm:layoutDef xmlns:dgm="http://schemas.openxmlformats.org/drawingml/2006/diagram" xmlns:a="http://schemas.openxmlformats.org/drawingml/2006/main" uniqueId="urn:microsoft.com/office/officeart/2018/5/layout/IconCircleLabelList">
+  <dgm:title val="Icon Circle Label List"/>
+  <dgm:desc val="Use to show non-sequential or grouped chunks of information accompanied by a related visuals. Works best with icons or small pictures with short text captions."/>
+  <dgm:catLst>
+    <dgm:cat type="icon" pri="500"/>
+  </dgm:catLst>
+  <dgm:sampData useDef="1">
+    <dgm:dataModel>
+      <dgm:ptLst/>
+      <dgm:bg/>
+      <dgm:whole/>
+    </dgm:dataModel>
+  </dgm:sampData>
+  <dgm:styleData useDef="1">
+    <dgm:dataModel>
+      <dgm:ptLst/>
+      <dgm:bg/>
+      <dgm:whole/>
+    </dgm:dataModel>
+  </dgm:styleData>
+  <dgm:clrData useDef="1">
+    <dgm:dataModel>
+      <dgm:ptLst/>
+      <dgm:bg/>
+      <dgm:whole/>
+    </dgm:dataModel>
+  </dgm:clrData>
+  <dgm:layoutNode name="root">
+    <dgm:varLst>
+      <dgm:dir/>
+      <dgm:resizeHandles val="exact"/>
+    </dgm:varLst>
+    <dgm:choose name="Name0">
+      <dgm:if name="Name1" axis="self" func="var" arg="dir" op="equ" val="norm">
+        <dgm:alg type="snake">
+          <dgm:param type="grDir" val="tL"/>
+          <dgm:param type="flowDir" val="row"/>
+          <dgm:param type="contDir" val="sameDir"/>
+          <dgm:param type="off" val="ctr"/>
+          <dgm:param type="vertAlign" val="mid"/>
+          <dgm:param type="horzAlign" val="ctr"/>
+        </dgm:alg>
+      </dgm:if>
+      <dgm:else name="Name2">
+        <dgm:alg type="snake">
+          <dgm:param type="grDir" val="tR"/>
+          <dgm:param type="flowDir" val="row"/>
+          <dgm:param type="contDir" val="sameDir"/>
+          <dgm:param type="off" val="ctr"/>
+          <dgm:param type="vertAlign" val="mid"/>
+          <dgm:param type="horzAlign" val="ctr"/>
+        </dgm:alg>
+      </dgm:else>
+    </dgm:choose>
+    <dgm:shape xmlns:r="http://schemas.openxmlformats.org/officeDocument/2006/relationships" r:blip="">
+      <dgm:adjLst/>
+    </dgm:shape>
+    <dgm:presOf/>
+    <dgm:choose name="Name3">
+      <dgm:if name="Name4" axis="ch" ptType="node" func="cnt" op="lte" val="2">
+        <dgm:constrLst>
+          <dgm:constr type="h" for="ch" forName="compNode" refType="h" fact="0.4"/>
+          <dgm:constr type="w" for="ch" forName="compNode" val="100"/>
+          <dgm:constr type="w" for="ch" forName="sibTrans" refType="w" refFor="ch" refForName="compNode" fact="0.175"/>
+          <dgm:constr type="sp" refType="w" refFor="ch" refForName="compNode" op="equ" fact="0.25"/>
+          <dgm:constr type="primFontSz" for="des" ptType="node" op="equ" val="44"/>
+          <dgm:constr type="h" for="des" forName="compNode" op="equ"/>
+          <dgm:constr type="h" for="des" forName="textRect" op="equ"/>
+        </dgm:constrLst>
+      </dgm:if>
+      <dgm:if name="Name5" axis="ch" ptType="node" func="cnt" op="lte" val="3">
+        <dgm:constrLst>
+          <dgm:constr type="h" for="ch" forName="compNode" refType="h" fact="0.4"/>
+          <dgm:constr type="w" for="ch" forName="compNode" val="100"/>
+          <dgm:constr type="w" for="ch" forName="sibTrans" refType="w" refFor="ch" refForName="compNode" fact="0.175"/>
+          <dgm:constr type="sp" refType="w" refFor="ch" refForName="compNode" op="equ" fact="0.25"/>
+          <dgm:constr type="primFontSz" for="des" ptType="node" op="equ" val="40"/>
+          <dgm:constr type="h" for="des" forName="compNode" op="equ"/>
+          <dgm:constr type="h" for="des" forName="textRect" op="equ"/>
+        </dgm:constrLst>
+      </dgm:if>
+      <dgm:if name="Name6" axis="ch" ptType="node" func="cnt" op="lte" val="4">
+        <dgm:constrLst>
+          <dgm:constr type="h" for="ch" forName="compNode" refType="h" fact="0.4"/>
+          <dgm:constr type="w" for="ch" forName="compNode" refType="w"/>
+          <dgm:constr type="w" for="ch" forName="sibTrans" refType="w" refFor="ch" refForName="compNode" fact="0.175"/>
+          <dgm:constr type="sp" refType="w" refFor="ch" refForName="compNode" op="equ" fact="0.25"/>
+          <dgm:constr type="primFontSz" for="des" ptType="node" op="equ" val="32"/>
+          <dgm:constr type="h" for="des" forName="compNode" op="equ"/>
+          <dgm:constr type="h" for="des" forName="textRect" op="equ"/>
+        </dgm:constrLst>
+      </dgm:if>
+      <dgm:else name="Name7">
+        <dgm:constrLst>
+          <dgm:constr type="h" for="ch" forName="compNode" refType="h" fact="0.4"/>
+          <dgm:constr type="w" for="ch" forName="compNode" refType="w"/>
+          <dgm:constr type="w" for="ch" forName="sibTrans" refType="w" refFor="ch" refForName="compNode" fact="0.175"/>
+          <dgm:constr type="sp" refType="w" refFor="ch" refForName="compNode" op="equ" fact="0.25"/>
+          <dgm:constr type="primFontSz" for="des" ptType="node" op="equ" val="24"/>
+          <dgm:constr type="h" for="des" forName="compNode" op="equ"/>
+          <dgm:constr type="h" for="des" forName="textRect" op="equ"/>
+        </dgm:constrLst>
+      </dgm:else>
+    </dgm:choose>
+    <dgm:ruleLst>
+      <dgm:rule type="w" for="ch" forName="compNode" val="50" fact="NaN" max="NaN"/>
+    </dgm:ruleLst>
+    <dgm:forEach name="Name8" axis="ch" ptType="node">
+      <dgm:layoutNode name="compNode">
+        <dgm:alg type="composite"/>
+        <dgm:shape xmlns:r="http://schemas.openxmlformats.org/officeDocument/2006/relationships" r:blip="">
+          <dgm:adjLst/>
+        </dgm:shape>
+        <dgm:presOf axis="self"/>
+        <dgm:constrLst>
+          <dgm:constr type="w" for="ch" forName="iconBgRect" refType="w" fact="0.61"/>
+          <dgm:constr type="h" for="ch" forName="iconBgRect" refType="w" refFor="ch" refForName="iconBgRect"/>
+          <dgm:constr type="t" for="ch" forName="iconBgRect"/>
+          <dgm:constr type="ctrX" for="ch" forName="iconBgRect" refType="w" fact="0.5"/>
+          <dgm:constr type="w" for="ch" forName="iconRect" refType="w" fact="0.35"/>
+          <dgm:constr type="h" for="ch" forName="iconRect" refType="w" refFor="ch" refForName="iconRect"/>
+          <dgm:constr type="ctrX" for="ch" forName="iconRect" refType="ctrX" refFor="ch" refForName="iconBgRect"/>
+          <dgm:constr type="ctrY" for="ch" forName="iconRect" refType="ctrY" refFor="ch" refForName="iconBgRect"/>
+          <dgm:constr type="h" for="ch" forName="spaceRect" refType="w" fact="0.19"/>
+          <dgm:constr type="w" for="ch" forName="spaceRect" refType="w"/>
+          <dgm:constr type="l" for="ch" forName="spaceRect"/>
+          <dgm:constr type="t" for="ch" forName="spaceRect" refType="b" refFor="ch" refForName="iconBgRect"/>
+          <dgm:constr type="h" for="ch" forName="textRect" val="20"/>
+          <dgm:constr type="w" for="ch" forName="textRect" refType="w"/>
+          <dgm:constr type="l" for="ch" forName="textRect"/>
+          <dgm:constr type="t" for="ch" forName="textRect" refType="b" refFor="ch" refForName="spaceRect"/>
+        </dgm:constrLst>
+        <dgm:ruleLst>
+          <dgm:rule type="h" val="INF" fact="NaN" max="NaN"/>
+        </dgm:ruleLst>
+        <dgm:layoutNode name="iconBgRect" styleLbl="bgShp">
+          <dgm:alg type="sp"/>
+          <dgm:shape xmlns:r="http://schemas.openxmlformats.org/officeDocument/2006/relationships" type="ellipse" r:blip="">
+            <dgm:adjLst/>
+          </dgm:shape>
+          <dgm:presOf/>
+          <dgm:constrLst/>
+          <dgm:ruleLst/>
+        </dgm:layoutNode>
+        <dgm:layoutNode name="iconRect" styleLbl="node1">
+          <dgm:alg type="sp"/>
+          <dgm:shape xmlns:r="http://schemas.openxmlformats.org/officeDocument/2006/relationships" type="rect" r:blip="" blipPhldr="1">
+            <dgm:adjLst/>
+          </dgm:shape>
+          <dgm:presOf/>
+          <dgm:constrLst/>
+          <dgm:ruleLst/>
+        </dgm:layoutNode>
+        <dgm:layoutNode name="spaceRect">
+          <dgm:alg type="sp"/>
+          <dgm:shape xmlns:r="http://schemas.openxmlformats.org/officeDocument/2006/relationships" r:blip="">
+            <dgm:adjLst/>
+          </dgm:shape>
+          <dgm:presOf/>
+          <dgm:constrLst/>
+          <dgm:ruleLst/>
+        </dgm:layoutNode>
+        <dgm:layoutNode name="textRect" styleLbl="revTx">
+          <dgm:varLst>
+            <dgm:chMax val="1"/>
+            <dgm:chPref val="1"/>
+          </dgm:varLst>
+          <dgm:alg type="tx">
+            <dgm:param type="txAnchorVert" val="t"/>
+          </dgm:alg>
+          <dgm:shape xmlns:r="http://schemas.openxmlformats.org/officeDocument/2006/relationships" type="rect" r:blip="">
+            <dgm:adjLst/>
+          </dgm:shape>
+          <dgm:presOf axis="self" ptType="node"/>
+          <dgm:constrLst>
+            <dgm:constr type="lMarg"/>
+            <dgm:constr type="rMarg"/>
+            <dgm:constr type="tMarg"/>
+            <dgm:constr type="bMarg"/>
+          </dgm:constrLst>
+          <dgm:ruleLst>
+            <dgm:rule type="primFontSz" val="11" fact="NaN" max="NaN"/>
+            <dgm:rule type="h" val="INF" fact="NaN" max="NaN"/>
+          </dgm:ruleLst>
+        </dgm:layoutNode>
+      </dgm:layoutNode>
+      <dgm:forEach name="Name9" axis="followSib" ptType="sibTrans" cnt="1">
+        <dgm:layoutNode name="sibTrans">
+          <dgm:alg type="sp"/>
+          <dgm:shape xmlns:r="http://schemas.openxmlformats.org/officeDocument/2006/relationships" r:blip="">
+            <dgm:adjLst/>
+          </dgm:shape>
+          <dgm:presOf axis="self"/>
+          <dgm:constrLst/>
+          <dgm:ruleLst/>
+        </dgm:layoutNode>
+      </dgm:forEach>
+    </dgm:forEach>
+  </dgm:layoutNode>
+  <dgm:extLst>
+    <a:ext uri="{68A01E43-0DF5-4B5B-8FA6-DAF915123BFB}">
+      <dgm1612:lstStyle xmlns:dgm1612="http://schemas.microsoft.com/office/drawing/2016/12/diagram">
+        <a:lvl1pPr>
+          <a:lnSpc>
+            <a:spcPct val="100000"/>
+          </a:lnSpc>
+          <a:defRPr cap="all"/>
+        </a:lvl1pPr>
+      </dgm1612:lstStyle>
+    </a:ext>
+  </dgm:extLst>
+</dgm:layoutDef>
+</file>
+
+<file path=ppt/diagrams/quickStyle1.xml><?xml version="1.0" encoding="utf-8"?>
+<dgm:styleDef xmlns:dgm="http://schemas.openxmlformats.org/drawingml/2006/diagram" xmlns:a="http://schemas.openxmlformats.org/drawingml/2006/main" uniqueId="urn:microsoft.com/office/officeart/2005/8/quickstyle/simple1">
+  <dgm:title val=""/>
+  <dgm:desc val=""/>
+  <dgm:catLst>
+    <dgm:cat type="simple" pri="10100"/>
+  </dgm:catLst>
+  <dgm:scene3d>
+    <a:camera prst="orthographicFront"/>
+    <a:lightRig rig="threePt" dir="t"/>
+  </dgm:scene3d>
+  <dgm:styleLbl name="node0">
+    <dgm:scene3d>
+      <a:camera prst="orthographicFront"/>
+      <a:lightRig rig="threePt" dir="t"/>
+    </dgm:scene3d>
+    <dgm:sp3d/>
+    <dgm:txPr/>
+    <dgm:style>
+      <a:lnRef idx="2">
+        <a:scrgbClr r="0" g="0" b="0"/>
+      </a:lnRef>
+      <a:fillRef idx="1">
+        <a:scrgbClr r="0" g="0" b="0"/>
+      </a:fillRef>
+      <a:effectRef idx="0">
+        <a:scrgbClr r="0" g="0" b="0"/>
+      </a:effectRef>
+      <a:fontRef idx="minor">
+        <a:schemeClr val="lt1"/>
+      </a:fontRef>
+    </dgm:style>
+  </dgm:styleLbl>
+  <dgm:styleLbl name="lnNode1">
+    <dgm:scene3d>
+      <a:camera prst="orthographicFront"/>
+      <a:lightRig rig="threePt" dir="t"/>
+    </dgm:scene3d>
+    <dgm:sp3d/>
+    <dgm:txPr/>
+    <dgm:style>
+      <a:lnRef idx="2">
+        <a:scrgbClr r="0" g="0" b="0"/>
+      </a:lnRef>
+      <a:fillRef idx="1">
+        <a:scrgbClr r="0" g="0" b="0"/>
+      </a:fillRef>
+      <a:effectRef idx="0">
+        <a:scrgbClr r="0" g="0" b="0"/>
+      </a:effectRef>
+      <a:fontRef idx="minor">
+        <a:schemeClr val="lt1"/>
+      </a:fontRef>
+    </dgm:style>
+  </dgm:styleLbl>
+  <dgm:styleLbl name="vennNode1">
+    <dgm:scene3d>
+      <a:camera prst="orthographicFront"/>
+      <a:lightRig rig="threePt" dir="t"/>
+    </dgm:scene3d>
+    <dgm:sp3d/>
+    <dgm:txPr/>
+    <dgm:style>
+      <a:lnRef idx="2">
+        <a:scrgbClr r="0" g="0" b="0"/>
+      </a:lnRef>
+      <a:fillRef idx="1">
+        <a:scrgbClr r="0" g="0" b="0"/>
+      </a:fillRef>
+      <a:effectRef idx="0">
+        <a:scrgbClr r="0" g="0" b="0"/>
+      </a:effectRef>
+      <a:fontRef idx="minor">
+        <a:schemeClr val="tx1"/>
+      </a:fontRef>
+    </dgm:style>
+  </dgm:styleLbl>
+  <dgm:styleLbl name="alignNode1">
+    <dgm:scene3d>
+      <a:camera prst="orthographicFront"/>
+      <a:lightRig rig="threePt" dir="t"/>
+    </dgm:scene3d>
+    <dgm:sp3d/>
+    <dgm:txPr/>
+    <dgm:style>
+      <a:lnRef idx="2">
+        <a:scrgbClr r="0" g="0" b="0"/>
+      </a:lnRef>
+      <a:fillRef idx="1">
+        <a:scrgbClr r="0" g="0" b="0"/>
+      </a:fillRef>
+      <a:effectRef idx="0">
+        <a:scrgbClr r="0" g="0" b="0"/>
+      </a:effectRef>
+      <a:fontRef idx="minor">
+        <a:schemeClr val="lt1"/>
+      </a:fontRef>
+    </dgm:style>
+  </dgm:styleLbl>
+  <dgm:styleLbl name="node1">
+    <dgm:scene3d>
+      <a:camera prst="orthographicFront"/>
+      <a:lightRig rig="threePt" dir="t"/>
+    </dgm:scene3d>
+    <dgm:sp3d/>
+    <dgm:txPr/>
+    <dgm:style>
+      <a:lnRef idx="2">
+        <a:scrgbClr r="0" g="0" b="0"/>
+      </a:lnRef>
+      <a:fillRef idx="1">
+        <a:scrgbClr r="0" g="0" b="0"/>
+      </a:fillRef>
+      <a:effectRef idx="0">
+        <a:scrgbClr r="0" g="0" b="0"/>
+      </a:effectRef>
+      <a:fontRef idx="minor">
+        <a:schemeClr val="lt1"/>
+      </a:fontRef>
+    </dgm:style>
+  </dgm:styleLbl>
+  <dgm:styleLbl name="node2">
+    <dgm:scene3d>
+      <a:camera prst="orthographicFront"/>
+      <a:lightRig rig="threePt" dir="t"/>
+    </dgm:scene3d>
+    <dgm:sp3d/>
+    <dgm:txPr/>
+    <dgm:style>
+      <a:lnRef idx="2">
+        <a:scrgbClr r="0" g="0" b="0"/>
+      </a:lnRef>
+      <a:fillRef idx="1">
+        <a:scrgbClr r="0" g="0" b="0"/>
+      </a:fillRef>
+      <a:effectRef idx="0">
+        <a:scrgbClr r="0" g="0" b="0"/>
+      </a:effectRef>
+      <a:fontRef idx="minor">
+        <a:schemeClr val="lt1"/>
+      </a:fontRef>
+    </dgm:style>
+  </dgm:styleLbl>
+  <dgm:styleLbl name="node3">
+    <dgm:scene3d>
+      <a:camera prst="orthographicFront"/>
+      <a:lightRig rig="threePt" dir="t"/>
+    </dgm:scene3d>
+    <dgm:sp3d/>
+    <dgm:txPr/>
+    <dgm:style>
+      <a:lnRef idx="2">
+        <a:scrgbClr r="0" g="0" b="0"/>
+      </a:lnRef>
+      <a:fillRef idx="1">
+        <a:scrgbClr r="0" g="0" b="0"/>
+      </a:fillRef>
+      <a:effectRef idx="0">
+        <a:scrgbClr r="0" g="0" b="0"/>
+      </a:effectRef>
+      <a:fontRef idx="minor">
+        <a:schemeClr val="lt1"/>
+      </a:fontRef>
+    </dgm:style>
+  </dgm:styleLbl>
+  <dgm:styleLbl name="node4">
+    <dgm:scene3d>
+      <a:camera prst="orthographicFront"/>
+      <a:lightRig rig="threePt" dir="t"/>
+    </dgm:scene3d>
+    <dgm:sp3d/>
+    <dgm:txPr/>
+    <dgm:style>
+      <a:lnRef idx="2">
+        <a:scrgbClr r="0" g="0" b="0"/>
+      </a:lnRef>
+      <a:fillRef idx="1">
+        <a:scrgbClr r="0" g="0" b="0"/>
+      </a:fillRef>
+      <a:effectRef idx="0">
+        <a:scrgbClr r="0" g="0" b="0"/>
+      </a:effectRef>
+      <a:fontRef idx="minor">
+        <a:schemeClr val="lt1"/>
+      </a:fontRef>
+    </dgm:style>
+  </dgm:styleLbl>
+  <dgm:styleLbl name="fgImgPlace1">
+    <dgm:scene3d>
+      <a:camera prst="orthographicFront"/>
+      <a:lightRig rig="threePt" dir="t"/>
+    </dgm:scene3d>
+    <dgm:sp3d/>
+    <dgm:txPr/>
+    <dgm:style>
+      <a:lnRef idx="2">
+        <a:scrgbClr r="0" g="0" b="0"/>
+      </a:lnRef>
+      <a:fillRef idx="1">
+        <a:scrgbClr r="0" g="0" b="0"/>
+      </a:fillRef>
+      <a:effectRef idx="0">
+        <a:scrgbClr r="0" g="0" b="0"/>
+      </a:effectRef>
+      <a:fontRef idx="minor"/>
+    </dgm:style>
+  </dgm:styleLbl>
+  <dgm:styleLbl name="alignImgPlace1">
+    <dgm:scene3d>
+      <a:camera prst="orthographicFront"/>
+      <a:lightRig rig="threePt" dir="t"/>
+    </dgm:scene3d>
+    <dgm:sp3d/>
+    <dgm:txPr/>
+    <dgm:style>
+      <a:lnRef idx="2">
+        <a:scrgbClr r="0" g="0" b="0"/>
+      </a:lnRef>
+      <a:fillRef idx="1">
+        <a:scrgbClr r="0" g="0" b="0"/>
+      </a:fillRef>
+      <a:effectRef idx="0">
+        <a:scrgbClr r="0" g="0" b="0"/>
+      </a:effectRef>
+      <a:fontRef idx="minor"/>
+    </dgm:style>
+  </dgm:styleLbl>
+  <dgm:styleLbl name="bgImgPlace1">
+    <dgm:scene3d>
+      <a:camera prst="orthographicFront"/>
+      <a:lightRig rig="threePt" dir="t"/>
+    </dgm:scene3d>
+    <dgm:sp3d/>
+    <dgm:txPr/>
+    <dgm:style>
+      <a:lnRef idx="2">
+        <a:scrgbClr r="0" g="0" b="0"/>
+      </a:lnRef>
+      <a:fillRef idx="1">
+        <a:scrgbClr r="0" g="0" b="0"/>
+      </a:fillRef>
+      <a:effectRef idx="0">
+        <a:scrgbClr r="0" g="0" b="0"/>
+      </a:effectRef>
+      <a:fontRef idx="minor"/>
+    </dgm:style>
+  </dgm:styleLbl>
+  <dgm:styleLbl name="sibTrans2D1">
+    <dgm:scene3d>
+      <a:camera prst="orthographicFront"/>
+      <a:lightRig rig="threePt" dir="t"/>
+    </dgm:scene3d>
+    <dgm:sp3d/>
+    <dgm:txPr/>
+    <dgm:style>
+      <a:lnRef idx="0">
+        <a:scrgbClr r="0" g="0" b="0"/>
+      </a:lnRef>
+      <a:fillRef idx="1">
+        <a:scrgbClr r="0" g="0" b="0"/>
+      </a:fillRef>
+      <a:effectRef idx="0">
+        <a:scrgbClr r="0" g="0" b="0"/>
+      </a:effectRef>
+      <a:fontRef idx="minor">
+        <a:schemeClr val="lt1"/>
+      </a:fontRef>
+    </dgm:style>
+  </dgm:styleLbl>
+  <dgm:styleLbl name="fgSibTrans2D1">
+    <dgm:scene3d>
+      <a:camera prst="orthographicFront"/>
+      <a:lightRig rig="threePt" dir="t"/>
+    </dgm:scene3d>
+    <dgm:sp3d/>
+    <dgm:txPr/>
+    <dgm:style>
+      <a:lnRef idx="0">
+        <a:scrgbClr r="0" g="0" b="0"/>
+      </a:lnRef>
+      <a:fillRef idx="1">
+        <a:scrgbClr r="0" g="0" b="0"/>
+      </a:fillRef>
+      <a:effectRef idx="0">
+        <a:scrgbClr r="0" g="0" b="0"/>
+      </a:effectRef>
+      <a:fontRef idx="minor">
+        <a:schemeClr val="lt1"/>
+      </a:fontRef>
+    </dgm:style>
+  </dgm:styleLbl>
+  <dgm:styleLbl name="bgSibTrans2D1">
+    <dgm:scene3d>
+      <a:camera prst="orthographicFront"/>
+      <a:lightRig rig="threePt" dir="t"/>
+    </dgm:scene3d>
+    <dgm:sp3d/>
+    <dgm:txPr/>
+    <dgm:style>
+      <a:lnRef idx="0">
+        <a:scrgbClr r="0" g="0" b="0"/>
+      </a:lnRef>
+      <a:fillRef idx="1">
+        <a:scrgbClr r="0" g="0" b="0"/>
+      </a:fillRef>
+      <a:effectRef idx="0">
+        <a:scrgbClr r="0" g="0" b="0"/>
+      </a:effectRef>
+      <a:fontRef idx="minor">
+        <a:schemeClr val="lt1"/>
+      </a:fontRef>
+    </dgm:style>
+  </dgm:styleLbl>
+  <dgm:styleLbl name="sibTrans1D1">
+    <dgm:scene3d>
+      <a:camera prst="orthographicFront"/>
+      <a:lightRig rig="threePt" dir="t"/>
+    </dgm:scene3d>
+    <dgm:sp3d/>
+    <dgm:txPr/>
+    <dgm:style>
+      <a:lnRef idx="1">
+        <a:scrgbClr r="0" g="0" b="0"/>
+      </a:lnRef>
+      <a:fillRef idx="0">
+        <a:scrgbClr r="0" g="0" b="0"/>
+      </a:fillRef>
+      <a:effectRef idx="0">
+        <a:scrgbClr r="0" g="0" b="0"/>
+      </a:effectRef>
+      <a:fontRef idx="minor"/>
+    </dgm:style>
+  </dgm:styleLbl>
+  <dgm:styleLbl name="callout">
+    <dgm:scene3d>
+      <a:camera prst="orthographicFront"/>
+      <a:lightRig rig="threePt" dir="t"/>
+    </dgm:scene3d>
+    <dgm:sp3d/>
+    <dgm:txPr/>
+    <dgm:style>
+      <a:lnRef idx="2">
+        <a:scrgbClr r="0" g="0" b="0"/>
+      </a:lnRef>
+      <a:fillRef idx="1">
+        <a:scrgbClr r="0" g="0" b="0"/>
+      </a:fillRef>
+      <a:effectRef idx="0">
+        <a:scrgbClr r="0" g="0" b="0"/>
+      </a:effectRef>
+      <a:fontRef idx="minor"/>
+    </dgm:style>
+  </dgm:styleLbl>
+  <dgm:styleLbl name="asst0">
+    <dgm:scene3d>
+      <a:camera prst="orthographicFront"/>
+      <a:lightRig rig="threePt" dir="t"/>
+    </dgm:scene3d>
+    <dgm:sp3d/>
+    <dgm:txPr/>
+    <dgm:style>
+      <a:lnRef idx="2">
+        <a:scrgbClr r="0" g="0" b="0"/>
+      </a:lnRef>
+      <a:fillRef idx="1">
+        <a:scrgbClr r="0" g="0" b="0"/>
+      </a:fillRef>
+      <a:effectRef idx="0">
+        <a:scrgbClr r="0" g="0" b="0"/>
+      </a:effectRef>
+      <a:fontRef idx="minor">
+        <a:schemeClr val="lt1"/>
+      </a:fontRef>
+    </dgm:style>
+  </dgm:styleLbl>
+  <dgm:styleLbl name="asst1">
+    <dgm:scene3d>
+      <a:camera prst="orthographicFront"/>
+      <a:lightRig rig="threePt" dir="t"/>
+    </dgm:scene3d>
+    <dgm:sp3d/>
+    <dgm:txPr/>
+    <dgm:style>
+      <a:lnRef idx="2">
+        <a:scrgbClr r="0" g="0" b="0"/>
+      </a:lnRef>
+      <a:fillRef idx="1">
+        <a:scrgbClr r="0" g="0" b="0"/>
+      </a:fillRef>
+      <a:effectRef idx="0">
+        <a:scrgbClr r="0" g="0" b="0"/>
+      </a:effectRef>
+      <a:fontRef idx="minor">
+        <a:schemeClr val="lt1"/>
+      </a:fontRef>
+    </dgm:style>
+  </dgm:styleLbl>
+  <dgm:styleLbl name="asst2">
+    <dgm:scene3d>
+      <a:camera prst="orthographicFront"/>
+      <a:lightRig rig="threePt" dir="t"/>
+    </dgm:scene3d>
+    <dgm:sp3d/>
+    <dgm:txPr/>
+    <dgm:style>
+      <a:lnRef idx="2">
+        <a:scrgbClr r="0" g="0" b="0"/>
+      </a:lnRef>
+      <a:fillRef idx="1">
+        <a:scrgbClr r="0" g="0" b="0"/>
+      </a:fillRef>
+      <a:effectRef idx="0">
+        <a:scrgbClr r="0" g="0" b="0"/>
+      </a:effectRef>
+      <a:fontRef idx="minor">
+        <a:schemeClr val="lt1"/>
+      </a:fontRef>
+    </dgm:style>
+  </dgm:styleLbl>
+  <dgm:styleLbl name="asst3">
+    <dgm:scene3d>
+      <a:camera prst="orthographicFront"/>
+      <a:lightRig rig="threePt" dir="t"/>
+    </dgm:scene3d>
+    <dgm:sp3d/>
+    <dgm:txPr/>
+    <dgm:style>
+      <a:lnRef idx="2">
+        <a:scrgbClr r="0" g="0" b="0"/>
+      </a:lnRef>
+      <a:fillRef idx="1">
+        <a:scrgbClr r="0" g="0" b="0"/>
+      </a:fillRef>
+      <a:effectRef idx="0">
+        <a:scrgbClr r="0" g="0" b="0"/>
+      </a:effectRef>
+      <a:fontRef idx="minor">
+        <a:schemeClr val="lt1"/>
+      </a:fontRef>
+    </dgm:style>
+  </dgm:styleLbl>
+  <dgm:styleLbl name="asst4">
+    <dgm:scene3d>
+      <a:camera prst="orthographicFront"/>
+      <a:lightRig rig="threePt" dir="t"/>
+    </dgm:scene3d>
+    <dgm:sp3d/>
+    <dgm:txPr/>
+    <dgm:style>
+      <a:lnRef idx="2">
+        <a:scrgbClr r="0" g="0" b="0"/>
+      </a:lnRef>
+      <a:fillRef idx="1">
+        <a:scrgbClr r="0" g="0" b="0"/>
+      </a:fillRef>
+      <a:effectRef idx="0">
+        <a:scrgbClr r="0" g="0" b="0"/>
+      </a:effectRef>
+      <a:fontRef idx="minor">
+        <a:schemeClr val="lt1"/>
+      </a:fontRef>
+    </dgm:style>
+  </dgm:styleLbl>
+  <dgm:styleLbl name="parChTrans2D1">
+    <dgm:scene3d>
+      <a:camera prst="orthographicFront"/>
+      <a:lightRig rig="threePt" dir="t"/>
+    </dgm:scene3d>
+    <dgm:sp3d/>
+    <dgm:txPr/>
+    <dgm:style>
+      <a:lnRef idx="2">
+        <a:scrgbClr r="0" g="0" b="0"/>
+      </a:lnRef>
+      <a:fillRef idx="1">
+        <a:scrgbClr r="0" g="0" b="0"/>
+      </a:fillRef>
+      <a:effectRef idx="0">
+        <a:scrgbClr r="0" g="0" b="0"/>
+      </a:effectRef>
+      <a:fontRef idx="minor">
+        <a:schemeClr val="lt1"/>
+      </a:fontRef>
+    </dgm:style>
+  </dgm:styleLbl>
+  <dgm:styleLbl name="parChTrans2D2">
+    <dgm:scene3d>
+      <a:camera prst="orthographicFront"/>
+      <a:lightRig rig="threePt" dir="t"/>
+    </dgm:scene3d>
+    <dgm:sp3d/>
+    <dgm:txPr/>
+    <dgm:style>
+      <a:lnRef idx="2">
+        <a:scrgbClr r="0" g="0" b="0"/>
+      </a:lnRef>
+      <a:fillRef idx="1">
+        <a:scrgbClr r="0" g="0" b="0"/>
+      </a:fillRef>
+      <a:effectRef idx="0">
+        <a:scrgbClr r="0" g="0" b="0"/>
+      </a:effectRef>
+      <a:fontRef idx="minor">
+        <a:schemeClr val="lt1"/>
+      </a:fontRef>
+    </dgm:style>
+  </dgm:styleLbl>
+  <dgm:styleLbl name="parChTrans2D3">
+    <dgm:scene3d>
+      <a:camera prst="orthographicFront"/>
+      <a:lightRig rig="threePt" dir="t"/>
+    </dgm:scene3d>
+    <dgm:sp3d/>
+    <dgm:txPr/>
+    <dgm:style>
+      <a:lnRef idx="2">
+        <a:scrgbClr r="0" g="0" b="0"/>
+      </a:lnRef>
+      <a:fillRef idx="1">
+        <a:scrgbClr r="0" g="0" b="0"/>
+      </a:fillRef>
+      <a:effectRef idx="0">
+        <a:scrgbClr r="0" g="0" b="0"/>
+      </a:effectRef>
+      <a:fontRef idx="minor">
+        <a:schemeClr val="lt1"/>
+      </a:fontRef>
+    </dgm:style>
+  </dgm:styleLbl>
+  <dgm:styleLbl name="parChTrans2D4">
+    <dgm:scene3d>
+      <a:camera prst="orthographicFront"/>
+      <a:lightRig rig="threePt" dir="t"/>
+    </dgm:scene3d>
+    <dgm:sp3d/>
+    <dgm:txPr/>
+    <dgm:style>
+      <a:lnRef idx="2">
+        <a:scrgbClr r="0" g="0" b="0"/>
+      </a:lnRef>
+      <a:fillRef idx="1">
+        <a:scrgbClr r="0" g="0" b="0"/>
+      </a:fillRef>
+      <a:effectRef idx="0">
+        <a:scrgbClr r="0" g="0" b="0"/>
+      </a:effectRef>
+      <a:fontRef idx="minor">
+        <a:schemeClr val="lt1"/>
+      </a:fontRef>
+    </dgm:style>
+  </dgm:styleLbl>
+  <dgm:styleLbl name="parChTrans1D1">
+    <dgm:scene3d>
+      <a:camera prst="orthographicFront"/>
+      <a:lightRig rig="threePt" dir="t"/>
+    </dgm:scene3d>
+    <dgm:sp3d/>
+    <dgm:txPr/>
+    <dgm:style>
+      <a:lnRef idx="2">
+        <a:scrgbClr r="0" g="0" b="0"/>
+      </a:lnRef>
+      <a:fillRef idx="0">
+        <a:scrgbClr r="0" g="0" b="0"/>
+      </a:fillRef>
+      <a:effectRef idx="0">
+        <a:scrgbClr r="0" g="0" b="0"/>
+      </a:effectRef>
+      <a:fontRef idx="minor"/>
+    </dgm:style>
+  </dgm:styleLbl>
+  <dgm:styleLbl name="parChTrans1D2">
+    <dgm:scene3d>
+      <a:camera prst="orthographicFront"/>
+      <a:lightRig rig="threePt" dir="t"/>
+    </dgm:scene3d>
+    <dgm:sp3d/>
+    <dgm:txPr/>
+    <dgm:style>
+      <a:lnRef idx="2">
+        <a:scrgbClr r="0" g="0" b="0"/>
+      </a:lnRef>
+      <a:fillRef idx="0">
+        <a:scrgbClr r="0" g="0" b="0"/>
+      </a:fillRef>
+      <a:effectRef idx="0">
+        <a:scrgbClr r="0" g="0" b="0"/>
+      </a:effectRef>
+      <a:fontRef idx="minor"/>
+    </dgm:style>
+  </dgm:styleLbl>
+  <dgm:styleLbl name="parChTrans1D3">
+    <dgm:scene3d>
+      <a:camera prst="orthographicFront"/>
+      <a:lightRig rig="threePt" dir="t"/>
+    </dgm:scene3d>
+    <dgm:sp3d/>
+    <dgm:txPr/>
+    <dgm:style>
+      <a:lnRef idx="2">
+        <a:scrgbClr r="0" g="0" b="0"/>
+      </a:lnRef>
+      <a:fillRef idx="0">
+        <a:scrgbClr r="0" g="0" b="0"/>
+      </a:fillRef>
+      <a:effectRef idx="0">
+        <a:scrgbClr r="0" g="0" b="0"/>
+      </a:effectRef>
+      <a:fontRef idx="minor"/>
+    </dgm:style>
+  </dgm:styleLbl>
+  <dgm:styleLbl name="parChTrans1D4">
+    <dgm:scene3d>
+      <a:camera prst="orthographicFront"/>
+      <a:lightRig rig="threePt" dir="t"/>
+    </dgm:scene3d>
+    <dgm:sp3d/>
+    <dgm:txPr/>
+    <dgm:style>
+      <a:lnRef idx="2">
+        <a:scrgbClr r="0" g="0" b="0"/>
+      </a:lnRef>
+      <a:fillRef idx="0">
+        <a:scrgbClr r="0" g="0" b="0"/>
+      </a:fillRef>
+      <a:effectRef idx="0">
+        <a:scrgbClr r="0" g="0" b="0"/>
+      </a:effectRef>
+      <a:fontRef idx="minor"/>
+    </dgm:style>
+  </dgm:styleLbl>
+  <dgm:styleLbl name="fgAcc1">
+    <dgm:scene3d>
+      <a:camera prst="orthographicFront"/>
+      <a:lightRig rig="threePt" dir="t"/>
+    </dgm:scene3d>
+    <dgm:sp3d/>
+    <dgm:txPr/>
+    <dgm:style>
+      <a:lnRef idx="2">
+        <a:scrgbClr r="0" g="0" b="0"/>
+      </a:lnRef>
+      <a:fillRef idx="1">
+        <a:scrgbClr r="0" g="0" b="0"/>
+      </a:fillRef>
+      <a:effectRef idx="0">
+        <a:scrgbClr r="0" g="0" b="0"/>
+      </a:effectRef>
+      <a:fontRef idx="minor"/>
+    </dgm:style>
+  </dgm:styleLbl>
+  <dgm:styleLbl name="conFgAcc1">
+    <dgm:scene3d>
+      <a:camera prst="orthographicFront"/>
+      <a:lightRig rig="threePt" dir="t"/>
+    </dgm:scene3d>
+    <dgm:sp3d/>
+    <dgm:txPr/>
+    <dgm:style>
+      <a:lnRef idx="2">
+        <a:scrgbClr r="0" g="0" b="0"/>
+      </a:lnRef>
+      <a:fillRef idx="1">
+        <a:scrgbClr r="0" g="0" b="0"/>
+      </a:fillRef>
+      <a:effectRef idx="0">
+        <a:scrgbClr r="0" g="0" b="0"/>
+      </a:effectRef>
+      <a:fontRef idx="minor"/>
+    </dgm:style>
+  </dgm:styleLbl>
+  <dgm:styleLbl name="alignAcc1">
+    <dgm:scene3d>
+      <a:camera prst="orthographicFront"/>
+      <a:lightRig rig="threePt" dir="t"/>
+    </dgm:scene3d>
+    <dgm:sp3d/>
+    <dgm:txPr/>
+    <dgm:style>
+      <a:lnRef idx="2">
+        <a:scrgbClr r="0" g="0" b="0"/>
+      </a:lnRef>
+      <a:fillRef idx="1">
+        <a:scrgbClr r="0" g="0" b="0"/>
+      </a:fillRef>
+      <a:effectRef idx="0">
+        <a:scrgbClr r="0" g="0" b="0"/>
+      </a:effectRef>
+      <a:fontRef idx="minor"/>
+    </dgm:style>
+  </dgm:styleLbl>
+  <dgm:styleLbl name="trAlignAcc1">
+    <dgm:scene3d>
+      <a:camera prst="orthographicFront"/>
+      <a:lightRig rig="threePt" dir="t"/>
+    </dgm:scene3d>
+    <dgm:sp3d/>
+    <dgm:txPr/>
+    <dgm:style>
+      <a:lnRef idx="1">
+        <a:scrgbClr r="0" g="0" b="0"/>
+      </a:lnRef>
+      <a:fillRef idx="1">
+        <a:scrgbClr r="0" g="0" b="0"/>
+      </a:fillRef>
+      <a:effectRef idx="0">
+        <a:scrgbClr r="0" g="0" b="0"/>
+      </a:effectRef>
+      <a:fontRef idx="minor"/>
+    </dgm:style>
+  </dgm:styleLbl>
+  <dgm:styleLbl name="bgAcc1">
+    <dgm:scene3d>
+      <a:camera prst="orthographicFront"/>
+      <a:lightRig rig="threePt" dir="t"/>
+    </dgm:scene3d>
+    <dgm:sp3d/>
+    <dgm:txPr/>
+    <dgm:style>
+      <a:lnRef idx="2">
+        <a:scrgbClr r="0" g="0" b="0"/>
+      </a:lnRef>
+      <a:fillRef idx="1">
+        <a:scrgbClr r="0" g="0" b="0"/>
+      </a:fillRef>
+      <a:effectRef idx="0">
+        <a:scrgbClr r="0" g="0" b="0"/>
+      </a:effectRef>
+      <a:fontRef idx="minor"/>
+    </dgm:style>
+  </dgm:styleLbl>
+  <dgm:styleLbl name="solidFgAcc1">
+    <dgm:scene3d>
+      <a:camera prst="orthographicFront"/>
+      <a:lightRig rig="threePt" dir="t"/>
+    </dgm:scene3d>
+    <dgm:sp3d/>
+    <dgm:txPr/>
+    <dgm:style>
+      <a:lnRef idx="2">
+        <a:scrgbClr r="0" g="0" b="0"/>
+      </a:lnRef>
+      <a:fillRef idx="1">
+        <a:scrgbClr r="0" g="0" b="0"/>
+      </a:fillRef>
+      <a:effectRef idx="0">
+        <a:scrgbClr r="0" g="0" b="0"/>
+      </a:effectRef>
+      <a:fontRef idx="minor"/>
+    </dgm:style>
+  </dgm:styleLbl>
+  <dgm:styleLbl name="solidAlignAcc1">
+    <dgm:scene3d>
+      <a:camera prst="orthographicFront"/>
+      <a:lightRig rig="threePt" dir="t"/>
+    </dgm:scene3d>
+    <dgm:sp3d/>
+    <dgm:txPr/>
+    <dgm:style>
+      <a:lnRef idx="2">
+        <a:scrgbClr r="0" g="0" b="0"/>
+      </a:lnRef>
+      <a:fillRef idx="1">
+        <a:scrgbClr r="0" g="0" b="0"/>
+      </a:fillRef>
+      <a:effectRef idx="0">
+        <a:scrgbClr r="0" g="0" b="0"/>
+      </a:effectRef>
+      <a:fontRef idx="minor"/>
+    </dgm:style>
+  </dgm:styleLbl>
+  <dgm:styleLbl name="solidBgAcc1">
+    <dgm:scene3d>
+      <a:camera prst="orthographicFront"/>
+      <a:lightRig rig="threePt" dir="t"/>
+    </dgm:scene3d>
+    <dgm:sp3d/>
+    <dgm:txPr/>
+    <dgm:style>
+      <a:lnRef idx="2">
+        <a:scrgbClr r="0" g="0" b="0"/>
+      </a:lnRef>
+      <a:fillRef idx="1">
+        <a:scrgbClr r="0" g="0" b="0"/>
+      </a:fillRef>
+      <a:effectRef idx="0">
+        <a:scrgbClr r="0" g="0" b="0"/>
+      </a:effectRef>
+      <a:fontRef idx="minor"/>
+    </dgm:style>
+  </dgm:styleLbl>
+  <dgm:styleLbl name="fgAccFollowNode1">
+    <dgm:scene3d>
+      <a:camera prst="orthographicFront"/>
+      <a:lightRig rig="threePt" dir="t"/>
+    </dgm:scene3d>
+    <dgm:sp3d/>
+    <dgm:txPr/>
+    <dgm:style>
+      <a:lnRef idx="2">
+        <a:scrgbClr r="0" g="0" b="0"/>
+      </a:lnRef>
+      <a:fillRef idx="1">
+        <a:scrgbClr r="0" g="0" b="0"/>
+      </a:fillRef>
+      <a:effectRef idx="0">
+        <a:scrgbClr r="0" g="0" b="0"/>
+      </a:effectRef>
+      <a:fontRef idx="minor"/>
+    </dgm:style>
+  </dgm:styleLbl>
+  <dgm:styleLbl name="alignAccFollowNode1">
+    <dgm:scene3d>
+      <a:camera prst="orthographicFront"/>
+      <a:lightRig rig="threePt" dir="t"/>
+    </dgm:scene3d>
+    <dgm:sp3d/>
+    <dgm:txPr/>
+    <dgm:style>
+      <a:lnRef idx="2">
+        <a:scrgbClr r="0" g="0" b="0"/>
+      </a:lnRef>
+      <a:fillRef idx="1">
+        <a:scrgbClr r="0" g="0" b="0"/>
+      </a:fillRef>
+      <a:effectRef idx="0">
+        <a:scrgbClr r="0" g="0" b="0"/>
+      </a:effectRef>
+      <a:fontRef idx="minor"/>
+    </dgm:style>
+  </dgm:styleLbl>
+  <dgm:styleLbl name="bgAccFollowNode1">
+    <dgm:scene3d>
+      <a:camera prst="orthographicFront"/>
+      <a:lightRig rig="threePt" dir="t"/>
+    </dgm:scene3d>
+    <dgm:sp3d/>
+    <dgm:txPr/>
+    <dgm:style>
+      <a:lnRef idx="2">
+        <a:scrgbClr r="0" g="0" b="0"/>
+      </a:lnRef>
+      <a:fillRef idx="1">
+        <a:scrgbClr r="0" g="0" b="0"/>
+      </a:fillRef>
+      <a:effectRef idx="0">
+        <a:scrgbClr r="0" g="0" b="0"/>
+      </a:effectRef>
+      <a:fontRef idx="minor"/>
+    </dgm:style>
+  </dgm:styleLbl>
+  <dgm:styleLbl name="fgAcc0">
+    <dgm:scene3d>
+      <a:camera prst="orthographicFront"/>
+      <a:lightRig rig="threePt" dir="t"/>
+    </dgm:scene3d>
+    <dgm:sp3d/>
+    <dgm:txPr/>
+    <dgm:style>
+      <a:lnRef idx="2">
+        <a:scrgbClr r="0" g="0" b="0"/>
+      </a:lnRef>
+      <a:fillRef idx="1">
+        <a:scrgbClr r="0" g="0" b="0"/>
+      </a:fillRef>
+      <a:effectRef idx="0">
+        <a:scrgbClr r="0" g="0" b="0"/>
+      </a:effectRef>
+      <a:fontRef idx="minor"/>
+    </dgm:style>
+  </dgm:styleLbl>
+  <dgm:styleLbl name="fgAcc2">
+    <dgm:scene3d>
+      <a:camera prst="orthographicFront"/>
+      <a:lightRig rig="threePt" dir="t"/>
+    </dgm:scene3d>
+    <dgm:sp3d/>
+    <dgm:txPr/>
+    <dgm:style>
+      <a:lnRef idx="2">
+        <a:scrgbClr r="0" g="0" b="0"/>
+      </a:lnRef>
+      <a:fillRef idx="1">
+        <a:scrgbClr r="0" g="0" b="0"/>
+      </a:fillRef>
+      <a:effectRef idx="0">
+        <a:scrgbClr r="0" g="0" b="0"/>
+      </a:effectRef>
+      <a:fontRef idx="minor"/>
+    </dgm:style>
+  </dgm:styleLbl>
+  <dgm:styleLbl name="fgAcc3">
+    <dgm:scene3d>
+      <a:camera prst="orthographicFront"/>
+      <a:lightRig rig="threePt" dir="t"/>
+    </dgm:scene3d>
+    <dgm:sp3d/>
+    <dgm:txPr/>
+    <dgm:style>
+      <a:lnRef idx="2">
+        <a:scrgbClr r="0" g="0" b="0"/>
+      </a:lnRef>
+      <a:fillRef idx="1">
+        <a:scrgbClr r="0" g="0" b="0"/>
+      </a:fillRef>
+      <a:effectRef idx="0">
+        <a:scrgbClr r="0" g="0" b="0"/>
+      </a:effectRef>
+      <a:fontRef idx="minor"/>
+    </dgm:style>
+  </dgm:styleLbl>
+  <dgm:styleLbl name="fgAcc4">
+    <dgm:scene3d>
+      <a:camera prst="orthographicFront"/>
+      <a:lightRig rig="threePt" dir="t"/>
+    </dgm:scene3d>
+    <dgm:sp3d/>
+    <dgm:txPr/>
+    <dgm:style>
+      <a:lnRef idx="2">
+        <a:scrgbClr r="0" g="0" b="0"/>
+      </a:lnRef>
+      <a:fillRef idx="1">
+        <a:scrgbClr r="0" g="0" b="0"/>
+      </a:fillRef>
+      <a:effectRef idx="0">
+        <a:scrgbClr r="0" g="0" b="0"/>
+      </a:effectRef>
+      <a:fontRef idx="minor"/>
+    </dgm:style>
+  </dgm:styleLbl>
+  <dgm:styleLbl name="bgShp">
+    <dgm:scene3d>
+      <a:camera prst="orthographicFront"/>
+      <a:lightRig rig="threePt" dir="t"/>
+    </dgm:scene3d>
+    <dgm:sp3d/>
+    <dgm:txPr/>
+    <dgm:style>
+      <a:lnRef idx="0">
+        <a:scrgbClr r="0" g="0" b="0"/>
+      </a:lnRef>
+      <a:fillRef idx="1">
+        <a:scrgbClr r="0" g="0" b="0"/>
+      </a:fillRef>
+      <a:effectRef idx="0">
+        <a:scrgbClr r="0" g="0" b="0"/>
+      </a:effectRef>
+      <a:fontRef idx="minor"/>
+    </dgm:style>
+  </dgm:styleLbl>
+  <dgm:styleLbl name="dkBgShp">
+    <dgm:scene3d>
+      <a:camera prst="orthographicFront"/>
+      <a:lightRig rig="threePt" dir="t"/>
+    </dgm:scene3d>
+    <dgm:sp3d/>
+    <dgm:txPr/>
+    <dgm:style>
+      <a:lnRef idx="0">
+        <a:scrgbClr r="0" g="0" b="0"/>
+      </a:lnRef>
+      <a:fillRef idx="1">
+        <a:scrgbClr r="0" g="0" b="0"/>
+      </a:fillRef>
+      <a:effectRef idx="0">
+        <a:scrgbClr r="0" g="0" b="0"/>
+      </a:effectRef>
+      <a:fontRef idx="minor"/>
+    </dgm:style>
+  </dgm:styleLbl>
+  <dgm:styleLbl name="trBgShp">
+    <dgm:scene3d>
+      <a:camera prst="orthographicFront"/>
+      <a:lightRig rig="threePt" dir="t"/>
+    </dgm:scene3d>
+    <dgm:sp3d/>
+    <dgm:txPr/>
+    <dgm:style>
+      <a:lnRef idx="0">
+        <a:scrgbClr r="0" g="0" b="0"/>
+      </a:lnRef>
+      <a:fillRef idx="1">
+        <a:scrgbClr r="0" g="0" b="0"/>
+      </a:fillRef>
+      <a:effectRef idx="0">
+        <a:scrgbClr r="0" g="0" b="0"/>
+      </a:effectRef>
+      <a:fontRef idx="minor"/>
+    </dgm:style>
+  </dgm:styleLbl>
+  <dgm:styleLbl name="fgShp">
+    <dgm:scene3d>
+      <a:camera prst="orthographicFront"/>
+      <a:lightRig rig="threePt" dir="t"/>
+    </dgm:scene3d>
+    <dgm:sp3d/>
+    <dgm:txPr/>
+    <dgm:style>
+      <a:lnRef idx="2">
+        <a:scrgbClr r="0" g="0" b="0"/>
+      </a:lnRef>
+      <a:fillRef idx="1">
+        <a:scrgbClr r="0" g="0" b="0"/>
+      </a:fillRef>
+      <a:effectRef idx="0">
+        <a:scrgbClr r="0" g="0" b="0"/>
+      </a:effectRef>
+      <a:fontRef idx="minor"/>
+    </dgm:style>
+  </dgm:styleLbl>
+  <dgm:styleLbl name="revTx">
+    <dgm:scene3d>
+      <a:camera prst="orthographicFront"/>
+      <a:lightRig rig="threePt" dir="t"/>
+    </dgm:scene3d>
+    <dgm:sp3d/>
+    <dgm:txPr/>
+    <dgm:style>
+      <a:lnRef idx="0">
+        <a:scrgbClr r="0" g="0" b="0"/>
+      </a:lnRef>
+      <a:fillRef idx="0">
+        <a:scrgbClr r="0" g="0" b="0"/>
+      </a:fillRef>
+      <a:effectRef idx="0">
+        <a:scrgbClr r="0" g="0" b="0"/>
+      </a:effectRef>
+      <a:fontRef idx="minor"/>
+    </dgm:style>
+  </dgm:styleLbl>
+</dgm:styleDef>
+</file>
+
+<file path=ppt/notesMasters/notesMaster1.xml><?xml version="1.0" encoding="utf-8"?>
+<p:notesMaster xmlns:a="http://schemas.openxmlformats.org/drawingml/2006/main" xmlns:r="http://schemas.openxmlformats.org/officeDocument/2006/relationships" xmlns:p="http://schemas.openxmlformats.org/presentationml/2006/main">
+  <p:cSld>
+    <p:bg>
+      <p:bgRef idx="1001">
+        <a:schemeClr val="bg1"/>
+      </p:bgRef>
+    </p:bg>
+    <p:spTree>
+      <p:nvGrpSpPr>
+        <p:cNvPr id="1" name=""/>
+        <p:cNvGrpSpPr/>
+        <p:nvPr/>
+      </p:nvGrpSpPr>
+      <p:grpSpPr>
+        <a:xfrm>
+          <a:off x="0" y="0"/>
+          <a:ext cx="0" cy="0"/>
+          <a:chOff x="0" y="0"/>
+          <a:chExt cx="0" cy="0"/>
+        </a:xfrm>
+      </p:grpSpPr>
+      <p:sp>
+        <p:nvSpPr>
+          <p:cNvPr id="2" name="Tijdelijke aanduiding voor koptekst 1"/>
+          <p:cNvSpPr>
+            <a:spLocks noGrp="1"/>
+          </p:cNvSpPr>
+          <p:nvPr>
+            <p:ph type="hdr" sz="quarter"/>
+          </p:nvPr>
+        </p:nvSpPr>
+        <p:spPr>
+          <a:xfrm>
+            <a:off x="0" y="0"/>
+            <a:ext cx="2971800" cy="458788"/>
+          </a:xfrm>
+          <a:prstGeom prst="rect">
+            <a:avLst/>
+          </a:prstGeom>
+        </p:spPr>
+        <p:txBody>
+          <a:bodyPr vert="horz" lIns="91440" tIns="45720" rIns="91440" bIns="45720" rtlCol="0"/>
+          <a:lstStyle>
+            <a:lvl1pPr algn="l">
+              <a:defRPr sz="1200"/>
+            </a:lvl1pPr>
+          </a:lstStyle>
+          <a:p>
+            <a:endParaRPr lang="nl-NL"/>
+          </a:p>
+        </p:txBody>
+      </p:sp>
+      <p:sp>
+        <p:nvSpPr>
+          <p:cNvPr id="3" name="Tijdelijke aanduiding voor datum 2"/>
+          <p:cNvSpPr>
+            <a:spLocks noGrp="1"/>
+          </p:cNvSpPr>
+          <p:nvPr>
+            <p:ph type="dt" idx="1"/>
+          </p:nvPr>
+        </p:nvSpPr>
+        <p:spPr>
+          <a:xfrm>
+            <a:off x="3884613" y="0"/>
+            <a:ext cx="2971800" cy="458788"/>
+          </a:xfrm>
+          <a:prstGeom prst="rect">
+            <a:avLst/>
+          </a:prstGeom>
+        </p:spPr>
+        <p:txBody>
+          <a:bodyPr vert="horz" lIns="91440" tIns="45720" rIns="91440" bIns="45720" rtlCol="0"/>
+          <a:lstStyle>
+            <a:lvl1pPr algn="r">
+              <a:defRPr sz="1200"/>
+            </a:lvl1pPr>
+          </a:lstStyle>
+          <a:p>
+            <a:fld id="{EA90DDFB-CE8E-49B8-B008-BF7153091CEE}" type="datetimeFigureOut">
+              <a:rPr lang="nl-NL" smtClean="0"/>
+              <a:t>21-10-2021</a:t>
+            </a:fld>
+            <a:endParaRPr lang="nl-NL"/>
+          </a:p>
+        </p:txBody>
+      </p:sp>
+      <p:sp>
+        <p:nvSpPr>
+          <p:cNvPr id="4" name="Tijdelijke aanduiding voor dia-afbeelding 3"/>
+          <p:cNvSpPr>
+            <a:spLocks noGrp="1" noRot="1" noChangeAspect="1"/>
+          </p:cNvSpPr>
+          <p:nvPr>
+            <p:ph type="sldImg" idx="2"/>
+          </p:nvPr>
+        </p:nvSpPr>
+        <p:spPr>
+          <a:xfrm>
+            <a:off x="685800" y="1143000"/>
+            <a:ext cx="5486400" cy="3086100"/>
+          </a:xfrm>
+          <a:prstGeom prst="rect">
+            <a:avLst/>
+          </a:prstGeom>
+          <a:noFill/>
+          <a:ln w="12700">
+            <a:solidFill>
+              <a:prstClr val="black"/>
+            </a:solidFill>
+          </a:ln>
+        </p:spPr>
+        <p:txBody>
+          <a:bodyPr vert="horz" lIns="91440" tIns="45720" rIns="91440" bIns="45720" rtlCol="0" anchor="ctr"/>
+          <a:lstStyle/>
+          <a:p>
+            <a:endParaRPr lang="nl-NL"/>
+          </a:p>
+        </p:txBody>
+      </p:sp>
+      <p:sp>
+        <p:nvSpPr>
+          <p:cNvPr id="5" name="Tijdelijke aanduiding voor notities 4"/>
+          <p:cNvSpPr>
+            <a:spLocks noGrp="1"/>
+          </p:cNvSpPr>
+          <p:nvPr>
+            <p:ph type="body" sz="quarter" idx="3"/>
+          </p:nvPr>
+        </p:nvSpPr>
+        <p:spPr>
+          <a:xfrm>
+            <a:off x="685800" y="4400550"/>
+            <a:ext cx="5486400" cy="3600450"/>
+          </a:xfrm>
+          <a:prstGeom prst="rect">
+            <a:avLst/>
+          </a:prstGeom>
+        </p:spPr>
+        <p:txBody>
+          <a:bodyPr vert="horz" lIns="91440" tIns="45720" rIns="91440" bIns="45720" rtlCol="0"/>
+          <a:lstStyle/>
+          <a:p>
+            <a:pPr lvl="0"/>
+            <a:r>
+              <a:rPr lang="nl-NL"/>
+              <a:t>Klikken om de tekststijl van het model te bewerken</a:t>
+            </a:r>
+          </a:p>
+          <a:p>
+            <a:pPr lvl="1"/>
+            <a:r>
+              <a:rPr lang="nl-NL"/>
+              <a:t>Tweede niveau</a:t>
+            </a:r>
+          </a:p>
+          <a:p>
+            <a:pPr lvl="2"/>
+            <a:r>
+              <a:rPr lang="nl-NL"/>
+              <a:t>Derde niveau</a:t>
+            </a:r>
+          </a:p>
+          <a:p>
+            <a:pPr lvl="3"/>
+            <a:r>
+              <a:rPr lang="nl-NL"/>
+              <a:t>Vierde niveau</a:t>
+            </a:r>
+          </a:p>
+          <a:p>
+            <a:pPr lvl="4"/>
+            <a:r>
+              <a:rPr lang="nl-NL"/>
+              <a:t>Vijfde niveau</a:t>
+            </a:r>
+          </a:p>
+        </p:txBody>
+      </p:sp>
+      <p:sp>
+        <p:nvSpPr>
+          <p:cNvPr id="6" name="Tijdelijke aanduiding voor voettekst 5"/>
+          <p:cNvSpPr>
+            <a:spLocks noGrp="1"/>
+          </p:cNvSpPr>
+          <p:nvPr>
+            <p:ph type="ftr" sz="quarter" idx="4"/>
+          </p:nvPr>
+        </p:nvSpPr>
+        <p:spPr>
+          <a:xfrm>
+            <a:off x="0" y="8685213"/>
+            <a:ext cx="2971800" cy="458787"/>
+          </a:xfrm>
+          <a:prstGeom prst="rect">
+            <a:avLst/>
+          </a:prstGeom>
+        </p:spPr>
+        <p:txBody>
+          <a:bodyPr vert="horz" lIns="91440" tIns="45720" rIns="91440" bIns="45720" rtlCol="0" anchor="b"/>
+          <a:lstStyle>
+            <a:lvl1pPr algn="l">
+              <a:defRPr sz="1200"/>
+            </a:lvl1pPr>
+          </a:lstStyle>
+          <a:p>
+            <a:endParaRPr lang="nl-NL"/>
+          </a:p>
+        </p:txBody>
+      </p:sp>
+      <p:sp>
+        <p:nvSpPr>
+          <p:cNvPr id="7" name="Tijdelijke aanduiding voor dianummer 6"/>
+          <p:cNvSpPr>
+            <a:spLocks noGrp="1"/>
+          </p:cNvSpPr>
+          <p:nvPr>
+            <p:ph type="sldNum" sz="quarter" idx="5"/>
+          </p:nvPr>
+        </p:nvSpPr>
+        <p:spPr>
+          <a:xfrm>
+            <a:off x="3884613" y="8685213"/>
+            <a:ext cx="2971800" cy="458787"/>
+          </a:xfrm>
+          <a:prstGeom prst="rect">
+            <a:avLst/>
+          </a:prstGeom>
+        </p:spPr>
+        <p:txBody>
+          <a:bodyPr vert="horz" lIns="91440" tIns="45720" rIns="91440" bIns="45720" rtlCol="0" anchor="b"/>
+          <a:lstStyle>
+            <a:lvl1pPr algn="r">
+              <a:defRPr sz="1200"/>
+            </a:lvl1pPr>
+          </a:lstStyle>
+          <a:p>
+            <a:fld id="{F7A42540-8F4F-4CB2-89CD-F1FD895030C6}" type="slidenum">
+              <a:rPr lang="nl-NL" smtClean="0"/>
+              <a:t>‹nr.›</a:t>
+            </a:fld>
+            <a:endParaRPr lang="nl-NL"/>
+          </a:p>
+        </p:txBody>
+      </p:sp>
+    </p:spTree>
+    <p:extLst>
+      <p:ext uri="{BB962C8B-B14F-4D97-AF65-F5344CB8AC3E}">
+        <p14:creationId xmlns:p14="http://schemas.microsoft.com/office/powerpoint/2010/main" val="3524574338"/>
+      </p:ext>
+    </p:extLst>
+  </p:cSld>
+  <p:clrMap bg1="lt1" tx1="dk1" bg2="lt2" tx2="dk2" accent1="accent1" accent2="accent2" accent3="accent3" accent4="accent4" accent5="accent5" accent6="accent6" hlink="hlink" folHlink="folHlink"/>
+  <p:notesStyle>
+    <a:lvl1pPr marL="0" algn="l" defTabSz="914400" rtl="0" eaLnBrk="1" latinLnBrk="0" hangingPunct="1">
+      <a:defRPr sz="1200" kern="1200">
+        <a:solidFill>
+          <a:schemeClr val="tx1"/>
+        </a:solidFill>
+        <a:latin typeface="+mn-lt"/>
+        <a:ea typeface="+mn-ea"/>
+        <a:cs typeface="+mn-cs"/>
+      </a:defRPr>
+    </a:lvl1pPr>
+    <a:lvl2pPr marL="457200" algn="l" defTabSz="914400" rtl="0" eaLnBrk="1" latinLnBrk="0" hangingPunct="1">
+      <a:defRPr sz="1200" kern="1200">
+        <a:solidFill>
+          <a:schemeClr val="tx1"/>
+        </a:solidFill>
+        <a:latin typeface="+mn-lt"/>
+        <a:ea typeface="+mn-ea"/>
+        <a:cs typeface="+mn-cs"/>
+      </a:defRPr>
+    </a:lvl2pPr>
+    <a:lvl3pPr marL="914400" algn="l" defTabSz="914400" rtl="0" eaLnBrk="1" latinLnBrk="0" hangingPunct="1">
+      <a:defRPr sz="1200" kern="1200">
+        <a:solidFill>
+          <a:schemeClr val="tx1"/>
+        </a:solidFill>
+        <a:latin typeface="+mn-lt"/>
+        <a:ea typeface="+mn-ea"/>
+        <a:cs typeface="+mn-cs"/>
+      </a:defRPr>
+    </a:lvl3pPr>
+    <a:lvl4pPr marL="1371600" algn="l" defTabSz="914400" rtl="0" eaLnBrk="1" latinLnBrk="0" hangingPunct="1">
+      <a:defRPr sz="1200" kern="1200">
+        <a:solidFill>
+          <a:schemeClr val="tx1"/>
+        </a:solidFill>
+        <a:latin typeface="+mn-lt"/>
+        <a:ea typeface="+mn-ea"/>
+        <a:cs typeface="+mn-cs"/>
+      </a:defRPr>
+    </a:lvl4pPr>
+    <a:lvl5pPr marL="1828800" algn="l" defTabSz="914400" rtl="0" eaLnBrk="1" latinLnBrk="0" hangingPunct="1">
+      <a:defRPr sz="1200" kern="1200">
+        <a:solidFill>
+          <a:schemeClr val="tx1"/>
+        </a:solidFill>
+        <a:latin typeface="+mn-lt"/>
+        <a:ea typeface="+mn-ea"/>
+        <a:cs typeface="+mn-cs"/>
+      </a:defRPr>
+    </a:lvl5pPr>
+    <a:lvl6pPr marL="2286000" algn="l" defTabSz="914400" rtl="0" eaLnBrk="1" latinLnBrk="0" hangingPunct="1">
+      <a:defRPr sz="1200" kern="1200">
+        <a:solidFill>
+          <a:schemeClr val="tx1"/>
+        </a:solidFill>
+        <a:latin typeface="+mn-lt"/>
+        <a:ea typeface="+mn-ea"/>
+        <a:cs typeface="+mn-cs"/>
+      </a:defRPr>
+    </a:lvl6pPr>
+    <a:lvl7pPr marL="2743200" algn="l" defTabSz="914400" rtl="0" eaLnBrk="1" latinLnBrk="0" hangingPunct="1">
+      <a:defRPr sz="1200" kern="1200">
+        <a:solidFill>
+          <a:schemeClr val="tx1"/>
+        </a:solidFill>
+        <a:latin typeface="+mn-lt"/>
+        <a:ea typeface="+mn-ea"/>
+        <a:cs typeface="+mn-cs"/>
+      </a:defRPr>
+    </a:lvl7pPr>
+    <a:lvl8pPr marL="3200400" algn="l" defTabSz="914400" rtl="0" eaLnBrk="1" latinLnBrk="0" hangingPunct="1">
+      <a:defRPr sz="1200" kern="1200">
+        <a:solidFill>
+          <a:schemeClr val="tx1"/>
+        </a:solidFill>
+        <a:latin typeface="+mn-lt"/>
+        <a:ea typeface="+mn-ea"/>
+        <a:cs typeface="+mn-cs"/>
+      </a:defRPr>
+    </a:lvl8pPr>
+    <a:lvl9pPr marL="3657600" algn="l" defTabSz="914400" rtl="0" eaLnBrk="1" latinLnBrk="0" hangingPunct="1">
+      <a:defRPr sz="1200" kern="1200">
+        <a:solidFill>
+          <a:schemeClr val="tx1"/>
+        </a:solidFill>
+        <a:latin typeface="+mn-lt"/>
+        <a:ea typeface="+mn-ea"/>
+        <a:cs typeface="+mn-cs"/>
+      </a:defRPr>
+    </a:lvl9pPr>
+  </p:notesStyle>
+</p:notesMaster>
+</file>
+
+<file path=ppt/notesSlides/notesSlide1.xml><?xml version="1.0" encoding="utf-8"?>
+<p:notes xmlns:a="http://schemas.openxmlformats.org/drawingml/2006/main" xmlns:r="http://schemas.openxmlformats.org/officeDocument/2006/relationships" xmlns:p="http://schemas.openxmlformats.org/presentationml/2006/main">
+  <p:cSld>
+    <p:spTree>
+      <p:nvGrpSpPr>
+        <p:cNvPr id="1" name=""/>
+        <p:cNvGrpSpPr/>
+        <p:nvPr/>
+      </p:nvGrpSpPr>
+      <p:grpSpPr>
+        <a:xfrm>
+          <a:off x="0" y="0"/>
+          <a:ext cx="0" cy="0"/>
+          <a:chOff x="0" y="0"/>
+          <a:chExt cx="0" cy="0"/>
+        </a:xfrm>
+      </p:grpSpPr>
+      <p:sp>
+        <p:nvSpPr>
+          <p:cNvPr id="2" name="Tijdelijke aanduiding voor dia-afbeelding 1"/>
+          <p:cNvSpPr>
+            <a:spLocks noGrp="1" noRot="1" noChangeAspect="1"/>
+          </p:cNvSpPr>
+          <p:nvPr>
+            <p:ph type="sldImg"/>
+          </p:nvPr>
+        </p:nvSpPr>
+        <p:spPr/>
+      </p:sp>
+      <p:sp>
+        <p:nvSpPr>
+          <p:cNvPr id="3" name="Tijdelijke aanduiding voor notities 2"/>
+          <p:cNvSpPr>
+            <a:spLocks noGrp="1"/>
+          </p:cNvSpPr>
+          <p:nvPr>
+            <p:ph type="body" idx="1"/>
+          </p:nvPr>
+        </p:nvSpPr>
+        <p:spPr/>
+        <p:txBody>
+          <a:bodyPr/>
+          <a:lstStyle/>
+          <a:p>
+            <a:pPr marL="0" marR="0" lvl="0" indent="0" algn="l" defTabSz="914400" rtl="0" eaLnBrk="1" fontAlgn="auto" latinLnBrk="0" hangingPunct="1">
+              <a:lnSpc>
+                <a:spcPct val="100000"/>
+              </a:lnSpc>
+              <a:spcBef>
+                <a:spcPts val="0"/>
+              </a:spcBef>
+              <a:spcAft>
+                <a:spcPts val="0"/>
+              </a:spcAft>
+              <a:buClrTx/>
+              <a:buSzTx/>
+              <a:buFontTx/>
+              <a:buNone/>
+              <a:tabLst/>
+              <a:defRPr/>
+            </a:pPr>
+            <a:r>
+              <a:rPr lang="en-US" sz="1200" kern="1200" dirty="0">
+                <a:solidFill>
+                  <a:schemeClr val="tx1"/>
+                </a:solidFill>
+                <a:effectLst/>
+                <a:latin typeface="+mn-lt"/>
+                <a:ea typeface="+mn-ea"/>
+                <a:cs typeface="+mn-cs"/>
+              </a:rPr>
+              <a:t>Hi everyone. Thank you so much for taking time out of your busy schedule and choosing this session out of all the available session going on during this Pass community Summit. Many thanks to Redgate for getting this event going again.</a:t>
+            </a:r>
+            <a:endParaRPr lang="nl-NL" sz="1200" kern="1200" dirty="0">
+              <a:solidFill>
+                <a:schemeClr val="tx1"/>
+              </a:solidFill>
+              <a:effectLst/>
+              <a:latin typeface="+mn-lt"/>
+              <a:ea typeface="+mn-ea"/>
+              <a:cs typeface="+mn-cs"/>
+            </a:endParaRPr>
+          </a:p>
+          <a:p>
+            <a:endParaRPr lang="nl-NL" dirty="0"/>
+          </a:p>
+        </p:txBody>
+      </p:sp>
+      <p:sp>
+        <p:nvSpPr>
+          <p:cNvPr id="4" name="Tijdelijke aanduiding voor dianummer 3"/>
+          <p:cNvSpPr>
+            <a:spLocks noGrp="1"/>
+          </p:cNvSpPr>
+          <p:nvPr>
+            <p:ph type="sldNum" sz="quarter" idx="5"/>
+          </p:nvPr>
+        </p:nvSpPr>
+        <p:spPr/>
+        <p:txBody>
+          <a:bodyPr/>
+          <a:lstStyle/>
+          <a:p>
+            <a:fld id="{F7A42540-8F4F-4CB2-89CD-F1FD895030C6}" type="slidenum">
+              <a:rPr lang="nl-NL" smtClean="0"/>
+              <a:t>1</a:t>
+            </a:fld>
+            <a:endParaRPr lang="nl-NL"/>
+          </a:p>
+        </p:txBody>
+      </p:sp>
+    </p:spTree>
+    <p:extLst>
+      <p:ext uri="{BB962C8B-B14F-4D97-AF65-F5344CB8AC3E}">
+        <p14:creationId xmlns:p14="http://schemas.microsoft.com/office/powerpoint/2010/main" val="2214344412"/>
+      </p:ext>
+    </p:extLst>
+  </p:cSld>
+  <p:clrMapOvr>
+    <a:masterClrMapping/>
+  </p:clrMapOvr>
+</p:notes>
+</file>
+
+<file path=ppt/notesSlides/notesSlide2.xml><?xml version="1.0" encoding="utf-8"?>
+<p:notes xmlns:a="http://schemas.openxmlformats.org/drawingml/2006/main" xmlns:r="http://schemas.openxmlformats.org/officeDocument/2006/relationships" xmlns:p="http://schemas.openxmlformats.org/presentationml/2006/main">
+  <p:cSld>
+    <p:spTree>
+      <p:nvGrpSpPr>
+        <p:cNvPr id="1" name=""/>
+        <p:cNvGrpSpPr/>
+        <p:nvPr/>
+      </p:nvGrpSpPr>
+      <p:grpSpPr>
+        <a:xfrm>
+          <a:off x="0" y="0"/>
+          <a:ext cx="0" cy="0"/>
+          <a:chOff x="0" y="0"/>
+          <a:chExt cx="0" cy="0"/>
+        </a:xfrm>
+      </p:grpSpPr>
+      <p:sp>
+        <p:nvSpPr>
+          <p:cNvPr id="2" name="Tijdelijke aanduiding voor dia-afbeelding 1"/>
+          <p:cNvSpPr>
+            <a:spLocks noGrp="1" noRot="1" noChangeAspect="1"/>
+          </p:cNvSpPr>
+          <p:nvPr>
+            <p:ph type="sldImg"/>
+          </p:nvPr>
+        </p:nvSpPr>
+        <p:spPr/>
+      </p:sp>
+      <p:sp>
+        <p:nvSpPr>
+          <p:cNvPr id="3" name="Tijdelijke aanduiding voor notities 2"/>
+          <p:cNvSpPr>
+            <a:spLocks noGrp="1"/>
+          </p:cNvSpPr>
+          <p:nvPr>
+            <p:ph type="body" idx="1"/>
+          </p:nvPr>
+        </p:nvSpPr>
+        <p:spPr/>
+        <p:txBody>
+          <a:bodyPr/>
+          <a:lstStyle/>
+          <a:p>
+            <a:pPr marL="0" marR="0" lvl="0" indent="0" algn="l" defTabSz="914400" rtl="0" eaLnBrk="1" fontAlgn="auto" latinLnBrk="0" hangingPunct="1">
+              <a:lnSpc>
+                <a:spcPct val="100000"/>
+              </a:lnSpc>
+              <a:spcBef>
+                <a:spcPts val="0"/>
+              </a:spcBef>
+              <a:spcAft>
+                <a:spcPts val="0"/>
+              </a:spcAft>
+              <a:buClrTx/>
+              <a:buSzTx/>
+              <a:buFontTx/>
+              <a:buNone/>
+              <a:tabLst/>
+              <a:defRPr/>
+            </a:pPr>
+            <a:r>
+              <a:rPr lang="en-US" sz="1200" kern="1200" dirty="0">
+                <a:solidFill>
+                  <a:schemeClr val="tx1"/>
+                </a:solidFill>
+                <a:effectLst/>
+                <a:latin typeface="+mn-lt"/>
+                <a:ea typeface="+mn-ea"/>
+                <a:cs typeface="+mn-cs"/>
+              </a:rPr>
+              <a:t>In this session I’m taking you on a fast trip with Hyperscale. I’ll quickly touch the design, a number of pros and cons we ran into when using this database tier and a bug we ran into. </a:t>
+            </a:r>
+            <a:endParaRPr lang="nl-NL" sz="1200" kern="1200" dirty="0">
+              <a:solidFill>
+                <a:schemeClr val="tx1"/>
+              </a:solidFill>
+              <a:effectLst/>
+              <a:latin typeface="+mn-lt"/>
+              <a:ea typeface="+mn-ea"/>
+              <a:cs typeface="+mn-cs"/>
+            </a:endParaRPr>
+          </a:p>
+          <a:p>
+            <a:endParaRPr lang="nl-NL" dirty="0"/>
+          </a:p>
+        </p:txBody>
+      </p:sp>
+      <p:sp>
+        <p:nvSpPr>
+          <p:cNvPr id="4" name="Tijdelijke aanduiding voor dianummer 3"/>
+          <p:cNvSpPr>
+            <a:spLocks noGrp="1"/>
+          </p:cNvSpPr>
+          <p:nvPr>
+            <p:ph type="sldNum" sz="quarter" idx="5"/>
+          </p:nvPr>
+        </p:nvSpPr>
+        <p:spPr/>
+        <p:txBody>
+          <a:bodyPr/>
+          <a:lstStyle/>
+          <a:p>
+            <a:fld id="{F7A42540-8F4F-4CB2-89CD-F1FD895030C6}" type="slidenum">
+              <a:rPr lang="nl-NL" smtClean="0"/>
+              <a:t>2</a:t>
+            </a:fld>
+            <a:endParaRPr lang="nl-NL"/>
+          </a:p>
+        </p:txBody>
+      </p:sp>
+    </p:spTree>
+    <p:extLst>
+      <p:ext uri="{BB962C8B-B14F-4D97-AF65-F5344CB8AC3E}">
+        <p14:creationId xmlns:p14="http://schemas.microsoft.com/office/powerpoint/2010/main" val="133850385"/>
+      </p:ext>
+    </p:extLst>
+  </p:cSld>
+  <p:clrMapOvr>
+    <a:masterClrMapping/>
+  </p:clrMapOvr>
+</p:notes>
+</file>
+
+<file path=ppt/notesSlides/notesSlide3.xml><?xml version="1.0" encoding="utf-8"?>
+<p:notes xmlns:a="http://schemas.openxmlformats.org/drawingml/2006/main" xmlns:r="http://schemas.openxmlformats.org/officeDocument/2006/relationships" xmlns:p="http://schemas.openxmlformats.org/presentationml/2006/main">
+  <p:cSld>
+    <p:spTree>
+      <p:nvGrpSpPr>
+        <p:cNvPr id="1" name=""/>
+        <p:cNvGrpSpPr/>
+        <p:nvPr/>
+      </p:nvGrpSpPr>
+      <p:grpSpPr>
+        <a:xfrm>
+          <a:off x="0" y="0"/>
+          <a:ext cx="0" cy="0"/>
+          <a:chOff x="0" y="0"/>
+          <a:chExt cx="0" cy="0"/>
+        </a:xfrm>
+      </p:grpSpPr>
+      <p:sp>
+        <p:nvSpPr>
+          <p:cNvPr id="2" name="Tijdelijke aanduiding voor dia-afbeelding 1"/>
+          <p:cNvSpPr>
+            <a:spLocks noGrp="1" noRot="1" noChangeAspect="1"/>
+          </p:cNvSpPr>
+          <p:nvPr>
+            <p:ph type="sldImg"/>
+          </p:nvPr>
+        </p:nvSpPr>
+        <p:spPr/>
+      </p:sp>
+      <p:sp>
+        <p:nvSpPr>
+          <p:cNvPr id="3" name="Tijdelijke aanduiding voor notities 2"/>
+          <p:cNvSpPr>
+            <a:spLocks noGrp="1"/>
+          </p:cNvSpPr>
+          <p:nvPr>
+            <p:ph type="body" idx="1"/>
+          </p:nvPr>
+        </p:nvSpPr>
+        <p:spPr/>
+        <p:txBody>
+          <a:bodyPr/>
+          <a:lstStyle/>
+          <a:p>
+            <a:pPr marL="0" marR="0" lvl="0" indent="0" algn="l" defTabSz="914400" rtl="0" eaLnBrk="1" fontAlgn="auto" latinLnBrk="0" hangingPunct="1">
+              <a:lnSpc>
+                <a:spcPct val="100000"/>
+              </a:lnSpc>
+              <a:spcBef>
+                <a:spcPts val="0"/>
+              </a:spcBef>
+              <a:spcAft>
+                <a:spcPts val="0"/>
+              </a:spcAft>
+              <a:buClrTx/>
+              <a:buSzTx/>
+              <a:buFontTx/>
+              <a:buNone/>
+              <a:tabLst/>
+              <a:defRPr/>
+            </a:pPr>
+            <a:r>
+              <a:rPr lang="en-US" sz="1200" kern="1200" dirty="0">
+                <a:solidFill>
+                  <a:schemeClr val="tx1"/>
+                </a:solidFill>
+                <a:effectLst/>
+                <a:latin typeface="+mn-lt"/>
+                <a:ea typeface="+mn-ea"/>
+                <a:cs typeface="+mn-cs"/>
+              </a:rPr>
+              <a:t>My name is Reitse Eskens and I’m a </a:t>
+            </a:r>
+            <a:r>
+              <a:rPr lang="en-US" sz="1200" kern="1200" dirty="0" err="1">
+                <a:solidFill>
+                  <a:schemeClr val="tx1"/>
+                </a:solidFill>
+                <a:effectLst/>
+                <a:latin typeface="+mn-lt"/>
+                <a:ea typeface="+mn-ea"/>
+                <a:cs typeface="+mn-cs"/>
+              </a:rPr>
+              <a:t>dataplatform</a:t>
+            </a:r>
+            <a:r>
+              <a:rPr lang="en-US" sz="1200" kern="1200" dirty="0">
+                <a:solidFill>
+                  <a:schemeClr val="tx1"/>
+                </a:solidFill>
+                <a:effectLst/>
+                <a:latin typeface="+mn-lt"/>
+                <a:ea typeface="+mn-ea"/>
+                <a:cs typeface="+mn-cs"/>
+              </a:rPr>
+              <a:t> consultant with Axians in The Netherlands. Yes, I’m certified in both Azure and on-premises SQL server and do stuff when I’m not staring at a screen.  Though not as much as I’d like to. You can follow me on twitter and </a:t>
+            </a:r>
+            <a:r>
+              <a:rPr lang="en-US" sz="1200" kern="1200" dirty="0" err="1">
+                <a:solidFill>
+                  <a:schemeClr val="tx1"/>
+                </a:solidFill>
+                <a:effectLst/>
+                <a:latin typeface="+mn-lt"/>
+                <a:ea typeface="+mn-ea"/>
+                <a:cs typeface="+mn-cs"/>
+              </a:rPr>
+              <a:t>linkedin</a:t>
+            </a:r>
+            <a:r>
+              <a:rPr lang="en-US" sz="1200" kern="1200" dirty="0">
+                <a:solidFill>
+                  <a:schemeClr val="tx1"/>
+                </a:solidFill>
+                <a:effectLst/>
+                <a:latin typeface="+mn-lt"/>
+                <a:ea typeface="+mn-ea"/>
+                <a:cs typeface="+mn-cs"/>
+              </a:rPr>
+              <a:t> if you want to.</a:t>
+            </a:r>
+            <a:endParaRPr lang="nl-NL" sz="1200" kern="1200" dirty="0">
+              <a:solidFill>
+                <a:schemeClr val="tx1"/>
+              </a:solidFill>
+              <a:effectLst/>
+              <a:latin typeface="+mn-lt"/>
+              <a:ea typeface="+mn-ea"/>
+              <a:cs typeface="+mn-cs"/>
+            </a:endParaRPr>
+          </a:p>
+          <a:p>
+            <a:endParaRPr lang="nl-NL" dirty="0"/>
+          </a:p>
+        </p:txBody>
+      </p:sp>
+      <p:sp>
+        <p:nvSpPr>
+          <p:cNvPr id="4" name="Tijdelijke aanduiding voor dianummer 3"/>
+          <p:cNvSpPr>
+            <a:spLocks noGrp="1"/>
+          </p:cNvSpPr>
+          <p:nvPr>
+            <p:ph type="sldNum" sz="quarter" idx="5"/>
+          </p:nvPr>
+        </p:nvSpPr>
+        <p:spPr/>
+        <p:txBody>
+          <a:bodyPr/>
+          <a:lstStyle/>
+          <a:p>
+            <a:fld id="{F7A42540-8F4F-4CB2-89CD-F1FD895030C6}" type="slidenum">
+              <a:rPr lang="nl-NL" smtClean="0"/>
+              <a:t>3</a:t>
+            </a:fld>
+            <a:endParaRPr lang="nl-NL"/>
+          </a:p>
+        </p:txBody>
+      </p:sp>
+    </p:spTree>
+    <p:extLst>
+      <p:ext uri="{BB962C8B-B14F-4D97-AF65-F5344CB8AC3E}">
+        <p14:creationId xmlns:p14="http://schemas.microsoft.com/office/powerpoint/2010/main" val="62062766"/>
+      </p:ext>
+    </p:extLst>
+  </p:cSld>
+  <p:clrMapOvr>
+    <a:masterClrMapping/>
+  </p:clrMapOvr>
+</p:notes>
+</file>
+
+<file path=ppt/notesSlides/notesSlide4.xml><?xml version="1.0" encoding="utf-8"?>
+<p:notes xmlns:a="http://schemas.openxmlformats.org/drawingml/2006/main" xmlns:r="http://schemas.openxmlformats.org/officeDocument/2006/relationships" xmlns:p="http://schemas.openxmlformats.org/presentationml/2006/main">
+  <p:cSld>
+    <p:spTree>
+      <p:nvGrpSpPr>
+        <p:cNvPr id="1" name=""/>
+        <p:cNvGrpSpPr/>
+        <p:nvPr/>
+      </p:nvGrpSpPr>
+      <p:grpSpPr>
+        <a:xfrm>
+          <a:off x="0" y="0"/>
+          <a:ext cx="0" cy="0"/>
+          <a:chOff x="0" y="0"/>
+          <a:chExt cx="0" cy="0"/>
+        </a:xfrm>
+      </p:grpSpPr>
+      <p:sp>
+        <p:nvSpPr>
+          <p:cNvPr id="2" name="Tijdelijke aanduiding voor dia-afbeelding 1"/>
+          <p:cNvSpPr>
+            <a:spLocks noGrp="1" noRot="1" noChangeAspect="1"/>
+          </p:cNvSpPr>
+          <p:nvPr>
+            <p:ph type="sldImg"/>
+          </p:nvPr>
+        </p:nvSpPr>
+        <p:spPr/>
+      </p:sp>
+      <p:sp>
+        <p:nvSpPr>
+          <p:cNvPr id="3" name="Tijdelijke aanduiding voor notities 2"/>
+          <p:cNvSpPr>
+            <a:spLocks noGrp="1"/>
+          </p:cNvSpPr>
+          <p:nvPr>
+            <p:ph type="body" idx="1"/>
+          </p:nvPr>
+        </p:nvSpPr>
+        <p:spPr/>
+        <p:txBody>
+          <a:bodyPr/>
+          <a:lstStyle/>
+          <a:p>
+            <a:r>
+              <a:rPr lang="en-US" sz="1200" kern="1200" dirty="0">
+                <a:solidFill>
+                  <a:schemeClr val="tx1"/>
+                </a:solidFill>
+                <a:effectLst/>
+                <a:latin typeface="+mn-lt"/>
+                <a:ea typeface="+mn-ea"/>
+                <a:cs typeface="+mn-cs"/>
+              </a:rPr>
+              <a:t>Now, first up the general design of Hyperscale. When you look at the general, provisioned and serverless databases on Azure, there are some similarities between those databases in choosing CPU cores and with more cores comes more memory and higher log write limits. With that I mean that you’ll get more IO on your log files and as ALL AZURE DATABASES are in full recovery model, the log file gets hit, hard. And a lot. Because you know that every transaction gets logged. The upside is that you can do a restore of your database on almost every point in time you can imagine. We’ve tried it out and it works like a charm. </a:t>
+            </a:r>
+            <a:endParaRPr lang="nl-NL" sz="1200" kern="1200" dirty="0">
+              <a:solidFill>
+                <a:schemeClr val="tx1"/>
+              </a:solidFill>
+              <a:effectLst/>
+              <a:latin typeface="+mn-lt"/>
+              <a:ea typeface="+mn-ea"/>
+              <a:cs typeface="+mn-cs"/>
+            </a:endParaRPr>
+          </a:p>
+          <a:p>
+            <a:r>
+              <a:rPr lang="en-US" sz="1200" kern="1200" dirty="0">
+                <a:solidFill>
+                  <a:schemeClr val="tx1"/>
+                </a:solidFill>
+                <a:effectLst/>
+                <a:latin typeface="+mn-lt"/>
+                <a:ea typeface="+mn-ea"/>
+                <a:cs typeface="+mn-cs"/>
+              </a:rPr>
+              <a:t>The Hyperscale databases are designed differently, where there’s a separate log service that removes that huge bottleneck. Secondly, I haven’t been able to find memory restrictions. They should be there, but both documentation and testing didn’t really reveal much, other than the server I was running on seemed to have about 450 GB of memory. How much of that was mine, no idea. Resource semaphore waits on our queries (we’re running ETL processes in the night and reports by day) were uncommon. This is an indication that there’s plenty of memory available. The rest of the design with a number of servers is different compared to the other database options as well, but the documentation is available for your own deep dive.</a:t>
+            </a:r>
+            <a:endParaRPr lang="nl-NL" sz="1200" kern="1200" dirty="0">
+              <a:solidFill>
+                <a:schemeClr val="tx1"/>
+              </a:solidFill>
+              <a:effectLst/>
+              <a:latin typeface="+mn-lt"/>
+              <a:ea typeface="+mn-ea"/>
+              <a:cs typeface="+mn-cs"/>
+            </a:endParaRPr>
+          </a:p>
+          <a:p>
+            <a:endParaRPr lang="nl-NL" dirty="0"/>
+          </a:p>
+        </p:txBody>
+      </p:sp>
+      <p:sp>
+        <p:nvSpPr>
+          <p:cNvPr id="4" name="Tijdelijke aanduiding voor dianummer 3"/>
+          <p:cNvSpPr>
+            <a:spLocks noGrp="1"/>
+          </p:cNvSpPr>
+          <p:nvPr>
+            <p:ph type="sldNum" sz="quarter" idx="5"/>
+          </p:nvPr>
+        </p:nvSpPr>
+        <p:spPr/>
+        <p:txBody>
+          <a:bodyPr/>
+          <a:lstStyle/>
+          <a:p>
+            <a:fld id="{F7A42540-8F4F-4CB2-89CD-F1FD895030C6}" type="slidenum">
+              <a:rPr lang="nl-NL" smtClean="0"/>
+              <a:t>4</a:t>
+            </a:fld>
+            <a:endParaRPr lang="nl-NL"/>
+          </a:p>
+        </p:txBody>
+      </p:sp>
+    </p:spTree>
+    <p:extLst>
+      <p:ext uri="{BB962C8B-B14F-4D97-AF65-F5344CB8AC3E}">
+        <p14:creationId xmlns:p14="http://schemas.microsoft.com/office/powerpoint/2010/main" val="4002572559"/>
+      </p:ext>
+    </p:extLst>
+  </p:cSld>
+  <p:clrMapOvr>
+    <a:masterClrMapping/>
+  </p:clrMapOvr>
+</p:notes>
+</file>
+
+<file path=ppt/notesSlides/notesSlide5.xml><?xml version="1.0" encoding="utf-8"?>
+<p:notes xmlns:a="http://schemas.openxmlformats.org/drawingml/2006/main" xmlns:r="http://schemas.openxmlformats.org/officeDocument/2006/relationships" xmlns:p="http://schemas.openxmlformats.org/presentationml/2006/main">
+  <p:cSld>
+    <p:spTree>
+      <p:nvGrpSpPr>
+        <p:cNvPr id="1" name=""/>
+        <p:cNvGrpSpPr/>
+        <p:nvPr/>
+      </p:nvGrpSpPr>
+      <p:grpSpPr>
+        <a:xfrm>
+          <a:off x="0" y="0"/>
+          <a:ext cx="0" cy="0"/>
+          <a:chOff x="0" y="0"/>
+          <a:chExt cx="0" cy="0"/>
+        </a:xfrm>
+      </p:grpSpPr>
+      <p:sp>
+        <p:nvSpPr>
+          <p:cNvPr id="2" name="Tijdelijke aanduiding voor dia-afbeelding 1"/>
+          <p:cNvSpPr>
+            <a:spLocks noGrp="1" noRot="1" noChangeAspect="1"/>
+          </p:cNvSpPr>
+          <p:nvPr>
+            <p:ph type="sldImg"/>
+          </p:nvPr>
+        </p:nvSpPr>
+        <p:spPr/>
+      </p:sp>
+      <p:sp>
+        <p:nvSpPr>
+          <p:cNvPr id="3" name="Tijdelijke aanduiding voor notities 2"/>
+          <p:cNvSpPr>
+            <a:spLocks noGrp="1"/>
+          </p:cNvSpPr>
+          <p:nvPr>
+            <p:ph type="body" idx="1"/>
+          </p:nvPr>
+        </p:nvSpPr>
+        <p:spPr/>
+        <p:txBody>
+          <a:bodyPr/>
+          <a:lstStyle/>
+          <a:p>
+            <a:pPr marL="0" marR="0" lvl="0" indent="0" algn="l" defTabSz="914400" rtl="0" eaLnBrk="1" fontAlgn="auto" latinLnBrk="0" hangingPunct="1">
+              <a:lnSpc>
+                <a:spcPct val="100000"/>
+              </a:lnSpc>
+              <a:spcBef>
+                <a:spcPts val="0"/>
+              </a:spcBef>
+              <a:spcAft>
+                <a:spcPts val="0"/>
+              </a:spcAft>
+              <a:buClrTx/>
+              <a:buSzTx/>
+              <a:buFontTx/>
+              <a:buNone/>
+              <a:tabLst/>
+              <a:defRPr/>
+            </a:pPr>
+            <a:r>
+              <a:rPr lang="en-US" sz="1200" kern="1200" dirty="0">
+                <a:solidFill>
+                  <a:schemeClr val="tx1"/>
+                </a:solidFill>
+                <a:effectLst/>
+                <a:latin typeface="+mn-lt"/>
+                <a:ea typeface="+mn-ea"/>
+                <a:cs typeface="+mn-cs"/>
+              </a:rPr>
+              <a:t>When we were running our project and were scaling up from provisioned and even business critical to Hyperscale, we found that we lost all the log related waits. Cool, because those were killing our processes. We could scale by query. This meant that each part of the ETL could, in theory, scale up or down to get the best bang for the buck. When you scale, you pay for the cores you’re using. It’s not cheap to begin with, so when you know the load is low at certain periods, you can save money by scaling down to 2 cores.</a:t>
+            </a:r>
+            <a:endParaRPr lang="nl-NL" sz="1200" kern="1200" dirty="0">
+              <a:solidFill>
+                <a:schemeClr val="tx1"/>
+              </a:solidFill>
+              <a:effectLst/>
+              <a:latin typeface="+mn-lt"/>
+              <a:ea typeface="+mn-ea"/>
+              <a:cs typeface="+mn-cs"/>
+            </a:endParaRPr>
+          </a:p>
+          <a:p>
+            <a:endParaRPr lang="nl-NL" dirty="0"/>
+          </a:p>
+        </p:txBody>
+      </p:sp>
+      <p:sp>
+        <p:nvSpPr>
+          <p:cNvPr id="4" name="Tijdelijke aanduiding voor dianummer 3"/>
+          <p:cNvSpPr>
+            <a:spLocks noGrp="1"/>
+          </p:cNvSpPr>
+          <p:nvPr>
+            <p:ph type="sldNum" sz="quarter" idx="5"/>
+          </p:nvPr>
+        </p:nvSpPr>
+        <p:spPr/>
+        <p:txBody>
+          <a:bodyPr/>
+          <a:lstStyle/>
+          <a:p>
+            <a:fld id="{F7A42540-8F4F-4CB2-89CD-F1FD895030C6}" type="slidenum">
+              <a:rPr lang="nl-NL" smtClean="0"/>
+              <a:t>5</a:t>
+            </a:fld>
+            <a:endParaRPr lang="nl-NL"/>
+          </a:p>
+        </p:txBody>
+      </p:sp>
+    </p:spTree>
+    <p:extLst>
+      <p:ext uri="{BB962C8B-B14F-4D97-AF65-F5344CB8AC3E}">
+        <p14:creationId xmlns:p14="http://schemas.microsoft.com/office/powerpoint/2010/main" val="2671408140"/>
+      </p:ext>
+    </p:extLst>
+  </p:cSld>
+  <p:clrMapOvr>
+    <a:masterClrMapping/>
+  </p:clrMapOvr>
+</p:notes>
+</file>
+
+<file path=ppt/notesSlides/notesSlide6.xml><?xml version="1.0" encoding="utf-8"?>
+<p:notes xmlns:a="http://schemas.openxmlformats.org/drawingml/2006/main" xmlns:r="http://schemas.openxmlformats.org/officeDocument/2006/relationships" xmlns:p="http://schemas.openxmlformats.org/presentationml/2006/main">
+  <p:cSld>
+    <p:spTree>
+      <p:nvGrpSpPr>
+        <p:cNvPr id="1" name=""/>
+        <p:cNvGrpSpPr/>
+        <p:nvPr/>
+      </p:nvGrpSpPr>
+      <p:grpSpPr>
+        <a:xfrm>
+          <a:off x="0" y="0"/>
+          <a:ext cx="0" cy="0"/>
+          <a:chOff x="0" y="0"/>
+          <a:chExt cx="0" cy="0"/>
+        </a:xfrm>
+      </p:grpSpPr>
+      <p:sp>
+        <p:nvSpPr>
+          <p:cNvPr id="2" name="Tijdelijke aanduiding voor dia-afbeelding 1"/>
+          <p:cNvSpPr>
+            <a:spLocks noGrp="1" noRot="1" noChangeAspect="1"/>
+          </p:cNvSpPr>
+          <p:nvPr>
+            <p:ph type="sldImg"/>
+          </p:nvPr>
+        </p:nvSpPr>
+        <p:spPr/>
+      </p:sp>
+      <p:sp>
+        <p:nvSpPr>
+          <p:cNvPr id="3" name="Tijdelijke aanduiding voor notities 2"/>
+          <p:cNvSpPr>
+            <a:spLocks noGrp="1"/>
+          </p:cNvSpPr>
+          <p:nvPr>
+            <p:ph type="body" idx="1"/>
+          </p:nvPr>
+        </p:nvSpPr>
+        <p:spPr/>
+        <p:txBody>
+          <a:bodyPr/>
+          <a:lstStyle/>
+          <a:p>
+            <a:r>
+              <a:rPr lang="en-US" sz="1200" kern="1200" dirty="0">
+                <a:solidFill>
+                  <a:schemeClr val="tx1"/>
+                </a:solidFill>
+                <a:effectLst/>
+                <a:latin typeface="+mn-lt"/>
+                <a:ea typeface="+mn-ea"/>
+                <a:cs typeface="+mn-cs"/>
+              </a:rPr>
+              <a:t>But, when you start scaling, what you’re effectively doing is starting up a new instance in the background. When that instance is available, you’re failing over to that instance. But, failing over means a short break in the connection, right? Right. So your application needs some logic to handle that. A simple wait or pause suffices but you need to have that in place to prevent your ETL from breaking. With a failover, some DMV’s lose their contents. Index usage stats were one we had issues with because I had no way of telling if indexes were or weren’t used. I got many indexes that had only been updated (by the ETL process) but never read. When I knew I’d used them the day before. I’ve lost buffered plans as well. Luckily Query Store doesn’t suffer from these failovers. At least not that I could notice.</a:t>
+            </a:r>
+            <a:endParaRPr lang="nl-NL" sz="1200" kern="1200" dirty="0">
+              <a:solidFill>
+                <a:schemeClr val="tx1"/>
+              </a:solidFill>
+              <a:effectLst/>
+              <a:latin typeface="+mn-lt"/>
+              <a:ea typeface="+mn-ea"/>
+              <a:cs typeface="+mn-cs"/>
+            </a:endParaRPr>
+          </a:p>
+          <a:p>
+            <a:r>
+              <a:rPr lang="en-US" sz="1200" kern="1200" dirty="0">
+                <a:solidFill>
+                  <a:schemeClr val="tx1"/>
+                </a:solidFill>
+                <a:effectLst/>
+                <a:latin typeface="+mn-lt"/>
+                <a:ea typeface="+mn-ea"/>
+                <a:cs typeface="+mn-cs"/>
+              </a:rPr>
+              <a:t>You also need to remember to scale down when you’re going way up. Running a 48 core Hyperscale is bad news for your credit card.</a:t>
+            </a:r>
+            <a:endParaRPr lang="nl-NL" sz="1200" kern="1200" dirty="0">
+              <a:solidFill>
+                <a:schemeClr val="tx1"/>
+              </a:solidFill>
+              <a:effectLst/>
+              <a:latin typeface="+mn-lt"/>
+              <a:ea typeface="+mn-ea"/>
+              <a:cs typeface="+mn-cs"/>
+            </a:endParaRPr>
+          </a:p>
+          <a:p>
+            <a:endParaRPr lang="nl-NL" dirty="0"/>
+          </a:p>
+        </p:txBody>
+      </p:sp>
+      <p:sp>
+        <p:nvSpPr>
+          <p:cNvPr id="4" name="Tijdelijke aanduiding voor dianummer 3"/>
+          <p:cNvSpPr>
+            <a:spLocks noGrp="1"/>
+          </p:cNvSpPr>
+          <p:nvPr>
+            <p:ph type="sldNum" sz="quarter" idx="5"/>
+          </p:nvPr>
+        </p:nvSpPr>
+        <p:spPr/>
+        <p:txBody>
+          <a:bodyPr/>
+          <a:lstStyle/>
+          <a:p>
+            <a:fld id="{F7A42540-8F4F-4CB2-89CD-F1FD895030C6}" type="slidenum">
+              <a:rPr lang="nl-NL" smtClean="0"/>
+              <a:t>6</a:t>
+            </a:fld>
+            <a:endParaRPr lang="nl-NL"/>
+          </a:p>
+        </p:txBody>
+      </p:sp>
+    </p:spTree>
+    <p:extLst>
+      <p:ext uri="{BB962C8B-B14F-4D97-AF65-F5344CB8AC3E}">
+        <p14:creationId xmlns:p14="http://schemas.microsoft.com/office/powerpoint/2010/main" val="1470732450"/>
+      </p:ext>
+    </p:extLst>
+  </p:cSld>
+  <p:clrMapOvr>
+    <a:masterClrMapping/>
+  </p:clrMapOvr>
+</p:notes>
+</file>
+
+<file path=ppt/notesSlides/notesSlide7.xml><?xml version="1.0" encoding="utf-8"?>
+<p:notes xmlns:a="http://schemas.openxmlformats.org/drawingml/2006/main" xmlns:r="http://schemas.openxmlformats.org/officeDocument/2006/relationships" xmlns:p="http://schemas.openxmlformats.org/presentationml/2006/main">
+  <p:cSld>
+    <p:spTree>
+      <p:nvGrpSpPr>
+        <p:cNvPr id="1" name=""/>
+        <p:cNvGrpSpPr/>
+        <p:nvPr/>
+      </p:nvGrpSpPr>
+      <p:grpSpPr>
+        <a:xfrm>
+          <a:off x="0" y="0"/>
+          <a:ext cx="0" cy="0"/>
+          <a:chOff x="0" y="0"/>
+          <a:chExt cx="0" cy="0"/>
+        </a:xfrm>
+      </p:grpSpPr>
+      <p:sp>
+        <p:nvSpPr>
+          <p:cNvPr id="2" name="Tijdelijke aanduiding voor dia-afbeelding 1"/>
+          <p:cNvSpPr>
+            <a:spLocks noGrp="1" noRot="1" noChangeAspect="1"/>
+          </p:cNvSpPr>
+          <p:nvPr>
+            <p:ph type="sldImg"/>
+          </p:nvPr>
+        </p:nvSpPr>
+        <p:spPr/>
+      </p:sp>
+      <p:sp>
+        <p:nvSpPr>
+          <p:cNvPr id="3" name="Tijdelijke aanduiding voor notities 2"/>
+          <p:cNvSpPr>
+            <a:spLocks noGrp="1"/>
+          </p:cNvSpPr>
+          <p:nvPr>
+            <p:ph type="body" idx="1"/>
+          </p:nvPr>
+        </p:nvSpPr>
+        <p:spPr/>
+        <p:txBody>
+          <a:bodyPr/>
+          <a:lstStyle/>
+          <a:p>
+            <a:r>
+              <a:rPr lang="en-US" sz="1200" kern="1200" dirty="0">
+                <a:solidFill>
+                  <a:schemeClr val="tx1"/>
+                </a:solidFill>
+                <a:effectLst/>
+                <a:latin typeface="+mn-lt"/>
+                <a:ea typeface="+mn-ea"/>
+                <a:cs typeface="+mn-cs"/>
+              </a:rPr>
+              <a:t>Now, I might have lured you in with a bug. There’s something nasty going on in the background. Hyperscale works with a sort of partition in the background, files have a certain sizing. When you upgrade a regular Azure database to Hyperscale, you don’t get a number of files, but just one file. This is a huge performance hit. When you suffer from this bug, you can detect it with this wait stat:</a:t>
+            </a:r>
+            <a:endParaRPr lang="nl-NL" sz="1200" kern="1200" dirty="0">
+              <a:solidFill>
+                <a:schemeClr val="tx1"/>
+              </a:solidFill>
+              <a:effectLst/>
+              <a:latin typeface="+mn-lt"/>
+              <a:ea typeface="+mn-ea"/>
+              <a:cs typeface="+mn-cs"/>
+            </a:endParaRPr>
+          </a:p>
+          <a:p>
+            <a:r>
+              <a:rPr lang="en-US" sz="1200" kern="1200" dirty="0">
+                <a:solidFill>
+                  <a:schemeClr val="tx1"/>
+                </a:solidFill>
+                <a:effectLst/>
+                <a:latin typeface="+mn-lt"/>
+                <a:ea typeface="+mn-ea"/>
+                <a:cs typeface="+mn-cs"/>
+              </a:rPr>
+              <a:t>When you start using hyperscale, start a database from scratch. Azure has promised to fix this bug this year. I don’t know if that has happened but you’re better off safe than sorry.</a:t>
+            </a:r>
+            <a:endParaRPr lang="nl-NL" sz="1200" kern="1200" dirty="0">
+              <a:solidFill>
+                <a:schemeClr val="tx1"/>
+              </a:solidFill>
+              <a:effectLst/>
+              <a:latin typeface="+mn-lt"/>
+              <a:ea typeface="+mn-ea"/>
+              <a:cs typeface="+mn-cs"/>
+            </a:endParaRPr>
+          </a:p>
+          <a:p>
+            <a:endParaRPr lang="nl-NL" dirty="0"/>
+          </a:p>
+        </p:txBody>
+      </p:sp>
+      <p:sp>
+        <p:nvSpPr>
+          <p:cNvPr id="4" name="Tijdelijke aanduiding voor dianummer 3"/>
+          <p:cNvSpPr>
+            <a:spLocks noGrp="1"/>
+          </p:cNvSpPr>
+          <p:nvPr>
+            <p:ph type="sldNum" sz="quarter" idx="5"/>
+          </p:nvPr>
+        </p:nvSpPr>
+        <p:spPr/>
+        <p:txBody>
+          <a:bodyPr/>
+          <a:lstStyle/>
+          <a:p>
+            <a:fld id="{F7A42540-8F4F-4CB2-89CD-F1FD895030C6}" type="slidenum">
+              <a:rPr lang="nl-NL" smtClean="0"/>
+              <a:t>8</a:t>
+            </a:fld>
+            <a:endParaRPr lang="nl-NL"/>
+          </a:p>
+        </p:txBody>
+      </p:sp>
+    </p:spTree>
+    <p:extLst>
+      <p:ext uri="{BB962C8B-B14F-4D97-AF65-F5344CB8AC3E}">
+        <p14:creationId xmlns:p14="http://schemas.microsoft.com/office/powerpoint/2010/main" val="3712371944"/>
+      </p:ext>
+    </p:extLst>
+  </p:cSld>
+  <p:clrMapOvr>
+    <a:masterClrMapping/>
+  </p:clrMapOvr>
+</p:notes>
 </file>
 
 <file path=ppt/slideLayouts/slideLayout1.xml><?xml version="1.0" encoding="utf-8"?>
@@ -3408,7 +7756,7 @@
           <a:p>
             <a:fld id="{DFE2382E-5E79-4871-997D-C1E8330DDE03}" type="datetimeFigureOut">
               <a:rPr lang="nl-NL" smtClean="0"/>
-              <a:t>30-9-2021</a:t>
+              <a:t>18-10-2021</a:t>
             </a:fld>
             <a:endParaRPr lang="nl-NL"/>
           </a:p>
@@ -8013,6 +12361,353 @@
 </p:sld>
 </file>
 
+<file path=ppt/slides/slide10.xml><?xml version="1.0" encoding="utf-8"?>
+<p:sld xmlns:a="http://schemas.openxmlformats.org/drawingml/2006/main" xmlns:r="http://schemas.openxmlformats.org/officeDocument/2006/relationships" xmlns:p="http://schemas.openxmlformats.org/presentationml/2006/main">
+  <p:cSld>
+    <p:spTree>
+      <p:nvGrpSpPr>
+        <p:cNvPr id="1" name=""/>
+        <p:cNvGrpSpPr/>
+        <p:nvPr/>
+      </p:nvGrpSpPr>
+      <p:grpSpPr>
+        <a:xfrm>
+          <a:off x="0" y="0"/>
+          <a:ext cx="0" cy="0"/>
+          <a:chOff x="0" y="0"/>
+          <a:chExt cx="0" cy="0"/>
+        </a:xfrm>
+      </p:grpSpPr>
+      <p:pic>
+        <p:nvPicPr>
+          <p:cNvPr id="2" name="Tijdelijke aanduiding voor inhoud 1">
+            <a:extLst>
+              <a:ext uri="{FF2B5EF4-FFF2-40B4-BE49-F238E27FC236}">
+                <a16:creationId xmlns:a16="http://schemas.microsoft.com/office/drawing/2014/main" id="{52E4F4CC-EFCB-47B0-9287-A31FED589F52}"/>
+              </a:ext>
+            </a:extLst>
+          </p:cNvPr>
+          <p:cNvPicPr>
+            <a:picLocks noGrp="1" noChangeAspect="1"/>
+          </p:cNvPicPr>
+          <p:nvPr>
+            <p:ph idx="1"/>
+          </p:nvPr>
+        </p:nvPicPr>
+        <p:blipFill>
+          <a:blip r:embed="rId2"/>
+          <a:stretch>
+            <a:fillRect/>
+          </a:stretch>
+        </p:blipFill>
+        <p:spPr>
+          <a:xfrm>
+            <a:off x="770828" y="1450624"/>
+            <a:ext cx="4899498" cy="2899703"/>
+          </a:xfrm>
+          <a:prstGeom prst="rect">
+            <a:avLst/>
+          </a:prstGeom>
+        </p:spPr>
+      </p:pic>
+      <p:sp>
+        <p:nvSpPr>
+          <p:cNvPr id="17" name="Title 2">
+            <a:extLst>
+              <a:ext uri="{FF2B5EF4-FFF2-40B4-BE49-F238E27FC236}">
+                <a16:creationId xmlns:a16="http://schemas.microsoft.com/office/drawing/2014/main" id="{61CDC0DB-C92D-49FC-81C5-F261C46F88E5}"/>
+              </a:ext>
+            </a:extLst>
+          </p:cNvPr>
+          <p:cNvSpPr>
+            <a:spLocks noGrp="1"/>
+          </p:cNvSpPr>
+          <p:nvPr>
+            <p:ph type="title"/>
+          </p:nvPr>
+        </p:nvSpPr>
+        <p:spPr>
+          <a:xfrm>
+            <a:off x="369047" y="492942"/>
+            <a:ext cx="9418359" cy="1325563"/>
+          </a:xfrm>
+        </p:spPr>
+        <p:txBody>
+          <a:bodyPr/>
+          <a:lstStyle/>
+          <a:p>
+            <a:r>
+              <a:rPr lang="en-US" dirty="0"/>
+              <a:t>Hyperscale bug</a:t>
+            </a:r>
+          </a:p>
+        </p:txBody>
+      </p:sp>
+      <p:pic>
+        <p:nvPicPr>
+          <p:cNvPr id="3" name="Afbeelding 2">
+            <a:extLst>
+              <a:ext uri="{FF2B5EF4-FFF2-40B4-BE49-F238E27FC236}">
+                <a16:creationId xmlns:a16="http://schemas.microsoft.com/office/drawing/2014/main" id="{63794B5E-8211-4BD2-B348-E302E38A2B5E}"/>
+              </a:ext>
+            </a:extLst>
+          </p:cNvPr>
+          <p:cNvPicPr>
+            <a:picLocks noChangeAspect="1"/>
+          </p:cNvPicPr>
+          <p:nvPr/>
+        </p:nvPicPr>
+        <p:blipFill>
+          <a:blip r:embed="rId3"/>
+          <a:stretch>
+            <a:fillRect/>
+          </a:stretch>
+        </p:blipFill>
+        <p:spPr>
+          <a:xfrm>
+            <a:off x="5861397" y="1450624"/>
+            <a:ext cx="5700522" cy="2982831"/>
+          </a:xfrm>
+          <a:prstGeom prst="rect">
+            <a:avLst/>
+          </a:prstGeom>
+        </p:spPr>
+      </p:pic>
+    </p:spTree>
+    <p:extLst>
+      <p:ext uri="{BB962C8B-B14F-4D97-AF65-F5344CB8AC3E}">
+        <p14:creationId xmlns:p14="http://schemas.microsoft.com/office/powerpoint/2010/main" val="2635512502"/>
+      </p:ext>
+    </p:extLst>
+  </p:cSld>
+  <p:clrMapOvr>
+    <a:masterClrMapping/>
+  </p:clrMapOvr>
+</p:sld>
+</file>
+
+<file path=ppt/slides/slide11.xml><?xml version="1.0" encoding="utf-8"?>
+<p:sld xmlns:a="http://schemas.openxmlformats.org/drawingml/2006/main" xmlns:r="http://schemas.openxmlformats.org/officeDocument/2006/relationships" xmlns:p="http://schemas.openxmlformats.org/presentationml/2006/main">
+  <p:cSld>
+    <p:spTree>
+      <p:nvGrpSpPr>
+        <p:cNvPr id="1" name=""/>
+        <p:cNvGrpSpPr/>
+        <p:nvPr/>
+      </p:nvGrpSpPr>
+      <p:grpSpPr>
+        <a:xfrm>
+          <a:off x="0" y="0"/>
+          <a:ext cx="0" cy="0"/>
+          <a:chOff x="0" y="0"/>
+          <a:chExt cx="0" cy="0"/>
+        </a:xfrm>
+      </p:grpSpPr>
+    </p:spTree>
+    <p:extLst>
+      <p:ext uri="{BB962C8B-B14F-4D97-AF65-F5344CB8AC3E}">
+        <p14:creationId xmlns:p14="http://schemas.microsoft.com/office/powerpoint/2010/main" val="458078039"/>
+      </p:ext>
+    </p:extLst>
+  </p:cSld>
+  <p:clrMapOvr>
+    <a:masterClrMapping/>
+  </p:clrMapOvr>
+</p:sld>
+</file>
+
+<file path=ppt/slides/slide12.xml><?xml version="1.0" encoding="utf-8"?>
+<p:sld xmlns:a="http://schemas.openxmlformats.org/drawingml/2006/main" xmlns:r="http://schemas.openxmlformats.org/officeDocument/2006/relationships" xmlns:p="http://schemas.openxmlformats.org/presentationml/2006/main">
+  <p:cSld>
+    <p:spTree>
+      <p:nvGrpSpPr>
+        <p:cNvPr id="1" name=""/>
+        <p:cNvGrpSpPr/>
+        <p:nvPr/>
+      </p:nvGrpSpPr>
+      <p:grpSpPr>
+        <a:xfrm>
+          <a:off x="0" y="0"/>
+          <a:ext cx="0" cy="0"/>
+          <a:chOff x="0" y="0"/>
+          <a:chExt cx="0" cy="0"/>
+        </a:xfrm>
+      </p:grpSpPr>
+      <p:sp>
+        <p:nvSpPr>
+          <p:cNvPr id="8" name="Title 1">
+            <a:extLst>
+              <a:ext uri="{FF2B5EF4-FFF2-40B4-BE49-F238E27FC236}">
+                <a16:creationId xmlns:a16="http://schemas.microsoft.com/office/drawing/2014/main" id="{CC5ED373-2804-48BB-89E7-39B52C5B3729}"/>
+              </a:ext>
+            </a:extLst>
+          </p:cNvPr>
+          <p:cNvSpPr>
+            <a:spLocks noGrp="1"/>
+          </p:cNvSpPr>
+          <p:nvPr>
+            <p:ph type="title"/>
+          </p:nvPr>
+        </p:nvSpPr>
+        <p:spPr>
+          <a:xfrm>
+            <a:off x="424542" y="1492289"/>
+            <a:ext cx="9383009" cy="1935532"/>
+          </a:xfrm>
+        </p:spPr>
+        <p:txBody>
+          <a:bodyPr/>
+          <a:lstStyle/>
+          <a:p>
+            <a:r>
+              <a:rPr lang="en-US" dirty="0"/>
+              <a:t>To Hyperscale or not to Hyperscale, that’s the question</a:t>
+            </a:r>
+          </a:p>
+        </p:txBody>
+      </p:sp>
+      <p:sp>
+        <p:nvSpPr>
+          <p:cNvPr id="10" name="Content Placeholder 2">
+            <a:extLst>
+              <a:ext uri="{FF2B5EF4-FFF2-40B4-BE49-F238E27FC236}">
+                <a16:creationId xmlns:a16="http://schemas.microsoft.com/office/drawing/2014/main" id="{54EFBC09-C63D-4ED1-A74C-971B2B9D231B}"/>
+              </a:ext>
+            </a:extLst>
+          </p:cNvPr>
+          <p:cNvSpPr>
+            <a:spLocks noGrp="1"/>
+          </p:cNvSpPr>
+          <p:nvPr>
+            <p:ph idx="11"/>
+          </p:nvPr>
+        </p:nvSpPr>
+        <p:spPr>
+          <a:xfrm>
+            <a:off x="424542" y="4141591"/>
+            <a:ext cx="6116493" cy="553208"/>
+          </a:xfrm>
+        </p:spPr>
+        <p:txBody>
+          <a:bodyPr/>
+          <a:lstStyle/>
+          <a:p>
+            <a:r>
+              <a:rPr lang="en-US" dirty="0"/>
+              <a:t>Reitse Eskens</a:t>
+            </a:r>
+          </a:p>
+        </p:txBody>
+      </p:sp>
+      <p:sp>
+        <p:nvSpPr>
+          <p:cNvPr id="12" name="Content Placeholder 3">
+            <a:extLst>
+              <a:ext uri="{FF2B5EF4-FFF2-40B4-BE49-F238E27FC236}">
+                <a16:creationId xmlns:a16="http://schemas.microsoft.com/office/drawing/2014/main" id="{64F6EA15-0800-443C-AEEC-5EA5F4069ED1}"/>
+              </a:ext>
+            </a:extLst>
+          </p:cNvPr>
+          <p:cNvSpPr>
+            <a:spLocks noGrp="1"/>
+          </p:cNvSpPr>
+          <p:nvPr>
+            <p:ph idx="12"/>
+          </p:nvPr>
+        </p:nvSpPr>
+        <p:spPr>
+          <a:xfrm>
+            <a:off x="424542" y="4712653"/>
+            <a:ext cx="6116493" cy="553208"/>
+          </a:xfrm>
+        </p:spPr>
+        <p:txBody>
+          <a:bodyPr/>
+          <a:lstStyle/>
+          <a:p>
+            <a:r>
+              <a:rPr lang="en-US" dirty="0"/>
+              <a:t>Reitse.eskens@axians.com</a:t>
+            </a:r>
+          </a:p>
+        </p:txBody>
+      </p:sp>
+      <p:sp>
+        <p:nvSpPr>
+          <p:cNvPr id="14" name="Content Placeholder 4">
+            <a:extLst>
+              <a:ext uri="{FF2B5EF4-FFF2-40B4-BE49-F238E27FC236}">
+                <a16:creationId xmlns:a16="http://schemas.microsoft.com/office/drawing/2014/main" id="{27C18F42-B7AC-47B4-82D7-E55453049FCA}"/>
+              </a:ext>
+            </a:extLst>
+          </p:cNvPr>
+          <p:cNvSpPr>
+            <a:spLocks noGrp="1"/>
+          </p:cNvSpPr>
+          <p:nvPr>
+            <p:ph idx="13"/>
+          </p:nvPr>
+        </p:nvSpPr>
+        <p:spPr>
+          <a:xfrm>
+            <a:off x="424542" y="5283715"/>
+            <a:ext cx="6116493" cy="553208"/>
+          </a:xfrm>
+        </p:spPr>
+        <p:txBody>
+          <a:bodyPr/>
+          <a:lstStyle/>
+          <a:p>
+            <a:r>
+              <a:rPr lang="en-US" dirty="0"/>
+              <a:t>@2meterDBA</a:t>
+            </a:r>
+          </a:p>
+        </p:txBody>
+      </p:sp>
+      <p:sp>
+        <p:nvSpPr>
+          <p:cNvPr id="16" name="Content Placeholder 5">
+            <a:extLst>
+              <a:ext uri="{FF2B5EF4-FFF2-40B4-BE49-F238E27FC236}">
+                <a16:creationId xmlns:a16="http://schemas.microsoft.com/office/drawing/2014/main" id="{0CF0171B-3FC1-42F8-9BAA-7E7372599914}"/>
+              </a:ext>
+            </a:extLst>
+          </p:cNvPr>
+          <p:cNvSpPr>
+            <a:spLocks noGrp="1"/>
+          </p:cNvSpPr>
+          <p:nvPr>
+            <p:ph idx="14"/>
+          </p:nvPr>
+        </p:nvSpPr>
+        <p:spPr>
+          <a:xfrm>
+            <a:off x="424542" y="5854778"/>
+            <a:ext cx="6116493" cy="553208"/>
+          </a:xfrm>
+        </p:spPr>
+        <p:txBody>
+          <a:bodyPr/>
+          <a:lstStyle/>
+          <a:p>
+            <a:endParaRPr lang="en-US"/>
+          </a:p>
+        </p:txBody>
+      </p:sp>
+    </p:spTree>
+    <p:extLst>
+      <p:ext uri="{BB962C8B-B14F-4D97-AF65-F5344CB8AC3E}">
+        <p14:creationId xmlns:p14="http://schemas.microsoft.com/office/powerpoint/2010/main" val="162709074"/>
+      </p:ext>
+    </p:extLst>
+  </p:cSld>
+  <p:clrMapOvr>
+    <a:masterClrMapping/>
+  </p:clrMapOvr>
+</p:sld>
+</file>
+
 <file path=ppt/slides/slide2.xml><?xml version="1.0" encoding="utf-8"?>
 <p:sld xmlns:a="http://schemas.openxmlformats.org/drawingml/2006/main" xmlns:r="http://schemas.openxmlformats.org/officeDocument/2006/relationships" xmlns:p="http://schemas.openxmlformats.org/presentationml/2006/main">
   <p:cSld>
@@ -8032,10 +12727,10 @@
       </p:grpSpPr>
       <p:sp>
         <p:nvSpPr>
-          <p:cNvPr id="11" name="Title 1">
+          <p:cNvPr id="13" name="Title 2">
             <a:extLst>
               <a:ext uri="{FF2B5EF4-FFF2-40B4-BE49-F238E27FC236}">
-                <a16:creationId xmlns:a16="http://schemas.microsoft.com/office/drawing/2014/main" id="{233872FC-B43C-440A-B98B-18514D04AA4C}"/>
+                <a16:creationId xmlns:a16="http://schemas.microsoft.com/office/drawing/2014/main" id="{0BE10AEB-CA0E-406F-AA64-FEB2675EF0AC}"/>
               </a:ext>
             </a:extLst>
           </p:cNvPr>
@@ -8048,354 +12743,58 @@
         </p:nvSpPr>
         <p:spPr>
           <a:xfrm>
-            <a:off x="424541" y="451274"/>
-            <a:ext cx="6137623" cy="711882"/>
+            <a:off x="369047" y="492942"/>
+            <a:ext cx="9418359" cy="1325563"/>
           </a:xfrm>
         </p:spPr>
         <p:txBody>
-          <a:bodyPr/>
+          <a:bodyPr wrap="square" anchor="t">
+            <a:normAutofit/>
+          </a:bodyPr>
           <a:lstStyle/>
           <a:p>
             <a:r>
               <a:rPr lang="en-US" dirty="0"/>
-              <a:t>Reitse</a:t>
+              <a:t>To Hyperscale or not to Hyperscale</a:t>
             </a:r>
           </a:p>
         </p:txBody>
       </p:sp>
-      <p:sp>
-        <p:nvSpPr>
-          <p:cNvPr id="13" name="Content Placeholder 2">
+      <p:graphicFrame>
+        <p:nvGraphicFramePr>
+          <p:cNvPr id="15" name="Content Placeholder 1">
             <a:extLst>
               <a:ext uri="{FF2B5EF4-FFF2-40B4-BE49-F238E27FC236}">
-                <a16:creationId xmlns:a16="http://schemas.microsoft.com/office/drawing/2014/main" id="{519BA506-36F2-48CD-AC7D-904F8B2BBA15}"/>
+                <a16:creationId xmlns:a16="http://schemas.microsoft.com/office/drawing/2014/main" id="{CCE79728-8B88-4D07-B651-0F66FAA789C6}"/>
               </a:ext>
             </a:extLst>
           </p:cNvPr>
-          <p:cNvSpPr>
-            <a:spLocks noGrp="1"/>
-          </p:cNvSpPr>
+          <p:cNvGraphicFramePr>
+            <a:graphicFrameLocks noGrp="1"/>
+          </p:cNvGraphicFramePr>
           <p:nvPr>
             <p:ph idx="1"/>
+            <p:extLst>
+              <p:ext uri="{D42A27DB-BD31-4B8C-83A1-F6EECF244321}">
+                <p14:modId xmlns:p14="http://schemas.microsoft.com/office/powerpoint/2010/main" val="2638307000"/>
+              </p:ext>
+            </p:extLst>
           </p:nvPr>
-        </p:nvSpPr>
-        <p:spPr>
-          <a:xfrm>
-            <a:off x="424542" y="2560817"/>
-            <a:ext cx="6035252" cy="647786"/>
-          </a:xfrm>
-        </p:spPr>
-        <p:txBody>
-          <a:bodyPr/>
-          <a:lstStyle/>
-          <a:p>
-            <a:r>
-              <a:rPr lang="en-US" dirty="0" err="1"/>
-              <a:t>Dataplatform</a:t>
-            </a:r>
-            <a:r>
-              <a:rPr lang="en-US" dirty="0"/>
-              <a:t> Consultant</a:t>
-            </a:r>
-          </a:p>
-        </p:txBody>
-      </p:sp>
-      <p:pic>
-        <p:nvPicPr>
-          <p:cNvPr id="8" name="Tijdelijke aanduiding voor afbeelding 7" descr="Afbeelding met buiten, lucht, persoon, person&#10;&#10;Automatisch gegenereerde beschrijving">
-            <a:extLst>
-              <a:ext uri="{FF2B5EF4-FFF2-40B4-BE49-F238E27FC236}">
-                <a16:creationId xmlns:a16="http://schemas.microsoft.com/office/drawing/2014/main" id="{83939467-0773-48A7-9D37-A9DEE3704FA8}"/>
-              </a:ext>
-            </a:extLst>
-          </p:cNvPr>
-          <p:cNvPicPr>
-            <a:picLocks noGrp="1" noChangeAspect="1"/>
-          </p:cNvPicPr>
-          <p:nvPr>
-            <p:ph type="pic" sz="quarter" idx="15"/>
-          </p:nvPr>
-        </p:nvPicPr>
-        <p:blipFill>
-          <a:blip r:embed="rId2">
-            <a:extLst>
-              <a:ext uri="{28A0092B-C50C-407E-A947-70E740481C1C}">
-                <a14:useLocalDpi xmlns:a14="http://schemas.microsoft.com/office/drawing/2010/main" val="0"/>
-              </a:ext>
-            </a:extLst>
-          </a:blip>
-          <a:srcRect l="17779" r="17779"/>
-          <a:stretch>
-            <a:fillRect/>
-          </a:stretch>
-        </p:blipFill>
-        <p:spPr>
-          <a:xfrm>
-            <a:off x="6702439" y="320193"/>
-            <a:ext cx="1619525" cy="1685925"/>
-          </a:xfrm>
-        </p:spPr>
-      </p:pic>
-      <p:sp>
-        <p:nvSpPr>
-          <p:cNvPr id="17" name="Content Placeholder 4">
-            <a:extLst>
-              <a:ext uri="{FF2B5EF4-FFF2-40B4-BE49-F238E27FC236}">
-                <a16:creationId xmlns:a16="http://schemas.microsoft.com/office/drawing/2014/main" id="{47AF6FE9-3235-4FD5-94BB-7989E4D64FD3}"/>
-              </a:ext>
-            </a:extLst>
-          </p:cNvPr>
-          <p:cNvSpPr>
-            <a:spLocks noGrp="1"/>
-          </p:cNvSpPr>
-          <p:nvPr>
-            <p:ph idx="12"/>
-          </p:nvPr>
-        </p:nvSpPr>
-        <p:spPr>
-          <a:xfrm>
-            <a:off x="858416" y="4673325"/>
-            <a:ext cx="5601378" cy="553208"/>
-          </a:xfrm>
-        </p:spPr>
-        <p:txBody>
-          <a:bodyPr/>
-          <a:lstStyle/>
-          <a:p>
-            <a:r>
-              <a:rPr lang="en-US" dirty="0"/>
-              <a:t>Reitse.eskens@axians.com</a:t>
-            </a:r>
-          </a:p>
-        </p:txBody>
-      </p:sp>
-      <p:sp>
-        <p:nvSpPr>
-          <p:cNvPr id="19" name="Content Placeholder 5">
-            <a:extLst>
-              <a:ext uri="{FF2B5EF4-FFF2-40B4-BE49-F238E27FC236}">
-                <a16:creationId xmlns:a16="http://schemas.microsoft.com/office/drawing/2014/main" id="{95F41D0E-295E-4C63-B2CC-8B9B299BF9AF}"/>
-              </a:ext>
-            </a:extLst>
-          </p:cNvPr>
-          <p:cNvSpPr>
-            <a:spLocks noGrp="1"/>
-          </p:cNvSpPr>
-          <p:nvPr>
-            <p:ph idx="13"/>
-          </p:nvPr>
-        </p:nvSpPr>
-        <p:spPr>
-          <a:xfrm>
-            <a:off x="858416" y="5244387"/>
-            <a:ext cx="5601378" cy="553208"/>
-          </a:xfrm>
-        </p:spPr>
-        <p:txBody>
-          <a:bodyPr/>
-          <a:lstStyle/>
-          <a:p>
-            <a:r>
-              <a:rPr lang="en-US" dirty="0"/>
-              <a:t>@2meterDBA</a:t>
-            </a:r>
-          </a:p>
-        </p:txBody>
-      </p:sp>
-      <p:sp>
-        <p:nvSpPr>
-          <p:cNvPr id="21" name="Content Placeholder 6">
-            <a:extLst>
-              <a:ext uri="{FF2B5EF4-FFF2-40B4-BE49-F238E27FC236}">
-                <a16:creationId xmlns:a16="http://schemas.microsoft.com/office/drawing/2014/main" id="{AA716709-6961-4F62-9BFC-EF7CCDE38058}"/>
-              </a:ext>
-            </a:extLst>
-          </p:cNvPr>
-          <p:cNvSpPr>
-            <a:spLocks noGrp="1"/>
-          </p:cNvSpPr>
-          <p:nvPr>
-            <p:ph idx="14"/>
-          </p:nvPr>
-        </p:nvSpPr>
-        <p:spPr>
-          <a:xfrm>
-            <a:off x="858416" y="5815450"/>
-            <a:ext cx="5601378" cy="553208"/>
-          </a:xfrm>
-        </p:spPr>
-        <p:txBody>
-          <a:bodyPr/>
-          <a:lstStyle/>
-          <a:p>
-            <a:endParaRPr lang="en-US"/>
-          </a:p>
-        </p:txBody>
-      </p:sp>
-      <p:sp>
-        <p:nvSpPr>
-          <p:cNvPr id="23" name="Content Placeholder 7">
-            <a:extLst>
-              <a:ext uri="{FF2B5EF4-FFF2-40B4-BE49-F238E27FC236}">
-                <a16:creationId xmlns:a16="http://schemas.microsoft.com/office/drawing/2014/main" id="{8968BF20-F6C0-4A90-857F-DB377DF990BF}"/>
-              </a:ext>
-            </a:extLst>
-          </p:cNvPr>
-          <p:cNvSpPr>
-            <a:spLocks noGrp="1"/>
-          </p:cNvSpPr>
-          <p:nvPr>
-            <p:ph idx="17"/>
-          </p:nvPr>
-        </p:nvSpPr>
-        <p:spPr>
-          <a:xfrm>
-            <a:off x="424542" y="3219579"/>
-            <a:ext cx="6035252" cy="647786"/>
-          </a:xfrm>
-        </p:spPr>
-        <p:txBody>
-          <a:bodyPr/>
-          <a:lstStyle/>
-          <a:p>
-            <a:r>
-              <a:rPr lang="en-US" dirty="0"/>
-              <a:t>Axians Business Analytics</a:t>
-            </a:r>
-          </a:p>
-        </p:txBody>
-      </p:sp>
-      <p:sp>
-        <p:nvSpPr>
-          <p:cNvPr id="25" name="Content Placeholder 8">
-            <a:extLst>
-              <a:ext uri="{FF2B5EF4-FFF2-40B4-BE49-F238E27FC236}">
-                <a16:creationId xmlns:a16="http://schemas.microsoft.com/office/drawing/2014/main" id="{3BFDD698-BC60-4365-BF1D-0D7044FC214B}"/>
-              </a:ext>
-            </a:extLst>
-          </p:cNvPr>
-          <p:cNvSpPr>
-            <a:spLocks noGrp="1"/>
-          </p:cNvSpPr>
-          <p:nvPr>
-            <p:ph idx="18"/>
-          </p:nvPr>
-        </p:nvSpPr>
-        <p:spPr>
-          <a:xfrm>
-            <a:off x="6702439" y="2560817"/>
-            <a:ext cx="5065019" cy="3400712"/>
-          </a:xfrm>
-        </p:spPr>
-        <p:txBody>
-          <a:bodyPr>
-            <a:normAutofit lnSpcReduction="10000"/>
-          </a:bodyPr>
-          <a:lstStyle/>
-          <a:p>
-            <a:r>
-              <a:rPr lang="en-US" dirty="0"/>
-              <a:t>Production DBA / Performance tuning</a:t>
-            </a:r>
-          </a:p>
-          <a:p>
-            <a:r>
-              <a:rPr lang="en-US" dirty="0"/>
-              <a:t>Azure infrastructure with Terraform</a:t>
-            </a:r>
-          </a:p>
-          <a:p>
-            <a:r>
-              <a:rPr lang="en-US" dirty="0"/>
-              <a:t>SQL training</a:t>
-            </a:r>
-          </a:p>
-          <a:p>
-            <a:r>
-              <a:rPr lang="en-US" dirty="0"/>
-              <a:t>Photography, running, cycling</a:t>
-            </a:r>
-          </a:p>
-          <a:p>
-            <a:r>
-              <a:rPr lang="en-US" dirty="0"/>
-              <a:t>Public speaker</a:t>
-            </a:r>
-          </a:p>
-        </p:txBody>
-      </p:sp>
-      <p:sp>
-        <p:nvSpPr>
-          <p:cNvPr id="27" name="Content Placeholder 9">
-            <a:extLst>
-              <a:ext uri="{FF2B5EF4-FFF2-40B4-BE49-F238E27FC236}">
-                <a16:creationId xmlns:a16="http://schemas.microsoft.com/office/drawing/2014/main" id="{A39FB720-3D59-4932-90FE-BC5A11D77C5B}"/>
-              </a:ext>
-            </a:extLst>
-          </p:cNvPr>
-          <p:cNvSpPr>
-            <a:spLocks noGrp="1"/>
-          </p:cNvSpPr>
-          <p:nvPr>
-            <p:ph idx="19"/>
-          </p:nvPr>
-        </p:nvSpPr>
-        <p:spPr>
-          <a:xfrm>
-            <a:off x="424541" y="1933620"/>
-            <a:ext cx="6035251" cy="404813"/>
-          </a:xfrm>
-        </p:spPr>
-        <p:txBody>
-          <a:bodyPr>
-            <a:normAutofit fontScale="92500" lnSpcReduction="10000"/>
-          </a:bodyPr>
-          <a:lstStyle/>
-          <a:p>
-            <a:r>
-              <a:rPr lang="en-US" dirty="0"/>
-              <a:t>He/Him</a:t>
-            </a:r>
-          </a:p>
-        </p:txBody>
-      </p:sp>
-      <p:sp>
-        <p:nvSpPr>
-          <p:cNvPr id="29" name="Text Placeholder 10">
-            <a:extLst>
-              <a:ext uri="{FF2B5EF4-FFF2-40B4-BE49-F238E27FC236}">
-                <a16:creationId xmlns:a16="http://schemas.microsoft.com/office/drawing/2014/main" id="{5EA74EB9-E64D-48E1-9E1D-39F15B5CA811}"/>
-              </a:ext>
-            </a:extLst>
-          </p:cNvPr>
-          <p:cNvSpPr>
-            <a:spLocks noGrp="1"/>
-          </p:cNvSpPr>
-          <p:nvPr>
-            <p:ph type="body" sz="quarter" idx="20"/>
-          </p:nvPr>
-        </p:nvSpPr>
-        <p:spPr>
-          <a:xfrm>
-            <a:off x="424541" y="1168024"/>
-            <a:ext cx="6137624" cy="711882"/>
-          </a:xfrm>
-        </p:spPr>
-        <p:txBody>
-          <a:bodyPr/>
-          <a:lstStyle/>
-          <a:p>
-            <a:r>
-              <a:rPr lang="en-US" dirty="0"/>
-              <a:t>Eskens</a:t>
-            </a:r>
-          </a:p>
-        </p:txBody>
-      </p:sp>
+        </p:nvGraphicFramePr>
+        <p:xfrm>
+          <a:off x="369047" y="1825625"/>
+          <a:ext cx="10515600" cy="4351338"/>
+        </p:xfrm>
+        <a:graphic>
+          <a:graphicData uri="http://schemas.openxmlformats.org/drawingml/2006/diagram">
+            <dgm:relIds xmlns:dgm="http://schemas.openxmlformats.org/drawingml/2006/diagram" xmlns:r="http://schemas.openxmlformats.org/officeDocument/2006/relationships" r:dm="rId3" r:lo="rId4" r:qs="rId5" r:cs="rId6"/>
+          </a:graphicData>
+        </a:graphic>
+      </p:graphicFrame>
     </p:spTree>
     <p:extLst>
       <p:ext uri="{BB962C8B-B14F-4D97-AF65-F5344CB8AC3E}">
-        <p14:creationId xmlns:p14="http://schemas.microsoft.com/office/powerpoint/2010/main" val="3520537768"/>
+        <p14:creationId xmlns:p14="http://schemas.microsoft.com/office/powerpoint/2010/main" val="578624653"/>
       </p:ext>
     </p:extLst>
   </p:cSld>
@@ -8422,45 +12821,12 @@
           <a:chExt cx="0" cy="0"/>
         </a:xfrm>
       </p:grpSpPr>
-      <p:pic>
-        <p:nvPicPr>
-          <p:cNvPr id="12" name="Tijdelijke aanduiding voor inhoud 11">
-            <a:extLst>
-              <a:ext uri="{FF2B5EF4-FFF2-40B4-BE49-F238E27FC236}">
-                <a16:creationId xmlns:a16="http://schemas.microsoft.com/office/drawing/2014/main" id="{8CC42877-79DB-44FF-8624-34C917EAA4BC}"/>
-              </a:ext>
-            </a:extLst>
-          </p:cNvPr>
-          <p:cNvPicPr>
-            <a:picLocks noGrp="1" noChangeAspect="1"/>
-          </p:cNvPicPr>
-          <p:nvPr>
-            <p:ph idx="1"/>
-          </p:nvPr>
-        </p:nvPicPr>
-        <p:blipFill>
-          <a:blip r:embed="rId2"/>
-          <a:stretch>
-            <a:fillRect/>
-          </a:stretch>
-        </p:blipFill>
-        <p:spPr>
-          <a:xfrm>
-            <a:off x="1875693" y="1825625"/>
-            <a:ext cx="7502308" cy="4351338"/>
-          </a:xfrm>
-          <a:prstGeom prst="rect">
-            <a:avLst/>
-          </a:prstGeom>
-          <a:noFill/>
-        </p:spPr>
-      </p:pic>
       <p:sp>
         <p:nvSpPr>
-          <p:cNvPr id="18" name="Title 2">
+          <p:cNvPr id="11" name="Title 1">
             <a:extLst>
               <a:ext uri="{FF2B5EF4-FFF2-40B4-BE49-F238E27FC236}">
-                <a16:creationId xmlns:a16="http://schemas.microsoft.com/office/drawing/2014/main" id="{67B15525-1F93-44F4-90EC-2176D8753326}"/>
+                <a16:creationId xmlns:a16="http://schemas.microsoft.com/office/drawing/2014/main" id="{233872FC-B43C-440A-B98B-18514D04AA4C}"/>
               </a:ext>
             </a:extLst>
           </p:cNvPr>
@@ -8473,19 +12839,352 @@
         </p:nvSpPr>
         <p:spPr>
           <a:xfrm>
-            <a:off x="369047" y="492942"/>
-            <a:ext cx="9418359" cy="1325563"/>
+            <a:off x="424541" y="451274"/>
+            <a:ext cx="6137623" cy="711882"/>
           </a:xfrm>
         </p:spPr>
         <p:txBody>
-          <a:bodyPr wrap="square" anchor="t">
-            <a:normAutofit/>
+          <a:bodyPr/>
+          <a:lstStyle/>
+          <a:p>
+            <a:r>
+              <a:rPr lang="en-US" dirty="0"/>
+              <a:t>Reitse</a:t>
+            </a:r>
+          </a:p>
+        </p:txBody>
+      </p:sp>
+      <p:sp>
+        <p:nvSpPr>
+          <p:cNvPr id="13" name="Content Placeholder 2">
+            <a:extLst>
+              <a:ext uri="{FF2B5EF4-FFF2-40B4-BE49-F238E27FC236}">
+                <a16:creationId xmlns:a16="http://schemas.microsoft.com/office/drawing/2014/main" id="{519BA506-36F2-48CD-AC7D-904F8B2BBA15}"/>
+              </a:ext>
+            </a:extLst>
+          </p:cNvPr>
+          <p:cNvSpPr>
+            <a:spLocks noGrp="1"/>
+          </p:cNvSpPr>
+          <p:nvPr>
+            <p:ph idx="1"/>
+          </p:nvPr>
+        </p:nvSpPr>
+        <p:spPr>
+          <a:xfrm>
+            <a:off x="424542" y="2560817"/>
+            <a:ext cx="6035252" cy="647786"/>
+          </a:xfrm>
+        </p:spPr>
+        <p:txBody>
+          <a:bodyPr/>
+          <a:lstStyle/>
+          <a:p>
+            <a:r>
+              <a:rPr lang="en-US" dirty="0" err="1"/>
+              <a:t>Dataplatform</a:t>
+            </a:r>
+            <a:r>
+              <a:rPr lang="en-US" dirty="0"/>
+              <a:t> Consultant</a:t>
+            </a:r>
+          </a:p>
+        </p:txBody>
+      </p:sp>
+      <p:pic>
+        <p:nvPicPr>
+          <p:cNvPr id="8" name="Tijdelijke aanduiding voor afbeelding 7" descr="Afbeelding met buiten, lucht, persoon, person&#10;&#10;Automatisch gegenereerde beschrijving">
+            <a:extLst>
+              <a:ext uri="{FF2B5EF4-FFF2-40B4-BE49-F238E27FC236}">
+                <a16:creationId xmlns:a16="http://schemas.microsoft.com/office/drawing/2014/main" id="{83939467-0773-48A7-9D37-A9DEE3704FA8}"/>
+              </a:ext>
+            </a:extLst>
+          </p:cNvPr>
+          <p:cNvPicPr>
+            <a:picLocks noGrp="1" noChangeAspect="1"/>
+          </p:cNvPicPr>
+          <p:nvPr>
+            <p:ph type="pic" sz="quarter" idx="15"/>
+          </p:nvPr>
+        </p:nvPicPr>
+        <p:blipFill>
+          <a:blip r:embed="rId3">
+            <a:extLst>
+              <a:ext uri="{28A0092B-C50C-407E-A947-70E740481C1C}">
+                <a14:useLocalDpi xmlns:a14="http://schemas.microsoft.com/office/drawing/2010/main" val="0"/>
+              </a:ext>
+            </a:extLst>
+          </a:blip>
+          <a:srcRect l="17779" r="17779"/>
+          <a:stretch>
+            <a:fillRect/>
+          </a:stretch>
+        </p:blipFill>
+        <p:spPr>
+          <a:xfrm>
+            <a:off x="6702439" y="320193"/>
+            <a:ext cx="1619525" cy="1685925"/>
+          </a:xfrm>
+        </p:spPr>
+      </p:pic>
+      <p:sp>
+        <p:nvSpPr>
+          <p:cNvPr id="17" name="Content Placeholder 4">
+            <a:extLst>
+              <a:ext uri="{FF2B5EF4-FFF2-40B4-BE49-F238E27FC236}">
+                <a16:creationId xmlns:a16="http://schemas.microsoft.com/office/drawing/2014/main" id="{47AF6FE9-3235-4FD5-94BB-7989E4D64FD3}"/>
+              </a:ext>
+            </a:extLst>
+          </p:cNvPr>
+          <p:cNvSpPr>
+            <a:spLocks noGrp="1"/>
+          </p:cNvSpPr>
+          <p:nvPr>
+            <p:ph idx="12"/>
+          </p:nvPr>
+        </p:nvSpPr>
+        <p:spPr>
+          <a:xfrm>
+            <a:off x="858416" y="4673325"/>
+            <a:ext cx="5601378" cy="553208"/>
+          </a:xfrm>
+        </p:spPr>
+        <p:txBody>
+          <a:bodyPr/>
+          <a:lstStyle/>
+          <a:p>
+            <a:r>
+              <a:rPr lang="en-US" dirty="0"/>
+              <a:t>reitse.eskens@axians.com</a:t>
+            </a:r>
+          </a:p>
+        </p:txBody>
+      </p:sp>
+      <p:sp>
+        <p:nvSpPr>
+          <p:cNvPr id="19" name="Content Placeholder 5">
+            <a:extLst>
+              <a:ext uri="{FF2B5EF4-FFF2-40B4-BE49-F238E27FC236}">
+                <a16:creationId xmlns:a16="http://schemas.microsoft.com/office/drawing/2014/main" id="{95F41D0E-295E-4C63-B2CC-8B9B299BF9AF}"/>
+              </a:ext>
+            </a:extLst>
+          </p:cNvPr>
+          <p:cNvSpPr>
+            <a:spLocks noGrp="1"/>
+          </p:cNvSpPr>
+          <p:nvPr>
+            <p:ph idx="13"/>
+          </p:nvPr>
+        </p:nvSpPr>
+        <p:spPr>
+          <a:xfrm>
+            <a:off x="858416" y="5244387"/>
+            <a:ext cx="5601378" cy="553208"/>
+          </a:xfrm>
+        </p:spPr>
+        <p:txBody>
+          <a:bodyPr/>
+          <a:lstStyle/>
+          <a:p>
+            <a:r>
+              <a:rPr lang="en-US" dirty="0"/>
+              <a:t>@2meterDBA</a:t>
+            </a:r>
+          </a:p>
+        </p:txBody>
+      </p:sp>
+      <p:sp>
+        <p:nvSpPr>
+          <p:cNvPr id="21" name="Content Placeholder 6">
+            <a:extLst>
+              <a:ext uri="{FF2B5EF4-FFF2-40B4-BE49-F238E27FC236}">
+                <a16:creationId xmlns:a16="http://schemas.microsoft.com/office/drawing/2014/main" id="{AA716709-6961-4F62-9BFC-EF7CCDE38058}"/>
+              </a:ext>
+            </a:extLst>
+          </p:cNvPr>
+          <p:cNvSpPr>
+            <a:spLocks noGrp="1"/>
+          </p:cNvSpPr>
+          <p:nvPr>
+            <p:ph idx="14"/>
+          </p:nvPr>
+        </p:nvSpPr>
+        <p:spPr>
+          <a:xfrm>
+            <a:off x="858416" y="5815450"/>
+            <a:ext cx="5601378" cy="553208"/>
+          </a:xfrm>
+        </p:spPr>
+        <p:txBody>
+          <a:bodyPr/>
+          <a:lstStyle/>
+          <a:p>
+            <a:endParaRPr lang="en-US"/>
+          </a:p>
+        </p:txBody>
+      </p:sp>
+      <p:sp>
+        <p:nvSpPr>
+          <p:cNvPr id="23" name="Content Placeholder 7">
+            <a:extLst>
+              <a:ext uri="{FF2B5EF4-FFF2-40B4-BE49-F238E27FC236}">
+                <a16:creationId xmlns:a16="http://schemas.microsoft.com/office/drawing/2014/main" id="{8968BF20-F6C0-4A90-857F-DB377DF990BF}"/>
+              </a:ext>
+            </a:extLst>
+          </p:cNvPr>
+          <p:cNvSpPr>
+            <a:spLocks noGrp="1"/>
+          </p:cNvSpPr>
+          <p:nvPr>
+            <p:ph idx="17"/>
+          </p:nvPr>
+        </p:nvSpPr>
+        <p:spPr>
+          <a:xfrm>
+            <a:off x="424542" y="3219579"/>
+            <a:ext cx="6035252" cy="647786"/>
+          </a:xfrm>
+        </p:spPr>
+        <p:txBody>
+          <a:bodyPr/>
+          <a:lstStyle/>
+          <a:p>
+            <a:r>
+              <a:rPr lang="en-US" dirty="0"/>
+              <a:t>Axians Business Analytics</a:t>
+            </a:r>
+          </a:p>
+        </p:txBody>
+      </p:sp>
+      <p:sp>
+        <p:nvSpPr>
+          <p:cNvPr id="25" name="Content Placeholder 8">
+            <a:extLst>
+              <a:ext uri="{FF2B5EF4-FFF2-40B4-BE49-F238E27FC236}">
+                <a16:creationId xmlns:a16="http://schemas.microsoft.com/office/drawing/2014/main" id="{3BFDD698-BC60-4365-BF1D-0D7044FC214B}"/>
+              </a:ext>
+            </a:extLst>
+          </p:cNvPr>
+          <p:cNvSpPr>
+            <a:spLocks noGrp="1"/>
+          </p:cNvSpPr>
+          <p:nvPr>
+            <p:ph idx="18"/>
+          </p:nvPr>
+        </p:nvSpPr>
+        <p:spPr>
+          <a:xfrm>
+            <a:off x="6702439" y="2560817"/>
+            <a:ext cx="5065019" cy="3400712"/>
+          </a:xfrm>
+        </p:spPr>
+        <p:txBody>
+          <a:bodyPr>
+            <a:normAutofit lnSpcReduction="10000"/>
           </a:bodyPr>
           <a:lstStyle/>
           <a:p>
             <a:r>
               <a:rPr lang="en-US" dirty="0"/>
-              <a:t>Hyperscale, general design</a:t>
+              <a:t>Production DBA / Performance tuning</a:t>
+            </a:r>
+          </a:p>
+          <a:p>
+            <a:r>
+              <a:rPr lang="en-US" dirty="0"/>
+              <a:t>Azure infrastructure with Terraform</a:t>
+            </a:r>
+          </a:p>
+          <a:p>
+            <a:r>
+              <a:rPr lang="en-US" dirty="0"/>
+              <a:t>SQL training</a:t>
+            </a:r>
+          </a:p>
+          <a:p>
+            <a:r>
+              <a:rPr lang="en-US" dirty="0"/>
+              <a:t>Photography, running, cycling</a:t>
+            </a:r>
+          </a:p>
+          <a:p>
+            <a:r>
+              <a:rPr lang="en-US" dirty="0"/>
+              <a:t>Public speaker</a:t>
+            </a:r>
+          </a:p>
+          <a:p>
+            <a:r>
+              <a:rPr lang="en-US" dirty="0"/>
+              <a:t>Certified beyond any repair</a:t>
+            </a:r>
+          </a:p>
+        </p:txBody>
+      </p:sp>
+      <p:sp>
+        <p:nvSpPr>
+          <p:cNvPr id="27" name="Content Placeholder 9">
+            <a:extLst>
+              <a:ext uri="{FF2B5EF4-FFF2-40B4-BE49-F238E27FC236}">
+                <a16:creationId xmlns:a16="http://schemas.microsoft.com/office/drawing/2014/main" id="{A39FB720-3D59-4932-90FE-BC5A11D77C5B}"/>
+              </a:ext>
+            </a:extLst>
+          </p:cNvPr>
+          <p:cNvSpPr>
+            <a:spLocks noGrp="1"/>
+          </p:cNvSpPr>
+          <p:nvPr>
+            <p:ph idx="19"/>
+          </p:nvPr>
+        </p:nvSpPr>
+        <p:spPr>
+          <a:xfrm>
+            <a:off x="424541" y="1933620"/>
+            <a:ext cx="6035251" cy="404813"/>
+          </a:xfrm>
+        </p:spPr>
+        <p:txBody>
+          <a:bodyPr>
+            <a:normAutofit fontScale="92500" lnSpcReduction="10000"/>
+          </a:bodyPr>
+          <a:lstStyle/>
+          <a:p>
+            <a:r>
+              <a:rPr lang="en-US" dirty="0"/>
+              <a:t>He/Him</a:t>
+            </a:r>
+          </a:p>
+        </p:txBody>
+      </p:sp>
+      <p:sp>
+        <p:nvSpPr>
+          <p:cNvPr id="29" name="Text Placeholder 10">
+            <a:extLst>
+              <a:ext uri="{FF2B5EF4-FFF2-40B4-BE49-F238E27FC236}">
+                <a16:creationId xmlns:a16="http://schemas.microsoft.com/office/drawing/2014/main" id="{5EA74EB9-E64D-48E1-9E1D-39F15B5CA811}"/>
+              </a:ext>
+            </a:extLst>
+          </p:cNvPr>
+          <p:cNvSpPr>
+            <a:spLocks noGrp="1"/>
+          </p:cNvSpPr>
+          <p:nvPr>
+            <p:ph type="body" sz="quarter" idx="20"/>
+          </p:nvPr>
+        </p:nvSpPr>
+        <p:spPr>
+          <a:xfrm>
+            <a:off x="424541" y="1168024"/>
+            <a:ext cx="6137624" cy="711882"/>
+          </a:xfrm>
+        </p:spPr>
+        <p:txBody>
+          <a:bodyPr/>
+          <a:lstStyle/>
+          <a:p>
+            <a:r>
+              <a:rPr lang="en-US" dirty="0"/>
+              <a:t>Eskens</a:t>
             </a:r>
           </a:p>
         </p:txBody>
@@ -8493,7 +13192,7 @@
     </p:spTree>
     <p:extLst>
       <p:ext uri="{BB962C8B-B14F-4D97-AF65-F5344CB8AC3E}">
-        <p14:creationId xmlns:p14="http://schemas.microsoft.com/office/powerpoint/2010/main" val="3907297805"/>
+        <p14:creationId xmlns:p14="http://schemas.microsoft.com/office/powerpoint/2010/main" val="3520537768"/>
       </p:ext>
     </p:extLst>
   </p:cSld>
@@ -8520,63 +13219,45 @@
           <a:chExt cx="0" cy="0"/>
         </a:xfrm>
       </p:grpSpPr>
-      <p:sp>
-        <p:nvSpPr>
-          <p:cNvPr id="15" name="Content Placeholder 1">
+      <p:pic>
+        <p:nvPicPr>
+          <p:cNvPr id="12" name="Tijdelijke aanduiding voor inhoud 11">
             <a:extLst>
               <a:ext uri="{FF2B5EF4-FFF2-40B4-BE49-F238E27FC236}">
-                <a16:creationId xmlns:a16="http://schemas.microsoft.com/office/drawing/2014/main" id="{E3D6559E-B768-4636-84DC-BB93CF0DEC90}"/>
+                <a16:creationId xmlns:a16="http://schemas.microsoft.com/office/drawing/2014/main" id="{8CC42877-79DB-44FF-8624-34C917EAA4BC}"/>
               </a:ext>
             </a:extLst>
           </p:cNvPr>
-          <p:cNvSpPr>
-            <a:spLocks noGrp="1"/>
-          </p:cNvSpPr>
+          <p:cNvPicPr>
+            <a:picLocks noGrp="1" noChangeAspect="1"/>
+          </p:cNvPicPr>
           <p:nvPr>
             <p:ph idx="1"/>
           </p:nvPr>
-        </p:nvSpPr>
+        </p:nvPicPr>
+        <p:blipFill>
+          <a:blip r:embed="rId3"/>
+          <a:stretch>
+            <a:fillRect/>
+          </a:stretch>
+        </p:blipFill>
         <p:spPr>
           <a:xfrm>
-            <a:off x="369047" y="1825625"/>
-            <a:ext cx="10515600" cy="4351338"/>
+            <a:off x="1875693" y="1825625"/>
+            <a:ext cx="7502308" cy="4351338"/>
           </a:xfrm>
+          <a:prstGeom prst="rect">
+            <a:avLst/>
+          </a:prstGeom>
+          <a:noFill/>
         </p:spPr>
-        <p:txBody>
-          <a:bodyPr/>
-          <a:lstStyle/>
-          <a:p>
-            <a:r>
-              <a:rPr lang="en-US" dirty="0"/>
-              <a:t>It’s really fast (less to no log waits)</a:t>
-            </a:r>
-          </a:p>
-          <a:p>
-            <a:r>
-              <a:rPr lang="en-US" dirty="0"/>
-              <a:t>It scales in the background</a:t>
-            </a:r>
-          </a:p>
-          <a:p>
-            <a:r>
-              <a:rPr lang="en-US" dirty="0"/>
-              <a:t>You can scale it when needed</a:t>
-            </a:r>
-          </a:p>
-          <a:p>
-            <a:r>
-              <a:rPr lang="en-US" dirty="0"/>
-              <a:t>Costs are related to the running setting</a:t>
-            </a:r>
-          </a:p>
-        </p:txBody>
-      </p:sp>
+      </p:pic>
       <p:sp>
         <p:nvSpPr>
-          <p:cNvPr id="17" name="Title 2">
+          <p:cNvPr id="18" name="Title 2">
             <a:extLst>
               <a:ext uri="{FF2B5EF4-FFF2-40B4-BE49-F238E27FC236}">
-                <a16:creationId xmlns:a16="http://schemas.microsoft.com/office/drawing/2014/main" id="{61CDC0DB-C92D-49FC-81C5-F261C46F88E5}"/>
+                <a16:creationId xmlns:a16="http://schemas.microsoft.com/office/drawing/2014/main" id="{67B15525-1F93-44F4-90EC-2176D8753326}"/>
               </a:ext>
             </a:extLst>
           </p:cNvPr>
@@ -8594,12 +13275,14 @@
           </a:xfrm>
         </p:spPr>
         <p:txBody>
-          <a:bodyPr/>
+          <a:bodyPr wrap="square" anchor="t">
+            <a:normAutofit/>
+          </a:bodyPr>
           <a:lstStyle/>
           <a:p>
             <a:r>
               <a:rPr lang="en-US" dirty="0"/>
-              <a:t>Hyperscale!</a:t>
+              <a:t>Hyperscale, general design</a:t>
             </a:r>
           </a:p>
         </p:txBody>
@@ -8607,7 +13290,7 @@
     </p:spTree>
     <p:extLst>
       <p:ext uri="{BB962C8B-B14F-4D97-AF65-F5344CB8AC3E}">
-        <p14:creationId xmlns:p14="http://schemas.microsoft.com/office/powerpoint/2010/main" val="1358547531"/>
+        <p14:creationId xmlns:p14="http://schemas.microsoft.com/office/powerpoint/2010/main" val="3907297805"/>
       </p:ext>
     </p:extLst>
   </p:cSld>
@@ -8657,53 +13340,30 @@
           </a:xfrm>
         </p:spPr>
         <p:txBody>
-          <a:bodyPr>
-            <a:normAutofit fontScale="92500"/>
-          </a:bodyPr>
+          <a:bodyPr/>
           <a:lstStyle/>
           <a:p>
             <a:r>
               <a:rPr lang="en-US" dirty="0"/>
-              <a:t>It’s not always that fast</a:t>
+              <a:t>It’s really fast (less to no log waits)</a:t>
             </a:r>
           </a:p>
           <a:p>
             <a:r>
               <a:rPr lang="en-US" dirty="0"/>
-              <a:t>Scaling means a failover</a:t>
+              <a:t>It scales in the background</a:t>
             </a:r>
           </a:p>
           <a:p>
             <a:r>
               <a:rPr lang="en-US" dirty="0"/>
-              <a:t>Don’t forget to scale down</a:t>
+              <a:t>You can scale it when needed</a:t>
             </a:r>
           </a:p>
           <a:p>
             <a:r>
               <a:rPr lang="en-US" dirty="0"/>
-              <a:t>Scaling loses most of your DMV contents</a:t>
-            </a:r>
-          </a:p>
-          <a:p>
-            <a:r>
-              <a:rPr lang="en-US" dirty="0"/>
-              <a:t>Scaling loses your buffered </a:t>
-            </a:r>
-            <a:r>
-              <a:rPr lang="en-US"/>
-              <a:t>execution plans</a:t>
-            </a:r>
-            <a:endParaRPr lang="en-US" dirty="0"/>
-          </a:p>
-          <a:p>
-            <a:r>
-              <a:rPr lang="en-US" dirty="0" err="1"/>
-              <a:t>Querystore</a:t>
-            </a:r>
-            <a:r>
-              <a:rPr lang="en-US" dirty="0"/>
-              <a:t> doesn’t seem to suffer</a:t>
+              <a:t>Costs are related to the running setting</a:t>
             </a:r>
           </a:p>
         </p:txBody>
@@ -8736,7 +13396,7 @@
           <a:p>
             <a:r>
               <a:rPr lang="en-US" dirty="0"/>
-              <a:t>Hyperscale?</a:t>
+              <a:t>Hyperscale!</a:t>
             </a:r>
           </a:p>
         </p:txBody>
@@ -8744,7 +13404,7 @@
     </p:spTree>
     <p:extLst>
       <p:ext uri="{BB962C8B-B14F-4D97-AF65-F5344CB8AC3E}">
-        <p14:creationId xmlns:p14="http://schemas.microsoft.com/office/powerpoint/2010/main" val="2211963218"/>
+        <p14:creationId xmlns:p14="http://schemas.microsoft.com/office/powerpoint/2010/main" val="1358547531"/>
       </p:ext>
     </p:extLst>
   </p:cSld>
@@ -8794,30 +13454,42 @@
           </a:xfrm>
         </p:spPr>
         <p:txBody>
-          <a:bodyPr/>
+          <a:bodyPr>
+            <a:normAutofit/>
+          </a:bodyPr>
           <a:lstStyle/>
           <a:p>
             <a:r>
               <a:rPr lang="en-US" dirty="0"/>
-              <a:t>Do not upgrade a database to Hyperscale</a:t>
+              <a:t>Scaling means a failover</a:t>
             </a:r>
           </a:p>
           <a:p>
             <a:r>
               <a:rPr lang="en-US" dirty="0"/>
-              <a:t>The underlying design breaks</a:t>
+              <a:t>Don’t forget to scale down</a:t>
             </a:r>
           </a:p>
           <a:p>
             <a:r>
               <a:rPr lang="en-US" dirty="0"/>
-              <a:t>Weird waits</a:t>
+              <a:t>Scaling loses most of your DMV contents</a:t>
             </a:r>
           </a:p>
           <a:p>
             <a:r>
               <a:rPr lang="en-US" dirty="0"/>
-              <a:t>No performance at all</a:t>
+              <a:t>Look at your restores, is the default the correct one?</a:t>
+            </a:r>
+          </a:p>
+          <a:p>
+            <a:r>
+              <a:rPr lang="en-US" dirty="0" err="1"/>
+              <a:t>Querystore</a:t>
+            </a:r>
+            <a:r>
+              <a:rPr lang="en-US" dirty="0"/>
+              <a:t> doesn’t seem to suffer</a:t>
             </a:r>
           </a:p>
         </p:txBody>
@@ -8850,7 +13522,7 @@
           <a:p>
             <a:r>
               <a:rPr lang="en-US" dirty="0"/>
-              <a:t>Hyperscale bug</a:t>
+              <a:t>Hyperscale?</a:t>
             </a:r>
           </a:p>
         </p:txBody>
@@ -8858,7 +13530,7 @@
     </p:spTree>
     <p:extLst>
       <p:ext uri="{BB962C8B-B14F-4D97-AF65-F5344CB8AC3E}">
-        <p14:creationId xmlns:p14="http://schemas.microsoft.com/office/powerpoint/2010/main" val="3063761380"/>
+        <p14:creationId xmlns:p14="http://schemas.microsoft.com/office/powerpoint/2010/main" val="2211963218"/>
       </p:ext>
     </p:extLst>
   </p:cSld>
@@ -8885,12 +13557,270 @@
           <a:chExt cx="0" cy="0"/>
         </a:xfrm>
       </p:grpSpPr>
+      <p:pic>
+        <p:nvPicPr>
+          <p:cNvPr id="5" name="Picture 4">
+            <a:extLst>
+              <a:ext uri="{FF2B5EF4-FFF2-40B4-BE49-F238E27FC236}">
+                <a16:creationId xmlns:a16="http://schemas.microsoft.com/office/drawing/2014/main" id="{5F2363A7-DC69-422A-826D-7E43BC59F85D}"/>
+              </a:ext>
+            </a:extLst>
+          </p:cNvPr>
+          <p:cNvPicPr>
+            <a:picLocks noChangeAspect="1"/>
+          </p:cNvPicPr>
+          <p:nvPr/>
+        </p:nvPicPr>
+        <p:blipFill rotWithShape="1">
+          <a:blip r:embed="rId2"/>
+          <a:srcRect l="16605" r="27277"/>
+          <a:stretch/>
+        </p:blipFill>
+        <p:spPr>
+          <a:xfrm>
+            <a:off x="6635418" y="-2458"/>
+            <a:ext cx="5556582" cy="6856830"/>
+          </a:xfrm>
+          <a:custGeom>
+            <a:avLst/>
+            <a:gdLst>
+              <a:gd name="connsiteX0" fmla="*/ 0 w 10000"/>
+              <a:gd name="connsiteY0" fmla="*/ 10000 h 10000"/>
+              <a:gd name="connsiteX1" fmla="*/ 2000 w 10000"/>
+              <a:gd name="connsiteY1" fmla="*/ 0 h 10000"/>
+              <a:gd name="connsiteX2" fmla="*/ 10000 w 10000"/>
+              <a:gd name="connsiteY2" fmla="*/ 0 h 10000"/>
+              <a:gd name="connsiteX3" fmla="*/ 8000 w 10000"/>
+              <a:gd name="connsiteY3" fmla="*/ 10000 h 10000"/>
+              <a:gd name="connsiteX4" fmla="*/ 0 w 10000"/>
+              <a:gd name="connsiteY4" fmla="*/ 10000 h 10000"/>
+              <a:gd name="connsiteX0" fmla="*/ 0 w 9865"/>
+              <a:gd name="connsiteY0" fmla="*/ 10333 h 10333"/>
+              <a:gd name="connsiteX1" fmla="*/ 2000 w 9865"/>
+              <a:gd name="connsiteY1" fmla="*/ 333 h 10333"/>
+              <a:gd name="connsiteX2" fmla="*/ 9865 w 9865"/>
+              <a:gd name="connsiteY2" fmla="*/ 0 h 10333"/>
+              <a:gd name="connsiteX3" fmla="*/ 8000 w 9865"/>
+              <a:gd name="connsiteY3" fmla="*/ 10333 h 10333"/>
+              <a:gd name="connsiteX4" fmla="*/ 0 w 9865"/>
+              <a:gd name="connsiteY4" fmla="*/ 10333 h 10333"/>
+              <a:gd name="connsiteX0" fmla="*/ 0 w 10000"/>
+              <a:gd name="connsiteY0" fmla="*/ 10590 h 10590"/>
+              <a:gd name="connsiteX1" fmla="*/ 2573 w 10000"/>
+              <a:gd name="connsiteY1" fmla="*/ 0 h 10590"/>
+              <a:gd name="connsiteX2" fmla="*/ 10000 w 10000"/>
+              <a:gd name="connsiteY2" fmla="*/ 590 h 10590"/>
+              <a:gd name="connsiteX3" fmla="*/ 8109 w 10000"/>
+              <a:gd name="connsiteY3" fmla="*/ 10590 h 10590"/>
+              <a:gd name="connsiteX4" fmla="*/ 0 w 10000"/>
+              <a:gd name="connsiteY4" fmla="*/ 10590 h 10590"/>
+              <a:gd name="connsiteX0" fmla="*/ 0 w 10000"/>
+              <a:gd name="connsiteY0" fmla="*/ 10659 h 10659"/>
+              <a:gd name="connsiteX1" fmla="*/ 2573 w 10000"/>
+              <a:gd name="connsiteY1" fmla="*/ 69 h 10659"/>
+              <a:gd name="connsiteX2" fmla="*/ 10000 w 10000"/>
+              <a:gd name="connsiteY2" fmla="*/ 659 h 10659"/>
+              <a:gd name="connsiteX3" fmla="*/ 8109 w 10000"/>
+              <a:gd name="connsiteY3" fmla="*/ 10659 h 10659"/>
+              <a:gd name="connsiteX4" fmla="*/ 0 w 10000"/>
+              <a:gd name="connsiteY4" fmla="*/ 10659 h 10659"/>
+              <a:gd name="connsiteX0" fmla="*/ 0 w 13230"/>
+              <a:gd name="connsiteY0" fmla="*/ 11093 h 11093"/>
+              <a:gd name="connsiteX1" fmla="*/ 2573 w 13230"/>
+              <a:gd name="connsiteY1" fmla="*/ 503 h 11093"/>
+              <a:gd name="connsiteX2" fmla="*/ 13230 w 13230"/>
+              <a:gd name="connsiteY2" fmla="*/ 56 h 11093"/>
+              <a:gd name="connsiteX3" fmla="*/ 8109 w 13230"/>
+              <a:gd name="connsiteY3" fmla="*/ 11093 h 11093"/>
+              <a:gd name="connsiteX4" fmla="*/ 0 w 13230"/>
+              <a:gd name="connsiteY4" fmla="*/ 11093 h 11093"/>
+              <a:gd name="connsiteX0" fmla="*/ 0 w 13273"/>
+              <a:gd name="connsiteY0" fmla="*/ 11093 h 14026"/>
+              <a:gd name="connsiteX1" fmla="*/ 2573 w 13273"/>
+              <a:gd name="connsiteY1" fmla="*/ 503 h 14026"/>
+              <a:gd name="connsiteX2" fmla="*/ 13230 w 13273"/>
+              <a:gd name="connsiteY2" fmla="*/ 56 h 14026"/>
+              <a:gd name="connsiteX3" fmla="*/ 13273 w 13273"/>
+              <a:gd name="connsiteY3" fmla="*/ 14026 h 14026"/>
+              <a:gd name="connsiteX4" fmla="*/ 0 w 13273"/>
+              <a:gd name="connsiteY4" fmla="*/ 11093 h 14026"/>
+              <a:gd name="connsiteX0" fmla="*/ 0 w 14228"/>
+              <a:gd name="connsiteY0" fmla="*/ 14169 h 14169"/>
+              <a:gd name="connsiteX1" fmla="*/ 3528 w 14228"/>
+              <a:gd name="connsiteY1" fmla="*/ 503 h 14169"/>
+              <a:gd name="connsiteX2" fmla="*/ 14185 w 14228"/>
+              <a:gd name="connsiteY2" fmla="*/ 56 h 14169"/>
+              <a:gd name="connsiteX3" fmla="*/ 14228 w 14228"/>
+              <a:gd name="connsiteY3" fmla="*/ 14026 h 14169"/>
+              <a:gd name="connsiteX4" fmla="*/ 0 w 14228"/>
+              <a:gd name="connsiteY4" fmla="*/ 14169 h 14169"/>
+              <a:gd name="connsiteX0" fmla="*/ 0 w 14384"/>
+              <a:gd name="connsiteY0" fmla="*/ 13982 h 14026"/>
+              <a:gd name="connsiteX1" fmla="*/ 3684 w 14384"/>
+              <a:gd name="connsiteY1" fmla="*/ 503 h 14026"/>
+              <a:gd name="connsiteX2" fmla="*/ 14341 w 14384"/>
+              <a:gd name="connsiteY2" fmla="*/ 56 h 14026"/>
+              <a:gd name="connsiteX3" fmla="*/ 14384 w 14384"/>
+              <a:gd name="connsiteY3" fmla="*/ 14026 h 14026"/>
+              <a:gd name="connsiteX4" fmla="*/ 0 w 14384"/>
+              <a:gd name="connsiteY4" fmla="*/ 13982 h 14026"/>
+              <a:gd name="connsiteX0" fmla="*/ 0 w 14376"/>
+              <a:gd name="connsiteY0" fmla="*/ 13982 h 13987"/>
+              <a:gd name="connsiteX1" fmla="*/ 3684 w 14376"/>
+              <a:gd name="connsiteY1" fmla="*/ 503 h 13987"/>
+              <a:gd name="connsiteX2" fmla="*/ 14341 w 14376"/>
+              <a:gd name="connsiteY2" fmla="*/ 56 h 13987"/>
+              <a:gd name="connsiteX3" fmla="*/ 14376 w 14376"/>
+              <a:gd name="connsiteY3" fmla="*/ 13987 h 13987"/>
+              <a:gd name="connsiteX4" fmla="*/ 0 w 14376"/>
+              <a:gd name="connsiteY4" fmla="*/ 13982 h 13987"/>
+              <a:gd name="connsiteX0" fmla="*/ 0 w 14376"/>
+              <a:gd name="connsiteY0" fmla="*/ 13934 h 13939"/>
+              <a:gd name="connsiteX1" fmla="*/ 7307 w 14376"/>
+              <a:gd name="connsiteY1" fmla="*/ 3955 h 13939"/>
+              <a:gd name="connsiteX2" fmla="*/ 14341 w 14376"/>
+              <a:gd name="connsiteY2" fmla="*/ 8 h 13939"/>
+              <a:gd name="connsiteX3" fmla="*/ 14376 w 14376"/>
+              <a:gd name="connsiteY3" fmla="*/ 13939 h 13939"/>
+              <a:gd name="connsiteX4" fmla="*/ 0 w 14376"/>
+              <a:gd name="connsiteY4" fmla="*/ 13934 h 13939"/>
+              <a:gd name="connsiteX0" fmla="*/ 0 w 14376"/>
+              <a:gd name="connsiteY0" fmla="*/ 13947 h 13952"/>
+              <a:gd name="connsiteX1" fmla="*/ 7307 w 14376"/>
+              <a:gd name="connsiteY1" fmla="*/ 3968 h 13952"/>
+              <a:gd name="connsiteX2" fmla="*/ 14341 w 14376"/>
+              <a:gd name="connsiteY2" fmla="*/ 21 h 13952"/>
+              <a:gd name="connsiteX3" fmla="*/ 14376 w 14376"/>
+              <a:gd name="connsiteY3" fmla="*/ 13952 h 13952"/>
+              <a:gd name="connsiteX4" fmla="*/ 0 w 14376"/>
+              <a:gd name="connsiteY4" fmla="*/ 13947 h 13952"/>
+              <a:gd name="connsiteX0" fmla="*/ 0 w 14376"/>
+              <a:gd name="connsiteY0" fmla="*/ 13948 h 13953"/>
+              <a:gd name="connsiteX1" fmla="*/ 7307 w 14376"/>
+              <a:gd name="connsiteY1" fmla="*/ 3969 h 13953"/>
+              <a:gd name="connsiteX2" fmla="*/ 14341 w 14376"/>
+              <a:gd name="connsiteY2" fmla="*/ 22 h 13953"/>
+              <a:gd name="connsiteX3" fmla="*/ 14376 w 14376"/>
+              <a:gd name="connsiteY3" fmla="*/ 13953 h 13953"/>
+              <a:gd name="connsiteX4" fmla="*/ 0 w 14376"/>
+              <a:gd name="connsiteY4" fmla="*/ 13948 h 13953"/>
+              <a:gd name="connsiteX0" fmla="*/ 0 w 14376"/>
+              <a:gd name="connsiteY0" fmla="*/ 13652 h 13657"/>
+              <a:gd name="connsiteX1" fmla="*/ 7307 w 14376"/>
+              <a:gd name="connsiteY1" fmla="*/ 3673 h 13657"/>
+              <a:gd name="connsiteX2" fmla="*/ 13922 w 14376"/>
+              <a:gd name="connsiteY2" fmla="*/ 29 h 13657"/>
+              <a:gd name="connsiteX3" fmla="*/ 14376 w 14376"/>
+              <a:gd name="connsiteY3" fmla="*/ 13657 h 13657"/>
+              <a:gd name="connsiteX4" fmla="*/ 0 w 14376"/>
+              <a:gd name="connsiteY4" fmla="*/ 13652 h 13657"/>
+              <a:gd name="connsiteX0" fmla="*/ 0 w 14376"/>
+              <a:gd name="connsiteY0" fmla="*/ 13682 h 13687"/>
+              <a:gd name="connsiteX1" fmla="*/ 7307 w 14376"/>
+              <a:gd name="connsiteY1" fmla="*/ 3703 h 13687"/>
+              <a:gd name="connsiteX2" fmla="*/ 14357 w 14376"/>
+              <a:gd name="connsiteY2" fmla="*/ 27 h 13687"/>
+              <a:gd name="connsiteX3" fmla="*/ 14376 w 14376"/>
+              <a:gd name="connsiteY3" fmla="*/ 13687 h 13687"/>
+              <a:gd name="connsiteX4" fmla="*/ 0 w 14376"/>
+              <a:gd name="connsiteY4" fmla="*/ 13682 h 13687"/>
+              <a:gd name="connsiteX0" fmla="*/ 0 w 14376"/>
+              <a:gd name="connsiteY0" fmla="*/ 13960 h 13965"/>
+              <a:gd name="connsiteX1" fmla="*/ 7307 w 14376"/>
+              <a:gd name="connsiteY1" fmla="*/ 3981 h 13965"/>
+              <a:gd name="connsiteX2" fmla="*/ 14365 w 14376"/>
+              <a:gd name="connsiteY2" fmla="*/ 21 h 13965"/>
+              <a:gd name="connsiteX3" fmla="*/ 14376 w 14376"/>
+              <a:gd name="connsiteY3" fmla="*/ 13965 h 13965"/>
+              <a:gd name="connsiteX4" fmla="*/ 0 w 14376"/>
+              <a:gd name="connsiteY4" fmla="*/ 13960 h 13965"/>
+              <a:gd name="connsiteX0" fmla="*/ 0 w 14376"/>
+              <a:gd name="connsiteY0" fmla="*/ 13939 h 13944"/>
+              <a:gd name="connsiteX1" fmla="*/ 7307 w 14376"/>
+              <a:gd name="connsiteY1" fmla="*/ 3960 h 13944"/>
+              <a:gd name="connsiteX2" fmla="*/ 14365 w 14376"/>
+              <a:gd name="connsiteY2" fmla="*/ 0 h 13944"/>
+              <a:gd name="connsiteX3" fmla="*/ 14376 w 14376"/>
+              <a:gd name="connsiteY3" fmla="*/ 13944 h 13944"/>
+              <a:gd name="connsiteX4" fmla="*/ 0 w 14376"/>
+              <a:gd name="connsiteY4" fmla="*/ 13939 h 13944"/>
+              <a:gd name="connsiteX0" fmla="*/ 0 w 14376"/>
+              <a:gd name="connsiteY0" fmla="*/ 13940 h 13945"/>
+              <a:gd name="connsiteX1" fmla="*/ 7307 w 14376"/>
+              <a:gd name="connsiteY1" fmla="*/ 3961 h 13945"/>
+              <a:gd name="connsiteX2" fmla="*/ 14365 w 14376"/>
+              <a:gd name="connsiteY2" fmla="*/ 1 h 13945"/>
+              <a:gd name="connsiteX3" fmla="*/ 14376 w 14376"/>
+              <a:gd name="connsiteY3" fmla="*/ 13945 h 13945"/>
+              <a:gd name="connsiteX4" fmla="*/ 0 w 14376"/>
+              <a:gd name="connsiteY4" fmla="*/ 13940 h 13945"/>
+              <a:gd name="connsiteX0" fmla="*/ 0 w 14376"/>
+              <a:gd name="connsiteY0" fmla="*/ 13940 h 13945"/>
+              <a:gd name="connsiteX1" fmla="*/ 7307 w 14376"/>
+              <a:gd name="connsiteY1" fmla="*/ 3961 h 13945"/>
+              <a:gd name="connsiteX2" fmla="*/ 14365 w 14376"/>
+              <a:gd name="connsiteY2" fmla="*/ 1 h 13945"/>
+              <a:gd name="connsiteX3" fmla="*/ 14376 w 14376"/>
+              <a:gd name="connsiteY3" fmla="*/ 13945 h 13945"/>
+              <a:gd name="connsiteX4" fmla="*/ 0 w 14376"/>
+              <a:gd name="connsiteY4" fmla="*/ 13940 h 13945"/>
+            </a:gdLst>
+            <a:ahLst/>
+            <a:cxnLst>
+              <a:cxn ang="0">
+                <a:pos x="connsiteX0" y="connsiteY0"/>
+              </a:cxn>
+              <a:cxn ang="0">
+                <a:pos x="connsiteX1" y="connsiteY1"/>
+              </a:cxn>
+              <a:cxn ang="0">
+                <a:pos x="connsiteX2" y="connsiteY2"/>
+              </a:cxn>
+              <a:cxn ang="0">
+                <a:pos x="connsiteX3" y="connsiteY3"/>
+              </a:cxn>
+              <a:cxn ang="0">
+                <a:pos x="connsiteX4" y="connsiteY4"/>
+              </a:cxn>
+            </a:cxnLst>
+            <a:rect l="l" t="t" r="r" b="b"/>
+            <a:pathLst>
+              <a:path w="14376" h="13945">
+                <a:moveTo>
+                  <a:pt x="0" y="13940"/>
+                </a:moveTo>
+                <a:lnTo>
+                  <a:pt x="7307" y="3961"/>
+                </a:lnTo>
+                <a:cubicBezTo>
+                  <a:pt x="9054" y="1086"/>
+                  <a:pt x="11232" y="-47"/>
+                  <a:pt x="14365" y="1"/>
+                </a:cubicBezTo>
+                <a:cubicBezTo>
+                  <a:pt x="14379" y="4658"/>
+                  <a:pt x="14362" y="9288"/>
+                  <a:pt x="14376" y="13945"/>
+                </a:cubicBezTo>
+                <a:lnTo>
+                  <a:pt x="0" y="13940"/>
+                </a:lnTo>
+                <a:close/>
+              </a:path>
+            </a:pathLst>
+          </a:custGeom>
+          <a:noFill/>
+          <a:ln>
+            <a:noFill/>
+          </a:ln>
+        </p:spPr>
+      </p:pic>
       <p:sp>
         <p:nvSpPr>
-          <p:cNvPr id="8" name="Title 1">
+          <p:cNvPr id="9" name="Title 2">
             <a:extLst>
               <a:ext uri="{FF2B5EF4-FFF2-40B4-BE49-F238E27FC236}">
-                <a16:creationId xmlns:a16="http://schemas.microsoft.com/office/drawing/2014/main" id="{CC5ED373-2804-48BB-89E7-39B52C5B3729}"/>
+                <a16:creationId xmlns:a16="http://schemas.microsoft.com/office/drawing/2014/main" id="{3037BEAE-8BE1-43C7-AE76-A4D5B7C8DFC2}"/>
               </a:ext>
             </a:extLst>
           </p:cNvPr>
@@ -8903,8 +13833,8 @@
         </p:nvSpPr>
         <p:spPr>
           <a:xfrm>
-            <a:off x="424542" y="1492289"/>
-            <a:ext cx="9383009" cy="1935532"/>
+            <a:off x="369047" y="492942"/>
+            <a:ext cx="9418359" cy="1325563"/>
           </a:xfrm>
         </p:spPr>
         <p:txBody>
@@ -8913,17 +13843,17 @@
           <a:p>
             <a:r>
               <a:rPr lang="en-US" dirty="0"/>
-              <a:t>To Hyperscale or not to Hyperscale, that’s the question</a:t>
+              <a:t>Check your restore</a:t>
             </a:r>
           </a:p>
         </p:txBody>
       </p:sp>
       <p:sp>
         <p:nvSpPr>
-          <p:cNvPr id="10" name="Content Placeholder 2">
+          <p:cNvPr id="11" name="Content Placeholder 3">
             <a:extLst>
               <a:ext uri="{FF2B5EF4-FFF2-40B4-BE49-F238E27FC236}">
-                <a16:creationId xmlns:a16="http://schemas.microsoft.com/office/drawing/2014/main" id="{54EFBC09-C63D-4ED1-A74C-971B2B9D231B}"/>
+                <a16:creationId xmlns:a16="http://schemas.microsoft.com/office/drawing/2014/main" id="{EB50EC8E-F9BD-482C-99B7-96FBD023FD1D}"/>
               </a:ext>
             </a:extLst>
           </p:cNvPr>
@@ -8931,13 +13861,13 @@
             <a:spLocks noGrp="1"/>
           </p:cNvSpPr>
           <p:nvPr>
-            <p:ph idx="11"/>
+            <p:ph idx="1"/>
           </p:nvPr>
         </p:nvSpPr>
         <p:spPr>
           <a:xfrm>
-            <a:off x="424542" y="4141591"/>
-            <a:ext cx="6116493" cy="553208"/>
+            <a:off x="369046" y="1825625"/>
+            <a:ext cx="7418101" cy="4351338"/>
           </a:xfrm>
         </p:spPr>
         <p:txBody>
@@ -8946,117 +13876,467 @@
           <a:p>
             <a:r>
               <a:rPr lang="en-US" dirty="0"/>
-              <a:t>Reitse Eskens</a:t>
+              <a:t>Is this the correct setting?</a:t>
             </a:r>
+          </a:p>
+          <a:p>
+            <a:endParaRPr lang="en-US" dirty="0"/>
           </a:p>
         </p:txBody>
       </p:sp>
-      <p:sp>
-        <p:nvSpPr>
-          <p:cNvPr id="12" name="Content Placeholder 3">
+      <p:pic>
+        <p:nvPicPr>
+          <p:cNvPr id="6" name="Afbeelding 5">
             <a:extLst>
               <a:ext uri="{FF2B5EF4-FFF2-40B4-BE49-F238E27FC236}">
-                <a16:creationId xmlns:a16="http://schemas.microsoft.com/office/drawing/2014/main" id="{64F6EA15-0800-443C-AEEC-5EA5F4069ED1}"/>
+                <a16:creationId xmlns:a16="http://schemas.microsoft.com/office/drawing/2014/main" id="{C553DDF3-3B29-4DC2-A72E-174FCBE9DA8F}"/>
               </a:ext>
             </a:extLst>
           </p:cNvPr>
-          <p:cNvSpPr>
-            <a:spLocks noGrp="1"/>
-          </p:cNvSpPr>
-          <p:nvPr>
-            <p:ph idx="12"/>
-          </p:nvPr>
-        </p:nvSpPr>
+          <p:cNvPicPr>
+            <a:picLocks noChangeAspect="1"/>
+          </p:cNvPicPr>
+          <p:nvPr/>
+        </p:nvPicPr>
+        <p:blipFill>
+          <a:blip r:embed="rId3"/>
+          <a:stretch>
+            <a:fillRect/>
+          </a:stretch>
+        </p:blipFill>
         <p:spPr>
           <a:xfrm>
-            <a:off x="424542" y="4712653"/>
-            <a:ext cx="6116493" cy="553208"/>
+            <a:off x="115503" y="2739872"/>
+            <a:ext cx="7582958" cy="2191056"/>
           </a:xfrm>
+          <a:prstGeom prst="rect">
+            <a:avLst/>
+          </a:prstGeom>
         </p:spPr>
-        <p:txBody>
-          <a:bodyPr/>
-          <a:lstStyle/>
-          <a:p>
-            <a:r>
-              <a:rPr lang="en-US" dirty="0"/>
-              <a:t>Reitse.eskens@axians.com</a:t>
-            </a:r>
-          </a:p>
-        </p:txBody>
-      </p:sp>
-      <p:sp>
-        <p:nvSpPr>
-          <p:cNvPr id="14" name="Content Placeholder 4">
-            <a:extLst>
-              <a:ext uri="{FF2B5EF4-FFF2-40B4-BE49-F238E27FC236}">
-                <a16:creationId xmlns:a16="http://schemas.microsoft.com/office/drawing/2014/main" id="{27C18F42-B7AC-47B4-82D7-E55453049FCA}"/>
-              </a:ext>
-            </a:extLst>
-          </p:cNvPr>
-          <p:cNvSpPr>
-            <a:spLocks noGrp="1"/>
-          </p:cNvSpPr>
-          <p:nvPr>
-            <p:ph idx="13"/>
-          </p:nvPr>
-        </p:nvSpPr>
-        <p:spPr>
-          <a:xfrm>
-            <a:off x="424542" y="5283715"/>
-            <a:ext cx="6116493" cy="553208"/>
-          </a:xfrm>
-        </p:spPr>
-        <p:txBody>
-          <a:bodyPr/>
-          <a:lstStyle/>
-          <a:p>
-            <a:r>
-              <a:rPr lang="en-US" dirty="0"/>
-              <a:t>@2meterDBA</a:t>
-            </a:r>
-          </a:p>
-        </p:txBody>
-      </p:sp>
-      <p:sp>
-        <p:nvSpPr>
-          <p:cNvPr id="16" name="Content Placeholder 5">
-            <a:extLst>
-              <a:ext uri="{FF2B5EF4-FFF2-40B4-BE49-F238E27FC236}">
-                <a16:creationId xmlns:a16="http://schemas.microsoft.com/office/drawing/2014/main" id="{0CF0171B-3FC1-42F8-9BAA-7E7372599914}"/>
-              </a:ext>
-            </a:extLst>
-          </p:cNvPr>
-          <p:cNvSpPr>
-            <a:spLocks noGrp="1"/>
-          </p:cNvSpPr>
-          <p:nvPr>
-            <p:ph idx="14"/>
-          </p:nvPr>
-        </p:nvSpPr>
-        <p:spPr>
-          <a:xfrm>
-            <a:off x="424542" y="5854778"/>
-            <a:ext cx="6116493" cy="553208"/>
-          </a:xfrm>
-        </p:spPr>
-        <p:txBody>
-          <a:bodyPr/>
-          <a:lstStyle/>
-          <a:p>
-            <a:endParaRPr lang="en-US"/>
-          </a:p>
-        </p:txBody>
-      </p:sp>
+      </p:pic>
     </p:spTree>
     <p:extLst>
       <p:ext uri="{BB962C8B-B14F-4D97-AF65-F5344CB8AC3E}">
-        <p14:creationId xmlns:p14="http://schemas.microsoft.com/office/powerpoint/2010/main" val="162709074"/>
+        <p14:creationId xmlns:p14="http://schemas.microsoft.com/office/powerpoint/2010/main" val="767584409"/>
       </p:ext>
     </p:extLst>
   </p:cSld>
   <p:clrMapOvr>
     <a:masterClrMapping/>
   </p:clrMapOvr>
+</p:sld>
+</file>
+
+<file path=ppt/slides/slide8.xml><?xml version="1.0" encoding="utf-8"?>
+<p:sld xmlns:a="http://schemas.openxmlformats.org/drawingml/2006/main" xmlns:r="http://schemas.openxmlformats.org/officeDocument/2006/relationships" xmlns:p="http://schemas.openxmlformats.org/presentationml/2006/main">
+  <p:cSld>
+    <p:spTree>
+      <p:nvGrpSpPr>
+        <p:cNvPr id="1" name=""/>
+        <p:cNvGrpSpPr/>
+        <p:nvPr/>
+      </p:nvGrpSpPr>
+      <p:grpSpPr>
+        <a:xfrm>
+          <a:off x="0" y="0"/>
+          <a:ext cx="0" cy="0"/>
+          <a:chOff x="0" y="0"/>
+          <a:chExt cx="0" cy="0"/>
+        </a:xfrm>
+      </p:grpSpPr>
+      <p:sp>
+        <p:nvSpPr>
+          <p:cNvPr id="15" name="Content Placeholder 1">
+            <a:extLst>
+              <a:ext uri="{FF2B5EF4-FFF2-40B4-BE49-F238E27FC236}">
+                <a16:creationId xmlns:a16="http://schemas.microsoft.com/office/drawing/2014/main" id="{E3D6559E-B768-4636-84DC-BB93CF0DEC90}"/>
+              </a:ext>
+            </a:extLst>
+          </p:cNvPr>
+          <p:cNvSpPr>
+            <a:spLocks noGrp="1"/>
+          </p:cNvSpPr>
+          <p:nvPr>
+            <p:ph idx="1"/>
+          </p:nvPr>
+        </p:nvSpPr>
+        <p:spPr>
+          <a:xfrm>
+            <a:off x="369047" y="1825625"/>
+            <a:ext cx="10515600" cy="4351338"/>
+          </a:xfrm>
+        </p:spPr>
+        <p:txBody>
+          <a:bodyPr/>
+          <a:lstStyle/>
+          <a:p>
+            <a:r>
+              <a:rPr lang="en-US" dirty="0"/>
+              <a:t>Do not upgrade a database to Hyperscale</a:t>
+            </a:r>
+          </a:p>
+          <a:p>
+            <a:r>
+              <a:rPr lang="en-US" dirty="0"/>
+              <a:t>The underlying design breaks. You need 128 GB page servers, we got one 1 TB page server</a:t>
+            </a:r>
+          </a:p>
+          <a:p>
+            <a:r>
+              <a:rPr lang="en-US" dirty="0"/>
+              <a:t>RBIO_RG_STORAGE wait</a:t>
+            </a:r>
+          </a:p>
+          <a:p>
+            <a:r>
+              <a:rPr lang="en-US" dirty="0"/>
+              <a:t>No performance at all</a:t>
+            </a:r>
+          </a:p>
+        </p:txBody>
+      </p:sp>
+      <p:sp>
+        <p:nvSpPr>
+          <p:cNvPr id="17" name="Title 2">
+            <a:extLst>
+              <a:ext uri="{FF2B5EF4-FFF2-40B4-BE49-F238E27FC236}">
+                <a16:creationId xmlns:a16="http://schemas.microsoft.com/office/drawing/2014/main" id="{61CDC0DB-C92D-49FC-81C5-F261C46F88E5}"/>
+              </a:ext>
+            </a:extLst>
+          </p:cNvPr>
+          <p:cNvSpPr>
+            <a:spLocks noGrp="1"/>
+          </p:cNvSpPr>
+          <p:nvPr>
+            <p:ph type="title"/>
+          </p:nvPr>
+        </p:nvSpPr>
+        <p:spPr>
+          <a:xfrm>
+            <a:off x="369047" y="492942"/>
+            <a:ext cx="9418359" cy="1325563"/>
+          </a:xfrm>
+        </p:spPr>
+        <p:txBody>
+          <a:bodyPr/>
+          <a:lstStyle/>
+          <a:p>
+            <a:r>
+              <a:rPr lang="en-US" dirty="0"/>
+              <a:t>Hyperscale bug</a:t>
+            </a:r>
+          </a:p>
+        </p:txBody>
+      </p:sp>
+    </p:spTree>
+    <p:extLst>
+      <p:ext uri="{BB962C8B-B14F-4D97-AF65-F5344CB8AC3E}">
+        <p14:creationId xmlns:p14="http://schemas.microsoft.com/office/powerpoint/2010/main" val="3063761380"/>
+      </p:ext>
+    </p:extLst>
+  </p:cSld>
+  <p:clrMapOvr>
+    <a:masterClrMapping/>
+  </p:clrMapOvr>
+</p:sld>
+</file>
+
+<file path=ppt/slides/slide9.xml><?xml version="1.0" encoding="utf-8"?>
+<p:sld xmlns:a="http://schemas.openxmlformats.org/drawingml/2006/main" xmlns:r="http://schemas.openxmlformats.org/officeDocument/2006/relationships" xmlns:p="http://schemas.openxmlformats.org/presentationml/2006/main">
+  <p:cSld>
+    <p:spTree>
+      <p:nvGrpSpPr>
+        <p:cNvPr id="1" name=""/>
+        <p:cNvGrpSpPr/>
+        <p:nvPr/>
+      </p:nvGrpSpPr>
+      <p:grpSpPr>
+        <a:xfrm>
+          <a:off x="0" y="0"/>
+          <a:ext cx="0" cy="0"/>
+          <a:chOff x="0" y="0"/>
+          <a:chExt cx="0" cy="0"/>
+        </a:xfrm>
+      </p:grpSpPr>
+      <p:sp>
+        <p:nvSpPr>
+          <p:cNvPr id="17" name="Title 2">
+            <a:extLst>
+              <a:ext uri="{FF2B5EF4-FFF2-40B4-BE49-F238E27FC236}">
+                <a16:creationId xmlns:a16="http://schemas.microsoft.com/office/drawing/2014/main" id="{61CDC0DB-C92D-49FC-81C5-F261C46F88E5}"/>
+              </a:ext>
+            </a:extLst>
+          </p:cNvPr>
+          <p:cNvSpPr>
+            <a:spLocks noGrp="1"/>
+          </p:cNvSpPr>
+          <p:nvPr>
+            <p:ph type="title"/>
+          </p:nvPr>
+        </p:nvSpPr>
+        <p:spPr>
+          <a:xfrm>
+            <a:off x="369047" y="492942"/>
+            <a:ext cx="9418359" cy="1325563"/>
+          </a:xfrm>
+        </p:spPr>
+        <p:txBody>
+          <a:bodyPr/>
+          <a:lstStyle/>
+          <a:p>
+            <a:r>
+              <a:rPr lang="en-US" dirty="0"/>
+              <a:t>Hyperscale bug</a:t>
+            </a:r>
+          </a:p>
+        </p:txBody>
+      </p:sp>
+      <p:pic>
+        <p:nvPicPr>
+          <p:cNvPr id="6" name="Afbeelding 5">
+            <a:extLst>
+              <a:ext uri="{FF2B5EF4-FFF2-40B4-BE49-F238E27FC236}">
+                <a16:creationId xmlns:a16="http://schemas.microsoft.com/office/drawing/2014/main" id="{46F6574C-7F1F-4CB3-A73F-C8D19D7A47A3}"/>
+              </a:ext>
+            </a:extLst>
+          </p:cNvPr>
+          <p:cNvPicPr>
+            <a:picLocks noChangeAspect="1"/>
+          </p:cNvPicPr>
+          <p:nvPr/>
+        </p:nvPicPr>
+        <p:blipFill>
+          <a:blip r:embed="rId2"/>
+          <a:stretch>
+            <a:fillRect/>
+          </a:stretch>
+        </p:blipFill>
+        <p:spPr>
+          <a:xfrm>
+            <a:off x="836323" y="1404189"/>
+            <a:ext cx="3136542" cy="3799192"/>
+          </a:xfrm>
+          <a:prstGeom prst="rect">
+            <a:avLst/>
+          </a:prstGeom>
+        </p:spPr>
+      </p:pic>
+      <p:pic>
+        <p:nvPicPr>
+          <p:cNvPr id="5" name="Tijdelijke aanduiding voor inhoud 4">
+            <a:extLst>
+              <a:ext uri="{FF2B5EF4-FFF2-40B4-BE49-F238E27FC236}">
+                <a16:creationId xmlns:a16="http://schemas.microsoft.com/office/drawing/2014/main" id="{3232807B-D7F9-4A0F-9401-03F85C5658DB}"/>
+              </a:ext>
+            </a:extLst>
+          </p:cNvPr>
+          <p:cNvPicPr>
+            <a:picLocks noGrp="1" noChangeAspect="1"/>
+          </p:cNvPicPr>
+          <p:nvPr>
+            <p:ph idx="1"/>
+          </p:nvPr>
+        </p:nvPicPr>
+        <p:blipFill>
+          <a:blip r:embed="rId3"/>
+          <a:stretch>
+            <a:fillRect/>
+          </a:stretch>
+        </p:blipFill>
+        <p:spPr>
+          <a:xfrm>
+            <a:off x="944867" y="1906417"/>
+            <a:ext cx="9778067" cy="2296127"/>
+          </a:xfrm>
+          <a:prstGeom prst="rect">
+            <a:avLst/>
+          </a:prstGeom>
+        </p:spPr>
+      </p:pic>
+    </p:spTree>
+    <p:extLst>
+      <p:ext uri="{BB962C8B-B14F-4D97-AF65-F5344CB8AC3E}">
+        <p14:creationId xmlns:p14="http://schemas.microsoft.com/office/powerpoint/2010/main" val="4105432572"/>
+      </p:ext>
+    </p:extLst>
+  </p:cSld>
+  <p:clrMapOvr>
+    <a:masterClrMapping/>
+  </p:clrMapOvr>
+  <p:timing>
+    <p:tnLst>
+      <p:par>
+        <p:cTn id="1" dur="indefinite" restart="never" nodeType="tmRoot">
+          <p:childTnLst>
+            <p:seq concurrent="1" nextAc="seek">
+              <p:cTn id="2" dur="indefinite" nodeType="mainSeq">
+                <p:childTnLst>
+                  <p:par>
+                    <p:cTn id="3" fill="hold">
+                      <p:stCondLst>
+                        <p:cond delay="indefinite"/>
+                      </p:stCondLst>
+                      <p:childTnLst>
+                        <p:par>
+                          <p:cTn id="4" fill="hold">
+                            <p:stCondLst>
+                              <p:cond delay="0"/>
+                            </p:stCondLst>
+                            <p:childTnLst>
+                              <p:par>
+                                <p:cTn id="5" presetID="2" presetClass="entr" presetSubtype="4" fill="hold" nodeType="clickEffect">
+                                  <p:stCondLst>
+                                    <p:cond delay="0"/>
+                                  </p:stCondLst>
+                                  <p:childTnLst>
+                                    <p:set>
+                                      <p:cBhvr>
+                                        <p:cTn id="6" dur="1" fill="hold">
+                                          <p:stCondLst>
+                                            <p:cond delay="0"/>
+                                          </p:stCondLst>
+                                        </p:cTn>
+                                        <p:tgtEl>
+                                          <p:spTgt spid="5"/>
+                                        </p:tgtEl>
+                                        <p:attrNameLst>
+                                          <p:attrName>style.visibility</p:attrName>
+                                        </p:attrNameLst>
+                                      </p:cBhvr>
+                                      <p:to>
+                                        <p:strVal val="visible"/>
+                                      </p:to>
+                                    </p:set>
+                                    <p:anim calcmode="lin" valueType="num">
+                                      <p:cBhvr additive="base">
+                                        <p:cTn id="7" dur="500" fill="hold"/>
+                                        <p:tgtEl>
+                                          <p:spTgt spid="5"/>
+                                        </p:tgtEl>
+                                        <p:attrNameLst>
+                                          <p:attrName>ppt_x</p:attrName>
+                                        </p:attrNameLst>
+                                      </p:cBhvr>
+                                      <p:tavLst>
+                                        <p:tav tm="0">
+                                          <p:val>
+                                            <p:strVal val="#ppt_x"/>
+                                          </p:val>
+                                        </p:tav>
+                                        <p:tav tm="100000">
+                                          <p:val>
+                                            <p:strVal val="#ppt_x"/>
+                                          </p:val>
+                                        </p:tav>
+                                      </p:tavLst>
+                                    </p:anim>
+                                    <p:anim calcmode="lin" valueType="num">
+                                      <p:cBhvr additive="base">
+                                        <p:cTn id="8" dur="500" fill="hold"/>
+                                        <p:tgtEl>
+                                          <p:spTgt spid="5"/>
+                                        </p:tgtEl>
+                                        <p:attrNameLst>
+                                          <p:attrName>ppt_y</p:attrName>
+                                        </p:attrNameLst>
+                                      </p:cBhvr>
+                                      <p:tavLst>
+                                        <p:tav tm="0">
+                                          <p:val>
+                                            <p:strVal val="1+#ppt_h/2"/>
+                                          </p:val>
+                                        </p:tav>
+                                        <p:tav tm="100000">
+                                          <p:val>
+                                            <p:strVal val="#ppt_y"/>
+                                          </p:val>
+                                        </p:tav>
+                                      </p:tavLst>
+                                    </p:anim>
+                                  </p:childTnLst>
+                                </p:cTn>
+                              </p:par>
+                            </p:childTnLst>
+                          </p:cTn>
+                        </p:par>
+                      </p:childTnLst>
+                    </p:cTn>
+                  </p:par>
+                  <p:par>
+                    <p:cTn id="9" fill="hold">
+                      <p:stCondLst>
+                        <p:cond delay="indefinite"/>
+                      </p:stCondLst>
+                      <p:childTnLst>
+                        <p:par>
+                          <p:cTn id="10" fill="hold">
+                            <p:stCondLst>
+                              <p:cond delay="0"/>
+                            </p:stCondLst>
+                            <p:childTnLst>
+                              <p:par>
+                                <p:cTn id="11" presetID="10" presetClass="exit" presetSubtype="0" fill="hold" nodeType="clickEffect">
+                                  <p:stCondLst>
+                                    <p:cond delay="0"/>
+                                  </p:stCondLst>
+                                  <p:childTnLst>
+                                    <p:animEffect transition="out" filter="fade">
+                                      <p:cBhvr>
+                                        <p:cTn id="12" dur="500"/>
+                                        <p:tgtEl>
+                                          <p:spTgt spid="6"/>
+                                        </p:tgtEl>
+                                      </p:cBhvr>
+                                    </p:animEffect>
+                                    <p:set>
+                                      <p:cBhvr>
+                                        <p:cTn id="13" dur="1" fill="hold">
+                                          <p:stCondLst>
+                                            <p:cond delay="499"/>
+                                          </p:stCondLst>
+                                        </p:cTn>
+                                        <p:tgtEl>
+                                          <p:spTgt spid="6"/>
+                                        </p:tgtEl>
+                                        <p:attrNameLst>
+                                          <p:attrName>style.visibility</p:attrName>
+                                        </p:attrNameLst>
+                                      </p:cBhvr>
+                                      <p:to>
+                                        <p:strVal val="hidden"/>
+                                      </p:to>
+                                    </p:set>
+                                  </p:childTnLst>
+                                </p:cTn>
+                              </p:par>
+                            </p:childTnLst>
+                          </p:cTn>
+                        </p:par>
+                      </p:childTnLst>
+                    </p:cTn>
+                  </p:par>
+                </p:childTnLst>
+              </p:cTn>
+              <p:prevCondLst>
+                <p:cond evt="onPrev" delay="0">
+                  <p:tgtEl>
+                    <p:sldTgt/>
+                  </p:tgtEl>
+                </p:cond>
+              </p:prevCondLst>
+              <p:nextCondLst>
+                <p:cond evt="onNext" delay="0">
+                  <p:tgtEl>
+                    <p:sldTgt/>
+                  </p:tgtEl>
+                </p:cond>
+              </p:nextCondLst>
+            </p:seq>
+          </p:childTnLst>
+        </p:cTn>
+      </p:par>
+    </p:tnLst>
+  </p:timing>
 </p:sld>
 </file>
 
@@ -9364,4 +14644,299 @@
     </a:ext>
   </a:extLst>
 </a:theme>
+</file>
+
+<file path=ppt/theme/theme2.xml><?xml version="1.0" encoding="utf-8"?>
+<a:theme xmlns:a="http://schemas.openxmlformats.org/drawingml/2006/main" name="Kantoorthema">
+  <a:themeElements>
+    <a:clrScheme name="Office">
+      <a:dk1>
+        <a:sysClr val="windowText" lastClr="000000"/>
+      </a:dk1>
+      <a:lt1>
+        <a:sysClr val="window" lastClr="FFFFFF"/>
+      </a:lt1>
+      <a:dk2>
+        <a:srgbClr val="44546A"/>
+      </a:dk2>
+      <a:lt2>
+        <a:srgbClr val="E7E6E6"/>
+      </a:lt2>
+      <a:accent1>
+        <a:srgbClr val="4472C4"/>
+      </a:accent1>
+      <a:accent2>
+        <a:srgbClr val="ED7D31"/>
+      </a:accent2>
+      <a:accent3>
+        <a:srgbClr val="A5A5A5"/>
+      </a:accent3>
+      <a:accent4>
+        <a:srgbClr val="FFC000"/>
+      </a:accent4>
+      <a:accent5>
+        <a:srgbClr val="5B9BD5"/>
+      </a:accent5>
+      <a:accent6>
+        <a:srgbClr val="70AD47"/>
+      </a:accent6>
+      <a:hlink>
+        <a:srgbClr val="0563C1"/>
+      </a:hlink>
+      <a:folHlink>
+        <a:srgbClr val="954F72"/>
+      </a:folHlink>
+    </a:clrScheme>
+    <a:fontScheme name="Office">
+      <a:majorFont>
+        <a:latin typeface="Calibri Light" panose="020F0302020204030204"/>
+        <a:ea typeface=""/>
+        <a:cs typeface=""/>
+        <a:font script="Jpan" typeface="游ゴシック Light"/>
+        <a:font script="Hang" typeface="맑은 고딕"/>
+        <a:font script="Hans" typeface="等线 Light"/>
+        <a:font script="Hant" typeface="新細明體"/>
+        <a:font script="Arab" typeface="Times New Roman"/>
+        <a:font script="Hebr" typeface="Times New Roman"/>
+        <a:font script="Thai" typeface="Angsana New"/>
+        <a:font script="Ethi" typeface="Nyala"/>
+        <a:font script="Beng" typeface="Vrinda"/>
+        <a:font script="Gujr" typeface="Shruti"/>
+        <a:font script="Khmr" typeface="MoolBoran"/>
+        <a:font script="Knda" typeface="Tunga"/>
+        <a:font script="Guru" typeface="Raavi"/>
+        <a:font script="Cans" typeface="Euphemia"/>
+        <a:font script="Cher" typeface="Plantagenet Cherokee"/>
+        <a:font script="Yiii" typeface="Microsoft Yi Baiti"/>
+        <a:font script="Tibt" typeface="Microsoft Himalaya"/>
+        <a:font script="Thaa" typeface="MV Boli"/>
+        <a:font script="Deva" typeface="Mangal"/>
+        <a:font script="Telu" typeface="Gautami"/>
+        <a:font script="Taml" typeface="Latha"/>
+        <a:font script="Syrc" typeface="Estrangelo Edessa"/>
+        <a:font script="Orya" typeface="Kalinga"/>
+        <a:font script="Mlym" typeface="Kartika"/>
+        <a:font script="Laoo" typeface="DokChampa"/>
+        <a:font script="Sinh" typeface="Iskoola Pota"/>
+        <a:font script="Mong" typeface="Mongolian Baiti"/>
+        <a:font script="Viet" typeface="Times New Roman"/>
+        <a:font script="Uigh" typeface="Microsoft Uighur"/>
+        <a:font script="Geor" typeface="Sylfaen"/>
+        <a:font script="Armn" typeface="Arial"/>
+        <a:font script="Bugi" typeface="Leelawadee UI"/>
+        <a:font script="Bopo" typeface="Microsoft JhengHei"/>
+        <a:font script="Java" typeface="Javanese Text"/>
+        <a:font script="Lisu" typeface="Segoe UI"/>
+        <a:font script="Mymr" typeface="Myanmar Text"/>
+        <a:font script="Nkoo" typeface="Ebrima"/>
+        <a:font script="Olck" typeface="Nirmala UI"/>
+        <a:font script="Osma" typeface="Ebrima"/>
+        <a:font script="Phag" typeface="Phagspa"/>
+        <a:font script="Syrn" typeface="Estrangelo Edessa"/>
+        <a:font script="Syrj" typeface="Estrangelo Edessa"/>
+        <a:font script="Syre" typeface="Estrangelo Edessa"/>
+        <a:font script="Sora" typeface="Nirmala UI"/>
+        <a:font script="Tale" typeface="Microsoft Tai Le"/>
+        <a:font script="Talu" typeface="Microsoft New Tai Lue"/>
+        <a:font script="Tfng" typeface="Ebrima"/>
+      </a:majorFont>
+      <a:minorFont>
+        <a:latin typeface="Calibri" panose="020F0502020204030204"/>
+        <a:ea typeface=""/>
+        <a:cs typeface=""/>
+        <a:font script="Jpan" typeface="游ゴシック"/>
+        <a:font script="Hang" typeface="맑은 고딕"/>
+        <a:font script="Hans" typeface="等线"/>
+        <a:font script="Hant" typeface="新細明體"/>
+        <a:font script="Arab" typeface="Arial"/>
+        <a:font script="Hebr" typeface="Arial"/>
+        <a:font script="Thai" typeface="Cordia New"/>
+        <a:font script="Ethi" typeface="Nyala"/>
+        <a:font script="Beng" typeface="Vrinda"/>
+        <a:font script="Gujr" typeface="Shruti"/>
+        <a:font script="Khmr" typeface="DaunPenh"/>
+        <a:font script="Knda" typeface="Tunga"/>
+        <a:font script="Guru" typeface="Raavi"/>
+        <a:font script="Cans" typeface="Euphemia"/>
+        <a:font script="Cher" typeface="Plantagenet Cherokee"/>
+        <a:font script="Yiii" typeface="Microsoft Yi Baiti"/>
+        <a:font script="Tibt" typeface="Microsoft Himalaya"/>
+        <a:font script="Thaa" typeface="MV Boli"/>
+        <a:font script="Deva" typeface="Mangal"/>
+        <a:font script="Telu" typeface="Gautami"/>
+        <a:font script="Taml" typeface="Latha"/>
+        <a:font script="Syrc" typeface="Estrangelo Edessa"/>
+        <a:font script="Orya" typeface="Kalinga"/>
+        <a:font script="Mlym" typeface="Kartika"/>
+        <a:font script="Laoo" typeface="DokChampa"/>
+        <a:font script="Sinh" typeface="Iskoola Pota"/>
+        <a:font script="Mong" typeface="Mongolian Baiti"/>
+        <a:font script="Viet" typeface="Arial"/>
+        <a:font script="Uigh" typeface="Microsoft Uighur"/>
+        <a:font script="Geor" typeface="Sylfaen"/>
+        <a:font script="Armn" typeface="Arial"/>
+        <a:font script="Bugi" typeface="Leelawadee UI"/>
+        <a:font script="Bopo" typeface="Microsoft JhengHei"/>
+        <a:font script="Java" typeface="Javanese Text"/>
+        <a:font script="Lisu" typeface="Segoe UI"/>
+        <a:font script="Mymr" typeface="Myanmar Text"/>
+        <a:font script="Nkoo" typeface="Ebrima"/>
+        <a:font script="Olck" typeface="Nirmala UI"/>
+        <a:font script="Osma" typeface="Ebrima"/>
+        <a:font script="Phag" typeface="Phagspa"/>
+        <a:font script="Syrn" typeface="Estrangelo Edessa"/>
+        <a:font script="Syrj" typeface="Estrangelo Edessa"/>
+        <a:font script="Syre" typeface="Estrangelo Edessa"/>
+        <a:font script="Sora" typeface="Nirmala UI"/>
+        <a:font script="Tale" typeface="Microsoft Tai Le"/>
+        <a:font script="Talu" typeface="Microsoft New Tai Lue"/>
+        <a:font script="Tfng" typeface="Ebrima"/>
+      </a:minorFont>
+    </a:fontScheme>
+    <a:fmtScheme name="Office">
+      <a:fillStyleLst>
+        <a:solidFill>
+          <a:schemeClr val="phClr"/>
+        </a:solidFill>
+        <a:gradFill rotWithShape="1">
+          <a:gsLst>
+            <a:gs pos="0">
+              <a:schemeClr val="phClr">
+                <a:lumMod val="110000"/>
+                <a:satMod val="105000"/>
+                <a:tint val="67000"/>
+              </a:schemeClr>
+            </a:gs>
+            <a:gs pos="50000">
+              <a:schemeClr val="phClr">
+                <a:lumMod val="105000"/>
+                <a:satMod val="103000"/>
+                <a:tint val="73000"/>
+              </a:schemeClr>
+            </a:gs>
+            <a:gs pos="100000">
+              <a:schemeClr val="phClr">
+                <a:lumMod val="105000"/>
+                <a:satMod val="109000"/>
+                <a:tint val="81000"/>
+              </a:schemeClr>
+            </a:gs>
+          </a:gsLst>
+          <a:lin ang="5400000" scaled="0"/>
+        </a:gradFill>
+        <a:gradFill rotWithShape="1">
+          <a:gsLst>
+            <a:gs pos="0">
+              <a:schemeClr val="phClr">
+                <a:satMod val="103000"/>
+                <a:lumMod val="102000"/>
+                <a:tint val="94000"/>
+              </a:schemeClr>
+            </a:gs>
+            <a:gs pos="50000">
+              <a:schemeClr val="phClr">
+                <a:satMod val="110000"/>
+                <a:lumMod val="100000"/>
+                <a:shade val="100000"/>
+              </a:schemeClr>
+            </a:gs>
+            <a:gs pos="100000">
+              <a:schemeClr val="phClr">
+                <a:lumMod val="99000"/>
+                <a:satMod val="120000"/>
+                <a:shade val="78000"/>
+              </a:schemeClr>
+            </a:gs>
+          </a:gsLst>
+          <a:lin ang="5400000" scaled="0"/>
+        </a:gradFill>
+      </a:fillStyleLst>
+      <a:lnStyleLst>
+        <a:ln w="6350" cap="flat" cmpd="sng" algn="ctr">
+          <a:solidFill>
+            <a:schemeClr val="phClr"/>
+          </a:solidFill>
+          <a:prstDash val="solid"/>
+          <a:miter lim="800000"/>
+        </a:ln>
+        <a:ln w="12700" cap="flat" cmpd="sng" algn="ctr">
+          <a:solidFill>
+            <a:schemeClr val="phClr"/>
+          </a:solidFill>
+          <a:prstDash val="solid"/>
+          <a:miter lim="800000"/>
+        </a:ln>
+        <a:ln w="19050" cap="flat" cmpd="sng" algn="ctr">
+          <a:solidFill>
+            <a:schemeClr val="phClr"/>
+          </a:solidFill>
+          <a:prstDash val="solid"/>
+          <a:miter lim="800000"/>
+        </a:ln>
+      </a:lnStyleLst>
+      <a:effectStyleLst>
+        <a:effectStyle>
+          <a:effectLst/>
+        </a:effectStyle>
+        <a:effectStyle>
+          <a:effectLst/>
+        </a:effectStyle>
+        <a:effectStyle>
+          <a:effectLst>
+            <a:outerShdw blurRad="57150" dist="19050" dir="5400000" algn="ctr" rotWithShape="0">
+              <a:srgbClr val="000000">
+                <a:alpha val="63000"/>
+              </a:srgbClr>
+            </a:outerShdw>
+          </a:effectLst>
+        </a:effectStyle>
+      </a:effectStyleLst>
+      <a:bgFillStyleLst>
+        <a:solidFill>
+          <a:schemeClr val="phClr"/>
+        </a:solidFill>
+        <a:solidFill>
+          <a:schemeClr val="phClr">
+            <a:tint val="95000"/>
+            <a:satMod val="170000"/>
+          </a:schemeClr>
+        </a:solidFill>
+        <a:gradFill rotWithShape="1">
+          <a:gsLst>
+            <a:gs pos="0">
+              <a:schemeClr val="phClr">
+                <a:tint val="93000"/>
+                <a:satMod val="150000"/>
+                <a:shade val="98000"/>
+                <a:lumMod val="102000"/>
+              </a:schemeClr>
+            </a:gs>
+            <a:gs pos="50000">
+              <a:schemeClr val="phClr">
+                <a:tint val="98000"/>
+                <a:satMod val="130000"/>
+                <a:shade val="90000"/>
+                <a:lumMod val="103000"/>
+              </a:schemeClr>
+            </a:gs>
+            <a:gs pos="100000">
+              <a:schemeClr val="phClr">
+                <a:shade val="63000"/>
+                <a:satMod val="120000"/>
+              </a:schemeClr>
+            </a:gs>
+          </a:gsLst>
+          <a:lin ang="5400000" scaled="0"/>
+        </a:gradFill>
+      </a:bgFillStyleLst>
+    </a:fmtScheme>
+  </a:themeElements>
+  <a:objectDefaults/>
+  <a:extraClrSchemeLst/>
+  <a:extLst>
+    <a:ext uri="{05A4C25C-085E-4340-85A3-A5531E510DB2}">
+      <thm15:themeFamily xmlns:thm15="http://schemas.microsoft.com/office/thememl/2012/main" name="Office Theme" id="{62F939B6-93AF-4DB8-9C6B-D6C7DFDC589F}" vid="{4A3C46E8-61CC-4603-A589-7422A47A8E4A}"/>
+    </a:ext>
+  </a:extLst>
+</a:theme>
 </file>